--- a/resources/images.pptx
+++ b/resources/images.pptx
@@ -4,9 +4,20 @@
   <p:sldMasterIdLst>
     <p:sldMasterId id="2147483648" r:id="rId1"/>
   </p:sldMasterIdLst>
+  <p:notesMasterIdLst>
+    <p:notesMasterId r:id="rId12"/>
+  </p:notesMasterIdLst>
   <p:sldIdLst>
     <p:sldId id="256" r:id="rId2"/>
     <p:sldId id="257" r:id="rId3"/>
+    <p:sldId id="258" r:id="rId4"/>
+    <p:sldId id="261" r:id="rId5"/>
+    <p:sldId id="260" r:id="rId6"/>
+    <p:sldId id="259" r:id="rId7"/>
+    <p:sldId id="262" r:id="rId8"/>
+    <p:sldId id="263" r:id="rId9"/>
+    <p:sldId id="264" r:id="rId10"/>
+    <p:sldId id="265" r:id="rId11"/>
   </p:sldIdLst>
   <p:sldSz cx="9144000" cy="6858000" type="screen4x3"/>
   <p:notesSz cx="6858000" cy="9144000"/>
@@ -106,6 +117,724 @@
     </a:lvl9pPr>
   </p:defaultTextStyle>
 </p:presentation>
+</file>
+
+<file path=ppt/notesMasters/notesMaster1.xml><?xml version="1.0" encoding="utf-8"?>
+<p:notesMaster xmlns:a="http://schemas.openxmlformats.org/drawingml/2006/main" xmlns:r="http://schemas.openxmlformats.org/officeDocument/2006/relationships" xmlns:p="http://schemas.openxmlformats.org/presentationml/2006/main">
+  <p:cSld>
+    <p:bg>
+      <p:bgRef idx="1001">
+        <a:schemeClr val="bg1"/>
+      </p:bgRef>
+    </p:bg>
+    <p:spTree>
+      <p:nvGrpSpPr>
+        <p:cNvPr id="1" name=""/>
+        <p:cNvGrpSpPr/>
+        <p:nvPr/>
+      </p:nvGrpSpPr>
+      <p:grpSpPr>
+        <a:xfrm>
+          <a:off x="0" y="0"/>
+          <a:ext cx="0" cy="0"/>
+          <a:chOff x="0" y="0"/>
+          <a:chExt cx="0" cy="0"/>
+        </a:xfrm>
+      </p:grpSpPr>
+      <p:sp>
+        <p:nvSpPr>
+          <p:cNvPr id="2" name="ヘッダー プレースホルダー 1"/>
+          <p:cNvSpPr>
+            <a:spLocks noGrp="1"/>
+          </p:cNvSpPr>
+          <p:nvPr>
+            <p:ph type="hdr" sz="quarter"/>
+          </p:nvPr>
+        </p:nvSpPr>
+        <p:spPr>
+          <a:xfrm>
+            <a:off x="0" y="0"/>
+            <a:ext cx="2971800" cy="457200"/>
+          </a:xfrm>
+          <a:prstGeom prst="rect">
+            <a:avLst/>
+          </a:prstGeom>
+        </p:spPr>
+        <p:txBody>
+          <a:bodyPr vert="horz" lIns="91440" tIns="45720" rIns="91440" bIns="45720" rtlCol="0"/>
+          <a:lstStyle>
+            <a:lvl1pPr algn="l">
+              <a:defRPr sz="1200"/>
+            </a:lvl1pPr>
+          </a:lstStyle>
+          <a:p>
+            <a:endParaRPr kumimoji="1" lang="ja-JP" altLang="en-US"/>
+          </a:p>
+        </p:txBody>
+      </p:sp>
+      <p:sp>
+        <p:nvSpPr>
+          <p:cNvPr id="3" name="日付プレースホルダー 2"/>
+          <p:cNvSpPr>
+            <a:spLocks noGrp="1"/>
+          </p:cNvSpPr>
+          <p:nvPr>
+            <p:ph type="dt" idx="1"/>
+          </p:nvPr>
+        </p:nvSpPr>
+        <p:spPr>
+          <a:xfrm>
+            <a:off x="3884613" y="0"/>
+            <a:ext cx="2971800" cy="457200"/>
+          </a:xfrm>
+          <a:prstGeom prst="rect">
+            <a:avLst/>
+          </a:prstGeom>
+        </p:spPr>
+        <p:txBody>
+          <a:bodyPr vert="horz" lIns="91440" tIns="45720" rIns="91440" bIns="45720" rtlCol="0"/>
+          <a:lstStyle>
+            <a:lvl1pPr algn="r">
+              <a:defRPr sz="1200"/>
+            </a:lvl1pPr>
+          </a:lstStyle>
+          <a:p>
+            <a:fld id="{B724CA73-0BD2-46CD-914B-3F567A7AEBB1}" type="datetimeFigureOut">
+              <a:rPr kumimoji="1" lang="ja-JP" altLang="en-US" smtClean="0"/>
+              <a:t>2016/12/25</a:t>
+            </a:fld>
+            <a:endParaRPr kumimoji="1" lang="ja-JP" altLang="en-US"/>
+          </a:p>
+        </p:txBody>
+      </p:sp>
+      <p:sp>
+        <p:nvSpPr>
+          <p:cNvPr id="4" name="スライド イメージ プレースホルダー 3"/>
+          <p:cNvSpPr>
+            <a:spLocks noGrp="1" noRot="1" noChangeAspect="1"/>
+          </p:cNvSpPr>
+          <p:nvPr>
+            <p:ph type="sldImg" idx="2"/>
+          </p:nvPr>
+        </p:nvSpPr>
+        <p:spPr>
+          <a:xfrm>
+            <a:off x="1143000" y="685800"/>
+            <a:ext cx="4572000" cy="3429000"/>
+          </a:xfrm>
+          <a:prstGeom prst="rect">
+            <a:avLst/>
+          </a:prstGeom>
+          <a:noFill/>
+          <a:ln w="12700">
+            <a:solidFill>
+              <a:prstClr val="black"/>
+            </a:solidFill>
+          </a:ln>
+        </p:spPr>
+        <p:txBody>
+          <a:bodyPr vert="horz" lIns="91440" tIns="45720" rIns="91440" bIns="45720" rtlCol="0" anchor="ctr"/>
+          <a:lstStyle/>
+          <a:p>
+            <a:endParaRPr lang="ja-JP" altLang="en-US"/>
+          </a:p>
+        </p:txBody>
+      </p:sp>
+      <p:sp>
+        <p:nvSpPr>
+          <p:cNvPr id="5" name="ノート プレースホルダー 4"/>
+          <p:cNvSpPr>
+            <a:spLocks noGrp="1"/>
+          </p:cNvSpPr>
+          <p:nvPr>
+            <p:ph type="body" sz="quarter" idx="3"/>
+          </p:nvPr>
+        </p:nvSpPr>
+        <p:spPr>
+          <a:xfrm>
+            <a:off x="685800" y="4343400"/>
+            <a:ext cx="5486400" cy="4114800"/>
+          </a:xfrm>
+          <a:prstGeom prst="rect">
+            <a:avLst/>
+          </a:prstGeom>
+        </p:spPr>
+        <p:txBody>
+          <a:bodyPr vert="horz" lIns="91440" tIns="45720" rIns="91440" bIns="45720" rtlCol="0"/>
+          <a:lstStyle/>
+          <a:p>
+            <a:pPr lvl="0"/>
+            <a:r>
+              <a:rPr kumimoji="1" lang="ja-JP" altLang="en-US" smtClean="0"/>
+              <a:t>マスター テキストの書式設定</a:t>
+            </a:r>
+          </a:p>
+          <a:p>
+            <a:pPr lvl="1"/>
+            <a:r>
+              <a:rPr kumimoji="1" lang="ja-JP" altLang="en-US" smtClean="0"/>
+              <a:t>第 </a:t>
+            </a:r>
+            <a:r>
+              <a:rPr kumimoji="1" lang="en-US" altLang="ja-JP" smtClean="0"/>
+              <a:t>2 </a:t>
+            </a:r>
+            <a:r>
+              <a:rPr kumimoji="1" lang="ja-JP" altLang="en-US" smtClean="0"/>
+              <a:t>レベル</a:t>
+            </a:r>
+          </a:p>
+          <a:p>
+            <a:pPr lvl="2"/>
+            <a:r>
+              <a:rPr kumimoji="1" lang="ja-JP" altLang="en-US" smtClean="0"/>
+              <a:t>第 </a:t>
+            </a:r>
+            <a:r>
+              <a:rPr kumimoji="1" lang="en-US" altLang="ja-JP" smtClean="0"/>
+              <a:t>3 </a:t>
+            </a:r>
+            <a:r>
+              <a:rPr kumimoji="1" lang="ja-JP" altLang="en-US" smtClean="0"/>
+              <a:t>レベル</a:t>
+            </a:r>
+          </a:p>
+          <a:p>
+            <a:pPr lvl="3"/>
+            <a:r>
+              <a:rPr kumimoji="1" lang="ja-JP" altLang="en-US" smtClean="0"/>
+              <a:t>第 </a:t>
+            </a:r>
+            <a:r>
+              <a:rPr kumimoji="1" lang="en-US" altLang="ja-JP" smtClean="0"/>
+              <a:t>4 </a:t>
+            </a:r>
+            <a:r>
+              <a:rPr kumimoji="1" lang="ja-JP" altLang="en-US" smtClean="0"/>
+              <a:t>レベル</a:t>
+            </a:r>
+          </a:p>
+          <a:p>
+            <a:pPr lvl="4"/>
+            <a:r>
+              <a:rPr kumimoji="1" lang="ja-JP" altLang="en-US" smtClean="0"/>
+              <a:t>第 </a:t>
+            </a:r>
+            <a:r>
+              <a:rPr kumimoji="1" lang="en-US" altLang="ja-JP" smtClean="0"/>
+              <a:t>5 </a:t>
+            </a:r>
+            <a:r>
+              <a:rPr kumimoji="1" lang="ja-JP" altLang="en-US" smtClean="0"/>
+              <a:t>レベル</a:t>
+            </a:r>
+            <a:endParaRPr kumimoji="1" lang="ja-JP" altLang="en-US"/>
+          </a:p>
+        </p:txBody>
+      </p:sp>
+      <p:sp>
+        <p:nvSpPr>
+          <p:cNvPr id="6" name="フッター プレースホルダー 5"/>
+          <p:cNvSpPr>
+            <a:spLocks noGrp="1"/>
+          </p:cNvSpPr>
+          <p:nvPr>
+            <p:ph type="ftr" sz="quarter" idx="4"/>
+          </p:nvPr>
+        </p:nvSpPr>
+        <p:spPr>
+          <a:xfrm>
+            <a:off x="0" y="8685213"/>
+            <a:ext cx="2971800" cy="457200"/>
+          </a:xfrm>
+          <a:prstGeom prst="rect">
+            <a:avLst/>
+          </a:prstGeom>
+        </p:spPr>
+        <p:txBody>
+          <a:bodyPr vert="horz" lIns="91440" tIns="45720" rIns="91440" bIns="45720" rtlCol="0" anchor="b"/>
+          <a:lstStyle>
+            <a:lvl1pPr algn="l">
+              <a:defRPr sz="1200"/>
+            </a:lvl1pPr>
+          </a:lstStyle>
+          <a:p>
+            <a:endParaRPr kumimoji="1" lang="ja-JP" altLang="en-US"/>
+          </a:p>
+        </p:txBody>
+      </p:sp>
+      <p:sp>
+        <p:nvSpPr>
+          <p:cNvPr id="7" name="スライド番号プレースホルダー 6"/>
+          <p:cNvSpPr>
+            <a:spLocks noGrp="1"/>
+          </p:cNvSpPr>
+          <p:nvPr>
+            <p:ph type="sldNum" sz="quarter" idx="5"/>
+          </p:nvPr>
+        </p:nvSpPr>
+        <p:spPr>
+          <a:xfrm>
+            <a:off x="3884613" y="8685213"/>
+            <a:ext cx="2971800" cy="457200"/>
+          </a:xfrm>
+          <a:prstGeom prst="rect">
+            <a:avLst/>
+          </a:prstGeom>
+        </p:spPr>
+        <p:txBody>
+          <a:bodyPr vert="horz" lIns="91440" tIns="45720" rIns="91440" bIns="45720" rtlCol="0" anchor="b"/>
+          <a:lstStyle>
+            <a:lvl1pPr algn="r">
+              <a:defRPr sz="1200"/>
+            </a:lvl1pPr>
+          </a:lstStyle>
+          <a:p>
+            <a:fld id="{E9C80619-8228-4204-997E-A65852BC673F}" type="slidenum">
+              <a:rPr kumimoji="1" lang="ja-JP" altLang="en-US" smtClean="0"/>
+              <a:t>‹#›</a:t>
+            </a:fld>
+            <a:endParaRPr kumimoji="1" lang="ja-JP" altLang="en-US"/>
+          </a:p>
+        </p:txBody>
+      </p:sp>
+    </p:spTree>
+    <p:extLst>
+      <p:ext uri="{BB962C8B-B14F-4D97-AF65-F5344CB8AC3E}">
+        <p14:creationId xmlns:p14="http://schemas.microsoft.com/office/powerpoint/2010/main" val="1229263088"/>
+      </p:ext>
+    </p:extLst>
+  </p:cSld>
+  <p:clrMap bg1="lt1" tx1="dk1" bg2="lt2" tx2="dk2" accent1="accent1" accent2="accent2" accent3="accent3" accent4="accent4" accent5="accent5" accent6="accent6" hlink="hlink" folHlink="folHlink"/>
+  <p:notesStyle>
+    <a:lvl1pPr marL="0" algn="l" defTabSz="914400" rtl="0" eaLnBrk="1" latinLnBrk="0" hangingPunct="1">
+      <a:defRPr kumimoji="1" sz="1200" kern="1200">
+        <a:solidFill>
+          <a:schemeClr val="tx1"/>
+        </a:solidFill>
+        <a:latin typeface="+mn-lt"/>
+        <a:ea typeface="+mn-ea"/>
+        <a:cs typeface="+mn-cs"/>
+      </a:defRPr>
+    </a:lvl1pPr>
+    <a:lvl2pPr marL="457200" algn="l" defTabSz="914400" rtl="0" eaLnBrk="1" latinLnBrk="0" hangingPunct="1">
+      <a:defRPr kumimoji="1" sz="1200" kern="1200">
+        <a:solidFill>
+          <a:schemeClr val="tx1"/>
+        </a:solidFill>
+        <a:latin typeface="+mn-lt"/>
+        <a:ea typeface="+mn-ea"/>
+        <a:cs typeface="+mn-cs"/>
+      </a:defRPr>
+    </a:lvl2pPr>
+    <a:lvl3pPr marL="914400" algn="l" defTabSz="914400" rtl="0" eaLnBrk="1" latinLnBrk="0" hangingPunct="1">
+      <a:defRPr kumimoji="1" sz="1200" kern="1200">
+        <a:solidFill>
+          <a:schemeClr val="tx1"/>
+        </a:solidFill>
+        <a:latin typeface="+mn-lt"/>
+        <a:ea typeface="+mn-ea"/>
+        <a:cs typeface="+mn-cs"/>
+      </a:defRPr>
+    </a:lvl3pPr>
+    <a:lvl4pPr marL="1371600" algn="l" defTabSz="914400" rtl="0" eaLnBrk="1" latinLnBrk="0" hangingPunct="1">
+      <a:defRPr kumimoji="1" sz="1200" kern="1200">
+        <a:solidFill>
+          <a:schemeClr val="tx1"/>
+        </a:solidFill>
+        <a:latin typeface="+mn-lt"/>
+        <a:ea typeface="+mn-ea"/>
+        <a:cs typeface="+mn-cs"/>
+      </a:defRPr>
+    </a:lvl4pPr>
+    <a:lvl5pPr marL="1828800" algn="l" defTabSz="914400" rtl="0" eaLnBrk="1" latinLnBrk="0" hangingPunct="1">
+      <a:defRPr kumimoji="1" sz="1200" kern="1200">
+        <a:solidFill>
+          <a:schemeClr val="tx1"/>
+        </a:solidFill>
+        <a:latin typeface="+mn-lt"/>
+        <a:ea typeface="+mn-ea"/>
+        <a:cs typeface="+mn-cs"/>
+      </a:defRPr>
+    </a:lvl5pPr>
+    <a:lvl6pPr marL="2286000" algn="l" defTabSz="914400" rtl="0" eaLnBrk="1" latinLnBrk="0" hangingPunct="1">
+      <a:defRPr kumimoji="1" sz="1200" kern="1200">
+        <a:solidFill>
+          <a:schemeClr val="tx1"/>
+        </a:solidFill>
+        <a:latin typeface="+mn-lt"/>
+        <a:ea typeface="+mn-ea"/>
+        <a:cs typeface="+mn-cs"/>
+      </a:defRPr>
+    </a:lvl6pPr>
+    <a:lvl7pPr marL="2743200" algn="l" defTabSz="914400" rtl="0" eaLnBrk="1" latinLnBrk="0" hangingPunct="1">
+      <a:defRPr kumimoji="1" sz="1200" kern="1200">
+        <a:solidFill>
+          <a:schemeClr val="tx1"/>
+        </a:solidFill>
+        <a:latin typeface="+mn-lt"/>
+        <a:ea typeface="+mn-ea"/>
+        <a:cs typeface="+mn-cs"/>
+      </a:defRPr>
+    </a:lvl7pPr>
+    <a:lvl8pPr marL="3200400" algn="l" defTabSz="914400" rtl="0" eaLnBrk="1" latinLnBrk="0" hangingPunct="1">
+      <a:defRPr kumimoji="1" sz="1200" kern="1200">
+        <a:solidFill>
+          <a:schemeClr val="tx1"/>
+        </a:solidFill>
+        <a:latin typeface="+mn-lt"/>
+        <a:ea typeface="+mn-ea"/>
+        <a:cs typeface="+mn-cs"/>
+      </a:defRPr>
+    </a:lvl8pPr>
+    <a:lvl9pPr marL="3657600" algn="l" defTabSz="914400" rtl="0" eaLnBrk="1" latinLnBrk="0" hangingPunct="1">
+      <a:defRPr kumimoji="1" sz="1200" kern="1200">
+        <a:solidFill>
+          <a:schemeClr val="tx1"/>
+        </a:solidFill>
+        <a:latin typeface="+mn-lt"/>
+        <a:ea typeface="+mn-ea"/>
+        <a:cs typeface="+mn-cs"/>
+      </a:defRPr>
+    </a:lvl9pPr>
+  </p:notesStyle>
+</p:notesMaster>
+</file>
+
+<file path=ppt/notesSlides/notesSlide1.xml><?xml version="1.0" encoding="utf-8"?>
+<p:notes xmlns:a="http://schemas.openxmlformats.org/drawingml/2006/main" xmlns:r="http://schemas.openxmlformats.org/officeDocument/2006/relationships" xmlns:p="http://schemas.openxmlformats.org/presentationml/2006/main">
+  <p:cSld>
+    <p:spTree>
+      <p:nvGrpSpPr>
+        <p:cNvPr id="1" name=""/>
+        <p:cNvGrpSpPr/>
+        <p:nvPr/>
+      </p:nvGrpSpPr>
+      <p:grpSpPr>
+        <a:xfrm>
+          <a:off x="0" y="0"/>
+          <a:ext cx="0" cy="0"/>
+          <a:chOff x="0" y="0"/>
+          <a:chExt cx="0" cy="0"/>
+        </a:xfrm>
+      </p:grpSpPr>
+      <p:sp>
+        <p:nvSpPr>
+          <p:cNvPr id="2" name="スライド イメージ プレースホルダー 1"/>
+          <p:cNvSpPr>
+            <a:spLocks noGrp="1" noRot="1" noChangeAspect="1"/>
+          </p:cNvSpPr>
+          <p:nvPr>
+            <p:ph type="sldImg"/>
+          </p:nvPr>
+        </p:nvSpPr>
+        <p:spPr/>
+      </p:sp>
+      <p:sp>
+        <p:nvSpPr>
+          <p:cNvPr id="3" name="ノート プレースホルダー 2"/>
+          <p:cNvSpPr>
+            <a:spLocks noGrp="1"/>
+          </p:cNvSpPr>
+          <p:nvPr>
+            <p:ph type="body" idx="1"/>
+          </p:nvPr>
+        </p:nvSpPr>
+        <p:spPr/>
+        <p:txBody>
+          <a:bodyPr/>
+          <a:lstStyle/>
+          <a:p>
+            <a:endParaRPr kumimoji="1" lang="ja-JP" altLang="en-US" dirty="0"/>
+          </a:p>
+        </p:txBody>
+      </p:sp>
+      <p:sp>
+        <p:nvSpPr>
+          <p:cNvPr id="4" name="スライド番号プレースホルダー 3"/>
+          <p:cNvSpPr>
+            <a:spLocks noGrp="1"/>
+          </p:cNvSpPr>
+          <p:nvPr>
+            <p:ph type="sldNum" sz="quarter" idx="10"/>
+          </p:nvPr>
+        </p:nvSpPr>
+        <p:spPr/>
+        <p:txBody>
+          <a:bodyPr/>
+          <a:lstStyle/>
+          <a:p>
+            <a:fld id="{E9C80619-8228-4204-997E-A65852BC673F}" type="slidenum">
+              <a:rPr kumimoji="1" lang="ja-JP" altLang="en-US" smtClean="0"/>
+              <a:t>2</a:t>
+            </a:fld>
+            <a:endParaRPr kumimoji="1" lang="ja-JP" altLang="en-US"/>
+          </a:p>
+        </p:txBody>
+      </p:sp>
+    </p:spTree>
+    <p:extLst>
+      <p:ext uri="{BB962C8B-B14F-4D97-AF65-F5344CB8AC3E}">
+        <p14:creationId xmlns:p14="http://schemas.microsoft.com/office/powerpoint/2010/main" val="869628007"/>
+      </p:ext>
+    </p:extLst>
+  </p:cSld>
+  <p:clrMapOvr>
+    <a:masterClrMapping/>
+  </p:clrMapOvr>
+</p:notes>
+</file>
+
+<file path=ppt/notesSlides/notesSlide2.xml><?xml version="1.0" encoding="utf-8"?>
+<p:notes xmlns:a="http://schemas.openxmlformats.org/drawingml/2006/main" xmlns:r="http://schemas.openxmlformats.org/officeDocument/2006/relationships" xmlns:p="http://schemas.openxmlformats.org/presentationml/2006/main">
+  <p:cSld>
+    <p:spTree>
+      <p:nvGrpSpPr>
+        <p:cNvPr id="1" name=""/>
+        <p:cNvGrpSpPr/>
+        <p:nvPr/>
+      </p:nvGrpSpPr>
+      <p:grpSpPr>
+        <a:xfrm>
+          <a:off x="0" y="0"/>
+          <a:ext cx="0" cy="0"/>
+          <a:chOff x="0" y="0"/>
+          <a:chExt cx="0" cy="0"/>
+        </a:xfrm>
+      </p:grpSpPr>
+      <p:sp>
+        <p:nvSpPr>
+          <p:cNvPr id="2" name="スライド イメージ プレースホルダー 1"/>
+          <p:cNvSpPr>
+            <a:spLocks noGrp="1" noRot="1" noChangeAspect="1"/>
+          </p:cNvSpPr>
+          <p:nvPr>
+            <p:ph type="sldImg"/>
+          </p:nvPr>
+        </p:nvSpPr>
+        <p:spPr/>
+      </p:sp>
+      <p:sp>
+        <p:nvSpPr>
+          <p:cNvPr id="3" name="ノート プレースホルダー 2"/>
+          <p:cNvSpPr>
+            <a:spLocks noGrp="1"/>
+          </p:cNvSpPr>
+          <p:nvPr>
+            <p:ph type="body" idx="1"/>
+          </p:nvPr>
+        </p:nvSpPr>
+        <p:spPr/>
+        <p:txBody>
+          <a:bodyPr/>
+          <a:lstStyle/>
+          <a:p>
+            <a:endParaRPr kumimoji="1" lang="ja-JP" altLang="en-US" dirty="0"/>
+          </a:p>
+        </p:txBody>
+      </p:sp>
+      <p:sp>
+        <p:nvSpPr>
+          <p:cNvPr id="4" name="スライド番号プレースホルダー 3"/>
+          <p:cNvSpPr>
+            <a:spLocks noGrp="1"/>
+          </p:cNvSpPr>
+          <p:nvPr>
+            <p:ph type="sldNum" sz="quarter" idx="10"/>
+          </p:nvPr>
+        </p:nvSpPr>
+        <p:spPr/>
+        <p:txBody>
+          <a:bodyPr/>
+          <a:lstStyle/>
+          <a:p>
+            <a:fld id="{E9C80619-8228-4204-997E-A65852BC673F}" type="slidenum">
+              <a:rPr kumimoji="1" lang="ja-JP" altLang="en-US" smtClean="0"/>
+              <a:t>3</a:t>
+            </a:fld>
+            <a:endParaRPr kumimoji="1" lang="ja-JP" altLang="en-US"/>
+          </a:p>
+        </p:txBody>
+      </p:sp>
+    </p:spTree>
+    <p:extLst>
+      <p:ext uri="{BB962C8B-B14F-4D97-AF65-F5344CB8AC3E}">
+        <p14:creationId xmlns:p14="http://schemas.microsoft.com/office/powerpoint/2010/main" val="776831190"/>
+      </p:ext>
+    </p:extLst>
+  </p:cSld>
+  <p:clrMapOvr>
+    <a:masterClrMapping/>
+  </p:clrMapOvr>
+</p:notes>
+</file>
+
+<file path=ppt/notesSlides/notesSlide3.xml><?xml version="1.0" encoding="utf-8"?>
+<p:notes xmlns:a="http://schemas.openxmlformats.org/drawingml/2006/main" xmlns:r="http://schemas.openxmlformats.org/officeDocument/2006/relationships" xmlns:p="http://schemas.openxmlformats.org/presentationml/2006/main">
+  <p:cSld>
+    <p:spTree>
+      <p:nvGrpSpPr>
+        <p:cNvPr id="1" name=""/>
+        <p:cNvGrpSpPr/>
+        <p:nvPr/>
+      </p:nvGrpSpPr>
+      <p:grpSpPr>
+        <a:xfrm>
+          <a:off x="0" y="0"/>
+          <a:ext cx="0" cy="0"/>
+          <a:chOff x="0" y="0"/>
+          <a:chExt cx="0" cy="0"/>
+        </a:xfrm>
+      </p:grpSpPr>
+      <p:sp>
+        <p:nvSpPr>
+          <p:cNvPr id="2" name="スライド イメージ プレースホルダー 1"/>
+          <p:cNvSpPr>
+            <a:spLocks noGrp="1" noRot="1" noChangeAspect="1"/>
+          </p:cNvSpPr>
+          <p:nvPr>
+            <p:ph type="sldImg"/>
+          </p:nvPr>
+        </p:nvSpPr>
+        <p:spPr/>
+      </p:sp>
+      <p:sp>
+        <p:nvSpPr>
+          <p:cNvPr id="3" name="ノート プレースホルダー 2"/>
+          <p:cNvSpPr>
+            <a:spLocks noGrp="1"/>
+          </p:cNvSpPr>
+          <p:nvPr>
+            <p:ph type="body" idx="1"/>
+          </p:nvPr>
+        </p:nvSpPr>
+        <p:spPr/>
+        <p:txBody>
+          <a:bodyPr/>
+          <a:lstStyle/>
+          <a:p>
+            <a:endParaRPr kumimoji="1" lang="ja-JP" altLang="en-US" dirty="0"/>
+          </a:p>
+        </p:txBody>
+      </p:sp>
+      <p:sp>
+        <p:nvSpPr>
+          <p:cNvPr id="4" name="スライド番号プレースホルダー 3"/>
+          <p:cNvSpPr>
+            <a:spLocks noGrp="1"/>
+          </p:cNvSpPr>
+          <p:nvPr>
+            <p:ph type="sldNum" sz="quarter" idx="10"/>
+          </p:nvPr>
+        </p:nvSpPr>
+        <p:spPr/>
+        <p:txBody>
+          <a:bodyPr/>
+          <a:lstStyle/>
+          <a:p>
+            <a:fld id="{E9C80619-8228-4204-997E-A65852BC673F}" type="slidenum">
+              <a:rPr kumimoji="1" lang="ja-JP" altLang="en-US" smtClean="0"/>
+              <a:t>4</a:t>
+            </a:fld>
+            <a:endParaRPr kumimoji="1" lang="ja-JP" altLang="en-US"/>
+          </a:p>
+        </p:txBody>
+      </p:sp>
+    </p:spTree>
+    <p:extLst>
+      <p:ext uri="{BB962C8B-B14F-4D97-AF65-F5344CB8AC3E}">
+        <p14:creationId xmlns:p14="http://schemas.microsoft.com/office/powerpoint/2010/main" val="776831190"/>
+      </p:ext>
+    </p:extLst>
+  </p:cSld>
+  <p:clrMapOvr>
+    <a:masterClrMapping/>
+  </p:clrMapOvr>
+</p:notes>
+</file>
+
+<file path=ppt/notesSlides/notesSlide4.xml><?xml version="1.0" encoding="utf-8"?>
+<p:notes xmlns:a="http://schemas.openxmlformats.org/drawingml/2006/main" xmlns:r="http://schemas.openxmlformats.org/officeDocument/2006/relationships" xmlns:p="http://schemas.openxmlformats.org/presentationml/2006/main">
+  <p:cSld>
+    <p:spTree>
+      <p:nvGrpSpPr>
+        <p:cNvPr id="1" name=""/>
+        <p:cNvGrpSpPr/>
+        <p:nvPr/>
+      </p:nvGrpSpPr>
+      <p:grpSpPr>
+        <a:xfrm>
+          <a:off x="0" y="0"/>
+          <a:ext cx="0" cy="0"/>
+          <a:chOff x="0" y="0"/>
+          <a:chExt cx="0" cy="0"/>
+        </a:xfrm>
+      </p:grpSpPr>
+      <p:sp>
+        <p:nvSpPr>
+          <p:cNvPr id="2" name="スライド イメージ プレースホルダー 1"/>
+          <p:cNvSpPr>
+            <a:spLocks noGrp="1" noRot="1" noChangeAspect="1"/>
+          </p:cNvSpPr>
+          <p:nvPr>
+            <p:ph type="sldImg"/>
+          </p:nvPr>
+        </p:nvSpPr>
+        <p:spPr/>
+      </p:sp>
+      <p:sp>
+        <p:nvSpPr>
+          <p:cNvPr id="3" name="ノート プレースホルダー 2"/>
+          <p:cNvSpPr>
+            <a:spLocks noGrp="1"/>
+          </p:cNvSpPr>
+          <p:nvPr>
+            <p:ph type="body" idx="1"/>
+          </p:nvPr>
+        </p:nvSpPr>
+        <p:spPr/>
+        <p:txBody>
+          <a:bodyPr/>
+          <a:lstStyle/>
+          <a:p>
+            <a:endParaRPr kumimoji="1" lang="ja-JP" altLang="en-US" dirty="0"/>
+          </a:p>
+        </p:txBody>
+      </p:sp>
+      <p:sp>
+        <p:nvSpPr>
+          <p:cNvPr id="4" name="スライド番号プレースホルダー 3"/>
+          <p:cNvSpPr>
+            <a:spLocks noGrp="1"/>
+          </p:cNvSpPr>
+          <p:nvPr>
+            <p:ph type="sldNum" sz="quarter" idx="10"/>
+          </p:nvPr>
+        </p:nvSpPr>
+        <p:spPr/>
+        <p:txBody>
+          <a:bodyPr/>
+          <a:lstStyle/>
+          <a:p>
+            <a:fld id="{E9C80619-8228-4204-997E-A65852BC673F}" type="slidenum">
+              <a:rPr kumimoji="1" lang="ja-JP" altLang="en-US" smtClean="0"/>
+              <a:t>5</a:t>
+            </a:fld>
+            <a:endParaRPr kumimoji="1" lang="ja-JP" altLang="en-US"/>
+          </a:p>
+        </p:txBody>
+      </p:sp>
+    </p:spTree>
+    <p:extLst>
+      <p:ext uri="{BB962C8B-B14F-4D97-AF65-F5344CB8AC3E}">
+        <p14:creationId xmlns:p14="http://schemas.microsoft.com/office/powerpoint/2010/main" val="776831190"/>
+      </p:ext>
+    </p:extLst>
+  </p:cSld>
+  <p:clrMapOvr>
+    <a:masterClrMapping/>
+  </p:clrMapOvr>
+</p:notes>
 </file>
 
 <file path=ppt/slideLayouts/slideLayout1.xml><?xml version="1.0" encoding="utf-8"?>
@@ -3435,7 +4164,7 @@
 </p:sld>
 </file>
 
-<file path=ppt/slides/slide2.xml><?xml version="1.0" encoding="utf-8"?>
+<file path=ppt/slides/slide10.xml><?xml version="1.0" encoding="utf-8"?>
 <p:sld xmlns:a="http://schemas.openxmlformats.org/drawingml/2006/main" xmlns:r="http://schemas.openxmlformats.org/officeDocument/2006/relationships" xmlns:p="http://schemas.openxmlformats.org/presentationml/2006/main">
   <p:cSld>
     <p:spTree>
@@ -3490,18 +4219,91 @@
           </a:p>
         </p:txBody>
       </p:sp>
+      <p:pic>
+        <p:nvPicPr>
+          <p:cNvPr id="4098" name="Picture 2" descr="G:\comiket2016win\memo\images\eV\DSC01024.JPG"/>
+          <p:cNvPicPr>
+            <a:picLocks noChangeAspect="1" noChangeArrowheads="1"/>
+          </p:cNvPicPr>
+          <p:nvPr/>
+        </p:nvPicPr>
+        <p:blipFill>
+          <a:blip r:embed="rId2" cstate="print">
+            <a:extLst>
+              <a:ext uri="{28A0092B-C50C-407E-A947-70E740481C1C}">
+                <a14:useLocalDpi xmlns:a14="http://schemas.microsoft.com/office/drawing/2010/main" val="0"/>
+              </a:ext>
+            </a:extLst>
+          </a:blip>
+          <a:srcRect/>
+          <a:stretch>
+            <a:fillRect/>
+          </a:stretch>
+        </p:blipFill>
+        <p:spPr bwMode="auto">
+          <a:xfrm rot="5400000">
+            <a:off x="1400419" y="1704037"/>
+            <a:ext cx="5636567" cy="3757901"/>
+          </a:xfrm>
+          <a:prstGeom prst="rect">
+            <a:avLst/>
+          </a:prstGeom>
+          <a:noFill/>
+          <a:extLst>
+            <a:ext uri="{909E8E84-426E-40DD-AFC4-6F175D3DCCD1}">
+              <a14:hiddenFill xmlns:a14="http://schemas.microsoft.com/office/drawing/2010/main">
+                <a:solidFill>
+                  <a:srgbClr val="FFFFFF"/>
+                </a:solidFill>
+              </a14:hiddenFill>
+            </a:ext>
+          </a:extLst>
+        </p:spPr>
+      </p:pic>
+    </p:spTree>
+    <p:extLst>
+      <p:ext uri="{BB962C8B-B14F-4D97-AF65-F5344CB8AC3E}">
+        <p14:creationId xmlns:p14="http://schemas.microsoft.com/office/powerpoint/2010/main" val="3467135259"/>
+      </p:ext>
+    </p:extLst>
+  </p:cSld>
+  <p:clrMapOvr>
+    <a:masterClrMapping/>
+  </p:clrMapOvr>
+</p:sld>
+</file>
+
+<file path=ppt/slides/slide2.xml><?xml version="1.0" encoding="utf-8"?>
+<p:sld xmlns:a="http://schemas.openxmlformats.org/drawingml/2006/main" xmlns:r="http://schemas.openxmlformats.org/officeDocument/2006/relationships" xmlns:p="http://schemas.openxmlformats.org/presentationml/2006/main">
+  <p:cSld>
+    <p:spTree>
+      <p:nvGrpSpPr>
+        <p:cNvPr id="1" name=""/>
+        <p:cNvGrpSpPr/>
+        <p:nvPr/>
+      </p:nvGrpSpPr>
+      <p:grpSpPr>
+        <a:xfrm>
+          <a:off x="0" y="0"/>
+          <a:ext cx="0" cy="0"/>
+          <a:chOff x="0" y="0"/>
+          <a:chExt cx="0" cy="0"/>
+        </a:xfrm>
+      </p:grpSpPr>
       <p:grpSp>
         <p:nvGrpSpPr>
           <p:cNvPr id="8" name="グループ化 7"/>
-          <p:cNvGrpSpPr/>
+          <p:cNvGrpSpPr>
+            <a:grpSpLocks noChangeAspect="1"/>
+          </p:cNvGrpSpPr>
           <p:nvPr/>
         </p:nvGrpSpPr>
         <p:grpSpPr>
           <a:xfrm>
-            <a:off x="0" y="0"/>
-            <a:ext cx="64000063" cy="19999325"/>
+            <a:off x="35496" y="2788285"/>
+            <a:ext cx="9075035" cy="2823225"/>
             <a:chOff x="0" y="0"/>
-            <a:chExt cx="64000063" cy="19999325"/>
+            <a:chExt cx="64286254" cy="19999325"/>
           </a:xfrm>
         </p:grpSpPr>
         <p:pic>
@@ -3513,7 +4315,7 @@
             <p:nvPr/>
           </p:nvPicPr>
           <p:blipFill>
-            <a:blip r:embed="rId2">
+            <a:blip r:embed="rId3" cstate="print">
               <a:extLst>
                 <a:ext uri="{28A0092B-C50C-407E-A947-70E740481C1C}">
                   <a14:useLocalDpi xmlns:a14="http://schemas.microsoft.com/office/drawing/2010/main" val="0"/>
@@ -3602,7 +4404,7 @@
             <a:lstStyle/>
             <a:p>
               <a:pPr algn="ctr"/>
-              <a:endParaRPr kumimoji="1" lang="ja-JP" altLang="en-US"/>
+              <a:endParaRPr kumimoji="1" lang="ja-JP" altLang="en-US" sz="100"/>
             </a:p>
           </p:txBody>
         </p:sp>
@@ -3648,7 +4450,7 @@
             <a:lstStyle/>
             <a:p>
               <a:pPr algn="ctr"/>
-              <a:endParaRPr kumimoji="1" lang="ja-JP" altLang="en-US" dirty="0">
+              <a:endParaRPr kumimoji="1" lang="ja-JP" altLang="en-US" sz="100" dirty="0">
                 <a:solidFill>
                   <a:schemeClr val="tx1"/>
                 </a:solidFill>
@@ -3664,8 +4466,8 @@
           </p:nvSpPr>
           <p:spPr>
             <a:xfrm>
-              <a:off x="15517216" y="13814409"/>
-              <a:ext cx="5493812" cy="2215991"/>
+              <a:off x="15517216" y="13814412"/>
+              <a:ext cx="5783530" cy="2435172"/>
             </a:xfrm>
             <a:prstGeom prst="rect">
               <a:avLst/>
@@ -3679,14 +4481,14 @@
             <a:lstStyle/>
             <a:p>
               <a:r>
-                <a:rPr kumimoji="1" lang="ja-JP" altLang="en-US" sz="13800" dirty="0" smtClean="0">
+                <a:rPr kumimoji="1" lang="ja-JP" altLang="en-US" dirty="0" smtClean="0">
                   <a:latin typeface="メイリオ" panose="020B0604030504040204" pitchFamily="50" charset="-128"/>
                   <a:ea typeface="メイリオ" panose="020B0604030504040204" pitchFamily="50" charset="-128"/>
                   <a:cs typeface="メイリオ" panose="020B0604030504040204" pitchFamily="50" charset="-128"/>
                 </a:rPr>
                 <a:t>障害物</a:t>
               </a:r>
-              <a:endParaRPr kumimoji="1" lang="ja-JP" altLang="en-US" sz="13800" dirty="0">
+              <a:endParaRPr kumimoji="1" lang="ja-JP" altLang="en-US" dirty="0">
                 <a:latin typeface="メイリオ" panose="020B0604030504040204" pitchFamily="50" charset="-128"/>
                 <a:ea typeface="メイリオ" panose="020B0604030504040204" pitchFamily="50" charset="-128"/>
                 <a:cs typeface="メイリオ" panose="020B0604030504040204" pitchFamily="50" charset="-128"/>
@@ -3702,8 +4504,8 @@
           </p:nvSpPr>
           <p:spPr>
             <a:xfrm>
-              <a:off x="4932040" y="13438112"/>
-              <a:ext cx="4698722" cy="1446550"/>
+              <a:off x="4932039" y="13438110"/>
+              <a:ext cx="5276204" cy="1826379"/>
             </a:xfrm>
             <a:prstGeom prst="rect">
               <a:avLst/>
@@ -3717,14 +4519,14 @@
             <a:lstStyle/>
             <a:p>
               <a:r>
-                <a:rPr lang="ja-JP" altLang="en-US" sz="8800" dirty="0" smtClean="0">
+                <a:rPr lang="ja-JP" altLang="en-US" sz="1200" dirty="0" smtClean="0">
                   <a:latin typeface="メイリオ" panose="020B0604030504040204" pitchFamily="50" charset="-128"/>
                   <a:ea typeface="メイリオ" panose="020B0604030504040204" pitchFamily="50" charset="-128"/>
                   <a:cs typeface="メイリオ" panose="020B0604030504040204" pitchFamily="50" charset="-128"/>
                 </a:rPr>
                 <a:t>運足方向</a:t>
               </a:r>
-              <a:endParaRPr kumimoji="1" lang="ja-JP" altLang="en-US" sz="8800" dirty="0">
+              <a:endParaRPr kumimoji="1" lang="ja-JP" altLang="en-US" sz="1200" dirty="0">
                 <a:latin typeface="メイリオ" panose="020B0604030504040204" pitchFamily="50" charset="-128"/>
                 <a:ea typeface="メイリオ" panose="020B0604030504040204" pitchFamily="50" charset="-128"/>
                 <a:cs typeface="メイリオ" panose="020B0604030504040204" pitchFamily="50" charset="-128"/>
@@ -3774,7 +4576,7 @@
             <a:lstStyle/>
             <a:p>
               <a:pPr algn="ctr"/>
-              <a:endParaRPr kumimoji="1" lang="ja-JP" altLang="en-US" dirty="0">
+              <a:endParaRPr kumimoji="1" lang="ja-JP" altLang="en-US" sz="100" dirty="0">
                 <a:solidFill>
                   <a:schemeClr val="tx1"/>
                 </a:solidFill>
@@ -3790,8 +4592,8 @@
           </p:nvSpPr>
           <p:spPr>
             <a:xfrm>
-              <a:off x="46984712" y="13886417"/>
-              <a:ext cx="5493812" cy="2215991"/>
+              <a:off x="46984712" y="13886419"/>
+              <a:ext cx="5783530" cy="2435172"/>
             </a:xfrm>
             <a:prstGeom prst="rect">
               <a:avLst/>
@@ -3805,14 +4607,14 @@
             <a:lstStyle/>
             <a:p>
               <a:r>
-                <a:rPr kumimoji="1" lang="ja-JP" altLang="en-US" sz="13800" dirty="0" smtClean="0">
+                <a:rPr kumimoji="1" lang="ja-JP" altLang="en-US" dirty="0" smtClean="0">
                   <a:latin typeface="メイリオ" panose="020B0604030504040204" pitchFamily="50" charset="-128"/>
                   <a:ea typeface="メイリオ" panose="020B0604030504040204" pitchFamily="50" charset="-128"/>
                   <a:cs typeface="メイリオ" panose="020B0604030504040204" pitchFamily="50" charset="-128"/>
                 </a:rPr>
                 <a:t>障害物</a:t>
               </a:r>
-              <a:endParaRPr kumimoji="1" lang="ja-JP" altLang="en-US" sz="13800" dirty="0">
+              <a:endParaRPr kumimoji="1" lang="ja-JP" altLang="en-US" dirty="0">
                 <a:latin typeface="メイリオ" panose="020B0604030504040204" pitchFamily="50" charset="-128"/>
                 <a:ea typeface="メイリオ" panose="020B0604030504040204" pitchFamily="50" charset="-128"/>
                 <a:cs typeface="メイリオ" panose="020B0604030504040204" pitchFamily="50" charset="-128"/>
@@ -3864,7 +4666,7 @@
             <a:lstStyle/>
             <a:p>
               <a:pPr algn="ctr"/>
-              <a:endParaRPr kumimoji="1" lang="ja-JP" altLang="en-US"/>
+              <a:endParaRPr kumimoji="1" lang="ja-JP" altLang="en-US" sz="100"/>
             </a:p>
           </p:txBody>
         </p:sp>
@@ -3876,8 +4678,8 @@
           </p:nvSpPr>
           <p:spPr>
             <a:xfrm>
-              <a:off x="59010048" y="13438112"/>
-              <a:ext cx="4698722" cy="1446550"/>
+              <a:off x="59010050" y="13438110"/>
+              <a:ext cx="5276204" cy="1826379"/>
             </a:xfrm>
             <a:prstGeom prst="rect">
               <a:avLst/>
@@ -3891,14 +4693,14 @@
             <a:lstStyle/>
             <a:p>
               <a:r>
-                <a:rPr lang="ja-JP" altLang="en-US" sz="8800" dirty="0" smtClean="0">
+                <a:rPr lang="ja-JP" altLang="en-US" sz="1200" dirty="0" smtClean="0">
                   <a:latin typeface="メイリオ" panose="020B0604030504040204" pitchFamily="50" charset="-128"/>
                   <a:ea typeface="メイリオ" panose="020B0604030504040204" pitchFamily="50" charset="-128"/>
                   <a:cs typeface="メイリオ" panose="020B0604030504040204" pitchFamily="50" charset="-128"/>
                 </a:rPr>
                 <a:t>運足方向</a:t>
               </a:r>
-              <a:endParaRPr kumimoji="1" lang="ja-JP" altLang="en-US" sz="8800" dirty="0">
+              <a:endParaRPr kumimoji="1" lang="ja-JP" altLang="en-US" sz="1200" dirty="0">
                 <a:latin typeface="メイリオ" panose="020B0604030504040204" pitchFamily="50" charset="-128"/>
                 <a:ea typeface="メイリオ" panose="020B0604030504040204" pitchFamily="50" charset="-128"/>
                 <a:cs typeface="メイリオ" panose="020B0604030504040204" pitchFamily="50" charset="-128"/>
@@ -3911,6 +4713,5727 @@
     <p:extLst>
       <p:ext uri="{BB962C8B-B14F-4D97-AF65-F5344CB8AC3E}">
         <p14:creationId xmlns:p14="http://schemas.microsoft.com/office/powerpoint/2010/main" val="1828956786"/>
+      </p:ext>
+    </p:extLst>
+  </p:cSld>
+  <p:clrMapOvr>
+    <a:masterClrMapping/>
+  </p:clrMapOvr>
+</p:sld>
+</file>
+
+<file path=ppt/slides/slide3.xml><?xml version="1.0" encoding="utf-8"?>
+<p:sld xmlns:a="http://schemas.openxmlformats.org/drawingml/2006/main" xmlns:r="http://schemas.openxmlformats.org/officeDocument/2006/relationships" xmlns:p="http://schemas.openxmlformats.org/presentationml/2006/main">
+  <p:cSld>
+    <p:spTree>
+      <p:nvGrpSpPr>
+        <p:cNvPr id="1" name=""/>
+        <p:cNvGrpSpPr/>
+        <p:nvPr/>
+      </p:nvGrpSpPr>
+      <p:grpSpPr>
+        <a:xfrm>
+          <a:off x="0" y="0"/>
+          <a:ext cx="0" cy="0"/>
+          <a:chOff x="0" y="0"/>
+          <a:chExt cx="0" cy="0"/>
+        </a:xfrm>
+      </p:grpSpPr>
+      <p:grpSp>
+        <p:nvGrpSpPr>
+          <p:cNvPr id="31" name="グループ化 30"/>
+          <p:cNvGrpSpPr/>
+          <p:nvPr/>
+        </p:nvGrpSpPr>
+        <p:grpSpPr>
+          <a:xfrm>
+            <a:off x="207750" y="1841540"/>
+            <a:ext cx="4312063" cy="3475434"/>
+            <a:chOff x="467544" y="1825774"/>
+            <a:chExt cx="4312063" cy="3475434"/>
+          </a:xfrm>
+        </p:grpSpPr>
+        <p:sp>
+          <p:nvSpPr>
+            <p:cNvPr id="12" name="正方形/長方形 11"/>
+            <p:cNvSpPr/>
+            <p:nvPr/>
+          </p:nvSpPr>
+          <p:spPr>
+            <a:xfrm rot="5400000">
+              <a:off x="818059" y="4410633"/>
+              <a:ext cx="811138" cy="288032"/>
+            </a:xfrm>
+            <a:prstGeom prst="rect">
+              <a:avLst/>
+            </a:prstGeom>
+            <a:ln>
+              <a:solidFill>
+                <a:schemeClr val="tx1"/>
+              </a:solidFill>
+            </a:ln>
+          </p:spPr>
+          <p:style>
+            <a:lnRef idx="2">
+              <a:schemeClr val="accent1">
+                <a:shade val="50000"/>
+              </a:schemeClr>
+            </a:lnRef>
+            <a:fillRef idx="1">
+              <a:schemeClr val="accent1"/>
+            </a:fillRef>
+            <a:effectRef idx="0">
+              <a:schemeClr val="accent1"/>
+            </a:effectRef>
+            <a:fontRef idx="minor">
+              <a:schemeClr val="lt1"/>
+            </a:fontRef>
+          </p:style>
+          <p:txBody>
+            <a:bodyPr rtlCol="0" anchor="ctr"/>
+            <a:lstStyle/>
+            <a:p>
+              <a:pPr algn="ctr"/>
+              <a:endParaRPr kumimoji="1" lang="ja-JP" altLang="en-US"/>
+            </a:p>
+          </p:txBody>
+        </p:sp>
+        <p:sp>
+          <p:nvSpPr>
+            <p:cNvPr id="9" name="正方形/長方形 8"/>
+            <p:cNvSpPr/>
+            <p:nvPr/>
+          </p:nvSpPr>
+          <p:spPr>
+            <a:xfrm>
+              <a:off x="3328814" y="2110858"/>
+              <a:ext cx="811138" cy="288032"/>
+            </a:xfrm>
+            <a:prstGeom prst="rect">
+              <a:avLst/>
+            </a:prstGeom>
+            <a:ln>
+              <a:solidFill>
+                <a:schemeClr val="tx1"/>
+              </a:solidFill>
+            </a:ln>
+          </p:spPr>
+          <p:style>
+            <a:lnRef idx="2">
+              <a:schemeClr val="accent1">
+                <a:shade val="50000"/>
+              </a:schemeClr>
+            </a:lnRef>
+            <a:fillRef idx="1">
+              <a:schemeClr val="accent1"/>
+            </a:fillRef>
+            <a:effectRef idx="0">
+              <a:schemeClr val="accent1"/>
+            </a:effectRef>
+            <a:fontRef idx="minor">
+              <a:schemeClr val="lt1"/>
+            </a:fontRef>
+          </p:style>
+          <p:txBody>
+            <a:bodyPr rtlCol="0" anchor="ctr"/>
+            <a:lstStyle/>
+            <a:p>
+              <a:pPr algn="ctr"/>
+              <a:endParaRPr kumimoji="1" lang="ja-JP" altLang="en-US"/>
+            </a:p>
+          </p:txBody>
+        </p:sp>
+        <p:sp>
+          <p:nvSpPr>
+            <p:cNvPr id="5" name="正方形/長方形 4"/>
+            <p:cNvSpPr/>
+            <p:nvPr/>
+          </p:nvSpPr>
+          <p:spPr>
+            <a:xfrm rot="18441620">
+              <a:off x="823392" y="3446780"/>
+              <a:ext cx="1584176" cy="288032"/>
+            </a:xfrm>
+            <a:prstGeom prst="rect">
+              <a:avLst/>
+            </a:prstGeom>
+            <a:ln>
+              <a:solidFill>
+                <a:schemeClr val="tx1"/>
+              </a:solidFill>
+            </a:ln>
+          </p:spPr>
+          <p:style>
+            <a:lnRef idx="2">
+              <a:schemeClr val="accent1">
+                <a:shade val="50000"/>
+              </a:schemeClr>
+            </a:lnRef>
+            <a:fillRef idx="1">
+              <a:schemeClr val="accent1"/>
+            </a:fillRef>
+            <a:effectRef idx="0">
+              <a:schemeClr val="accent1"/>
+            </a:effectRef>
+            <a:fontRef idx="minor">
+              <a:schemeClr val="lt1"/>
+            </a:fontRef>
+          </p:style>
+          <p:txBody>
+            <a:bodyPr rtlCol="0" anchor="ctr"/>
+            <a:lstStyle/>
+            <a:p>
+              <a:pPr algn="ctr"/>
+              <a:endParaRPr kumimoji="1" lang="ja-JP" altLang="en-US"/>
+            </a:p>
+          </p:txBody>
+        </p:sp>
+        <p:sp>
+          <p:nvSpPr>
+            <p:cNvPr id="6" name="正方形/長方形 5"/>
+            <p:cNvSpPr/>
+            <p:nvPr/>
+          </p:nvSpPr>
+          <p:spPr>
+            <a:xfrm rot="19887066">
+              <a:off x="1988145" y="2419821"/>
+              <a:ext cx="1584176" cy="288032"/>
+            </a:xfrm>
+            <a:prstGeom prst="rect">
+              <a:avLst/>
+            </a:prstGeom>
+            <a:ln>
+              <a:solidFill>
+                <a:schemeClr val="tx1"/>
+              </a:solidFill>
+            </a:ln>
+          </p:spPr>
+          <p:style>
+            <a:lnRef idx="2">
+              <a:schemeClr val="accent1">
+                <a:shade val="50000"/>
+              </a:schemeClr>
+            </a:lnRef>
+            <a:fillRef idx="1">
+              <a:schemeClr val="accent1"/>
+            </a:fillRef>
+            <a:effectRef idx="0">
+              <a:schemeClr val="accent1"/>
+            </a:effectRef>
+            <a:fontRef idx="minor">
+              <a:schemeClr val="lt1"/>
+            </a:fontRef>
+          </p:style>
+          <p:txBody>
+            <a:bodyPr rtlCol="0" anchor="ctr"/>
+            <a:lstStyle/>
+            <a:p>
+              <a:pPr algn="ctr"/>
+              <a:endParaRPr kumimoji="1" lang="ja-JP" altLang="en-US"/>
+            </a:p>
+          </p:txBody>
+        </p:sp>
+        <p:sp>
+          <p:nvSpPr>
+            <p:cNvPr id="4" name="円/楕円 3"/>
+            <p:cNvSpPr/>
+            <p:nvPr/>
+          </p:nvSpPr>
+          <p:spPr>
+            <a:xfrm>
+              <a:off x="1955042" y="2712244"/>
+              <a:ext cx="360000" cy="360000"/>
+            </a:xfrm>
+            <a:prstGeom prst="ellipse">
+              <a:avLst/>
+            </a:prstGeom>
+            <a:solidFill>
+              <a:srgbClr val="FFFF00"/>
+            </a:solidFill>
+            <a:ln>
+              <a:solidFill>
+                <a:schemeClr val="tx1"/>
+              </a:solidFill>
+            </a:ln>
+          </p:spPr>
+          <p:style>
+            <a:lnRef idx="2">
+              <a:schemeClr val="accent1">
+                <a:shade val="50000"/>
+              </a:schemeClr>
+            </a:lnRef>
+            <a:fillRef idx="1">
+              <a:schemeClr val="accent1"/>
+            </a:fillRef>
+            <a:effectRef idx="0">
+              <a:schemeClr val="accent1"/>
+            </a:effectRef>
+            <a:fontRef idx="minor">
+              <a:schemeClr val="lt1"/>
+            </a:fontRef>
+          </p:style>
+          <p:txBody>
+            <a:bodyPr rtlCol="0" anchor="ctr"/>
+            <a:lstStyle/>
+            <a:p>
+              <a:pPr algn="ctr"/>
+              <a:endParaRPr kumimoji="1" lang="ja-JP" altLang="en-US"/>
+            </a:p>
+          </p:txBody>
+        </p:sp>
+        <p:sp>
+          <p:nvSpPr>
+            <p:cNvPr id="7" name="円/楕円 6"/>
+            <p:cNvSpPr/>
+            <p:nvPr/>
+          </p:nvSpPr>
+          <p:spPr>
+            <a:xfrm>
+              <a:off x="3194944" y="2067528"/>
+              <a:ext cx="360000" cy="360000"/>
+            </a:xfrm>
+            <a:prstGeom prst="ellipse">
+              <a:avLst/>
+            </a:prstGeom>
+            <a:solidFill>
+              <a:srgbClr val="FFFF00"/>
+            </a:solidFill>
+            <a:ln>
+              <a:solidFill>
+                <a:schemeClr val="tx1"/>
+              </a:solidFill>
+            </a:ln>
+          </p:spPr>
+          <p:style>
+            <a:lnRef idx="2">
+              <a:schemeClr val="accent1">
+                <a:shade val="50000"/>
+              </a:schemeClr>
+            </a:lnRef>
+            <a:fillRef idx="1">
+              <a:schemeClr val="accent1"/>
+            </a:fillRef>
+            <a:effectRef idx="0">
+              <a:schemeClr val="accent1"/>
+            </a:effectRef>
+            <a:fontRef idx="minor">
+              <a:schemeClr val="lt1"/>
+            </a:fontRef>
+          </p:style>
+          <p:txBody>
+            <a:bodyPr rtlCol="0" anchor="ctr"/>
+            <a:lstStyle/>
+            <a:p>
+              <a:pPr algn="ctr"/>
+              <a:endParaRPr kumimoji="1" lang="ja-JP" altLang="en-US"/>
+            </a:p>
+          </p:txBody>
+        </p:sp>
+        <p:sp>
+          <p:nvSpPr>
+            <p:cNvPr id="8" name="円/楕円 7"/>
+            <p:cNvSpPr/>
+            <p:nvPr/>
+          </p:nvSpPr>
+          <p:spPr>
+            <a:xfrm>
+              <a:off x="1018938" y="3964628"/>
+              <a:ext cx="360000" cy="360000"/>
+            </a:xfrm>
+            <a:prstGeom prst="ellipse">
+              <a:avLst/>
+            </a:prstGeom>
+            <a:solidFill>
+              <a:srgbClr val="FFFF00"/>
+            </a:solidFill>
+            <a:ln>
+              <a:solidFill>
+                <a:schemeClr val="tx1"/>
+              </a:solidFill>
+            </a:ln>
+          </p:spPr>
+          <p:style>
+            <a:lnRef idx="2">
+              <a:schemeClr val="accent1">
+                <a:shade val="50000"/>
+              </a:schemeClr>
+            </a:lnRef>
+            <a:fillRef idx="1">
+              <a:schemeClr val="accent1"/>
+            </a:fillRef>
+            <a:effectRef idx="0">
+              <a:schemeClr val="accent1"/>
+            </a:effectRef>
+            <a:fontRef idx="minor">
+              <a:schemeClr val="lt1"/>
+            </a:fontRef>
+          </p:style>
+          <p:txBody>
+            <a:bodyPr rtlCol="0" anchor="ctr"/>
+            <a:lstStyle/>
+            <a:p>
+              <a:pPr algn="ctr"/>
+              <a:endParaRPr kumimoji="1" lang="ja-JP" altLang="en-US"/>
+            </a:p>
+          </p:txBody>
+        </p:sp>
+        <p:cxnSp>
+          <p:nvCxnSpPr>
+            <p:cNvPr id="14" name="直線コネクタ 13"/>
+            <p:cNvCxnSpPr/>
+            <p:nvPr/>
+          </p:nvCxnSpPr>
+          <p:spPr>
+            <a:xfrm flipV="1">
+              <a:off x="467544" y="4956026"/>
+              <a:ext cx="2160240" cy="4192"/>
+            </a:xfrm>
+            <a:prstGeom prst="line">
+              <a:avLst/>
+            </a:prstGeom>
+            <a:ln w="19050">
+              <a:solidFill>
+                <a:schemeClr val="tx1"/>
+              </a:solidFill>
+            </a:ln>
+          </p:spPr>
+          <p:style>
+            <a:lnRef idx="1">
+              <a:schemeClr val="accent1"/>
+            </a:lnRef>
+            <a:fillRef idx="0">
+              <a:schemeClr val="accent1"/>
+            </a:fillRef>
+            <a:effectRef idx="0">
+              <a:schemeClr val="accent1"/>
+            </a:effectRef>
+            <a:fontRef idx="minor">
+              <a:schemeClr val="tx1"/>
+            </a:fontRef>
+          </p:style>
+        </p:cxnSp>
+        <p:cxnSp>
+          <p:nvCxnSpPr>
+            <p:cNvPr id="17" name="直線コネクタ 16"/>
+            <p:cNvCxnSpPr/>
+            <p:nvPr/>
+          </p:nvCxnSpPr>
+          <p:spPr>
+            <a:xfrm flipH="1">
+              <a:off x="467544" y="4960218"/>
+              <a:ext cx="288032" cy="340990"/>
+            </a:xfrm>
+            <a:prstGeom prst="line">
+              <a:avLst/>
+            </a:prstGeom>
+            <a:ln w="19050">
+              <a:solidFill>
+                <a:schemeClr val="tx1"/>
+              </a:solidFill>
+            </a:ln>
+          </p:spPr>
+          <p:style>
+            <a:lnRef idx="1">
+              <a:schemeClr val="accent1"/>
+            </a:lnRef>
+            <a:fillRef idx="0">
+              <a:schemeClr val="accent1"/>
+            </a:fillRef>
+            <a:effectRef idx="0">
+              <a:schemeClr val="accent1"/>
+            </a:effectRef>
+            <a:fontRef idx="minor">
+              <a:schemeClr val="tx1"/>
+            </a:fontRef>
+          </p:style>
+        </p:cxnSp>
+        <p:cxnSp>
+          <p:nvCxnSpPr>
+            <p:cNvPr id="18" name="直線コネクタ 17"/>
+            <p:cNvCxnSpPr/>
+            <p:nvPr/>
+          </p:nvCxnSpPr>
+          <p:spPr>
+            <a:xfrm flipH="1">
+              <a:off x="721668" y="4960218"/>
+              <a:ext cx="288032" cy="340990"/>
+            </a:xfrm>
+            <a:prstGeom prst="line">
+              <a:avLst/>
+            </a:prstGeom>
+            <a:ln w="19050">
+              <a:solidFill>
+                <a:schemeClr val="tx1"/>
+              </a:solidFill>
+            </a:ln>
+          </p:spPr>
+          <p:style>
+            <a:lnRef idx="1">
+              <a:schemeClr val="accent1"/>
+            </a:lnRef>
+            <a:fillRef idx="0">
+              <a:schemeClr val="accent1"/>
+            </a:fillRef>
+            <a:effectRef idx="0">
+              <a:schemeClr val="accent1"/>
+            </a:effectRef>
+            <a:fontRef idx="minor">
+              <a:schemeClr val="tx1"/>
+            </a:fontRef>
+          </p:style>
+        </p:cxnSp>
+        <p:cxnSp>
+          <p:nvCxnSpPr>
+            <p:cNvPr id="19" name="直線コネクタ 18"/>
+            <p:cNvCxnSpPr/>
+            <p:nvPr/>
+          </p:nvCxnSpPr>
+          <p:spPr>
+            <a:xfrm flipH="1">
+              <a:off x="971600" y="4956026"/>
+              <a:ext cx="288032" cy="340990"/>
+            </a:xfrm>
+            <a:prstGeom prst="line">
+              <a:avLst/>
+            </a:prstGeom>
+            <a:ln w="19050">
+              <a:solidFill>
+                <a:schemeClr val="tx1"/>
+              </a:solidFill>
+            </a:ln>
+          </p:spPr>
+          <p:style>
+            <a:lnRef idx="1">
+              <a:schemeClr val="accent1"/>
+            </a:lnRef>
+            <a:fillRef idx="0">
+              <a:schemeClr val="accent1"/>
+            </a:fillRef>
+            <a:effectRef idx="0">
+              <a:schemeClr val="accent1"/>
+            </a:effectRef>
+            <a:fontRef idx="minor">
+              <a:schemeClr val="tx1"/>
+            </a:fontRef>
+          </p:style>
+        </p:cxnSp>
+        <p:cxnSp>
+          <p:nvCxnSpPr>
+            <p:cNvPr id="20" name="直線コネクタ 19"/>
+            <p:cNvCxnSpPr/>
+            <p:nvPr/>
+          </p:nvCxnSpPr>
+          <p:spPr>
+            <a:xfrm flipH="1">
+              <a:off x="1225724" y="4956026"/>
+              <a:ext cx="288032" cy="340990"/>
+            </a:xfrm>
+            <a:prstGeom prst="line">
+              <a:avLst/>
+            </a:prstGeom>
+            <a:ln w="19050">
+              <a:solidFill>
+                <a:schemeClr val="tx1"/>
+              </a:solidFill>
+            </a:ln>
+          </p:spPr>
+          <p:style>
+            <a:lnRef idx="1">
+              <a:schemeClr val="accent1"/>
+            </a:lnRef>
+            <a:fillRef idx="0">
+              <a:schemeClr val="accent1"/>
+            </a:fillRef>
+            <a:effectRef idx="0">
+              <a:schemeClr val="accent1"/>
+            </a:effectRef>
+            <a:fontRef idx="minor">
+              <a:schemeClr val="tx1"/>
+            </a:fontRef>
+          </p:style>
+        </p:cxnSp>
+        <p:cxnSp>
+          <p:nvCxnSpPr>
+            <p:cNvPr id="21" name="直線コネクタ 20"/>
+            <p:cNvCxnSpPr/>
+            <p:nvPr/>
+          </p:nvCxnSpPr>
+          <p:spPr>
+            <a:xfrm flipH="1">
+              <a:off x="1441748" y="4945360"/>
+              <a:ext cx="288032" cy="340990"/>
+            </a:xfrm>
+            <a:prstGeom prst="line">
+              <a:avLst/>
+            </a:prstGeom>
+            <a:ln w="19050">
+              <a:solidFill>
+                <a:schemeClr val="tx1"/>
+              </a:solidFill>
+            </a:ln>
+          </p:spPr>
+          <p:style>
+            <a:lnRef idx="1">
+              <a:schemeClr val="accent1"/>
+            </a:lnRef>
+            <a:fillRef idx="0">
+              <a:schemeClr val="accent1"/>
+            </a:fillRef>
+            <a:effectRef idx="0">
+              <a:schemeClr val="accent1"/>
+            </a:effectRef>
+            <a:fontRef idx="minor">
+              <a:schemeClr val="tx1"/>
+            </a:fontRef>
+          </p:style>
+        </p:cxnSp>
+        <p:cxnSp>
+          <p:nvCxnSpPr>
+            <p:cNvPr id="22" name="直線コネクタ 21"/>
+            <p:cNvCxnSpPr/>
+            <p:nvPr/>
+          </p:nvCxnSpPr>
+          <p:spPr>
+            <a:xfrm flipH="1">
+              <a:off x="1695872" y="4945360"/>
+              <a:ext cx="288032" cy="340990"/>
+            </a:xfrm>
+            <a:prstGeom prst="line">
+              <a:avLst/>
+            </a:prstGeom>
+            <a:ln w="19050">
+              <a:solidFill>
+                <a:schemeClr val="tx1"/>
+              </a:solidFill>
+            </a:ln>
+          </p:spPr>
+          <p:style>
+            <a:lnRef idx="1">
+              <a:schemeClr val="accent1"/>
+            </a:lnRef>
+            <a:fillRef idx="0">
+              <a:schemeClr val="accent1"/>
+            </a:fillRef>
+            <a:effectRef idx="0">
+              <a:schemeClr val="accent1"/>
+            </a:effectRef>
+            <a:fontRef idx="minor">
+              <a:schemeClr val="tx1"/>
+            </a:fontRef>
+          </p:style>
+        </p:cxnSp>
+        <p:cxnSp>
+          <p:nvCxnSpPr>
+            <p:cNvPr id="23" name="直線コネクタ 22"/>
+            <p:cNvCxnSpPr/>
+            <p:nvPr/>
+          </p:nvCxnSpPr>
+          <p:spPr>
+            <a:xfrm flipH="1">
+              <a:off x="1945804" y="4960218"/>
+              <a:ext cx="288032" cy="340990"/>
+            </a:xfrm>
+            <a:prstGeom prst="line">
+              <a:avLst/>
+            </a:prstGeom>
+            <a:ln w="19050">
+              <a:solidFill>
+                <a:schemeClr val="tx1"/>
+              </a:solidFill>
+            </a:ln>
+          </p:spPr>
+          <p:style>
+            <a:lnRef idx="1">
+              <a:schemeClr val="accent1"/>
+            </a:lnRef>
+            <a:fillRef idx="0">
+              <a:schemeClr val="accent1"/>
+            </a:fillRef>
+            <a:effectRef idx="0">
+              <a:schemeClr val="accent1"/>
+            </a:effectRef>
+            <a:fontRef idx="minor">
+              <a:schemeClr val="tx1"/>
+            </a:fontRef>
+          </p:style>
+        </p:cxnSp>
+        <p:cxnSp>
+          <p:nvCxnSpPr>
+            <p:cNvPr id="24" name="直線コネクタ 23"/>
+            <p:cNvCxnSpPr/>
+            <p:nvPr/>
+          </p:nvCxnSpPr>
+          <p:spPr>
+            <a:xfrm flipH="1">
+              <a:off x="2199928" y="4960218"/>
+              <a:ext cx="288032" cy="340990"/>
+            </a:xfrm>
+            <a:prstGeom prst="line">
+              <a:avLst/>
+            </a:prstGeom>
+            <a:ln w="19050">
+              <a:solidFill>
+                <a:schemeClr val="tx1"/>
+              </a:solidFill>
+            </a:ln>
+          </p:spPr>
+          <p:style>
+            <a:lnRef idx="1">
+              <a:schemeClr val="accent1"/>
+            </a:lnRef>
+            <a:fillRef idx="0">
+              <a:schemeClr val="accent1"/>
+            </a:fillRef>
+            <a:effectRef idx="0">
+              <a:schemeClr val="accent1"/>
+            </a:effectRef>
+            <a:fontRef idx="minor">
+              <a:schemeClr val="tx1"/>
+            </a:fontRef>
+          </p:style>
+        </p:cxnSp>
+        <p:grpSp>
+          <p:nvGrpSpPr>
+            <p:cNvPr id="30" name="グループ化 29"/>
+            <p:cNvGrpSpPr/>
+            <p:nvPr/>
+          </p:nvGrpSpPr>
+          <p:grpSpPr>
+            <a:xfrm>
+              <a:off x="3923928" y="1825774"/>
+              <a:ext cx="855679" cy="811138"/>
+              <a:chOff x="3923928" y="1825774"/>
+              <a:chExt cx="855679" cy="811138"/>
+            </a:xfrm>
+          </p:grpSpPr>
+          <p:sp>
+            <p:nvSpPr>
+              <p:cNvPr id="28" name="円/楕円 27"/>
+              <p:cNvSpPr/>
+              <p:nvPr/>
+            </p:nvSpPr>
+            <p:spPr>
+              <a:xfrm>
+                <a:off x="3923928" y="1825774"/>
+                <a:ext cx="845046" cy="811138"/>
+              </a:xfrm>
+              <a:prstGeom prst="ellipse">
+                <a:avLst/>
+              </a:prstGeom>
+              <a:solidFill>
+                <a:schemeClr val="bg1">
+                  <a:lumMod val="65000"/>
+                </a:schemeClr>
+              </a:solidFill>
+              <a:ln>
+                <a:solidFill>
+                  <a:schemeClr val="tx1"/>
+                </a:solidFill>
+              </a:ln>
+            </p:spPr>
+            <p:style>
+              <a:lnRef idx="2">
+                <a:schemeClr val="accent1">
+                  <a:shade val="50000"/>
+                </a:schemeClr>
+              </a:lnRef>
+              <a:fillRef idx="1">
+                <a:schemeClr val="accent1"/>
+              </a:fillRef>
+              <a:effectRef idx="0">
+                <a:schemeClr val="accent1"/>
+              </a:effectRef>
+              <a:fontRef idx="minor">
+                <a:schemeClr val="lt1"/>
+              </a:fontRef>
+            </p:style>
+            <p:txBody>
+              <a:bodyPr rtlCol="0" anchor="ctr"/>
+              <a:lstStyle/>
+              <a:p>
+                <a:pPr algn="ctr"/>
+                <a:endParaRPr kumimoji="1" lang="ja-JP" altLang="en-US"/>
+              </a:p>
+            </p:txBody>
+          </p:sp>
+          <p:sp>
+            <p:nvSpPr>
+              <p:cNvPr id="29" name="正方形/長方形 28"/>
+              <p:cNvSpPr/>
+              <p:nvPr/>
+            </p:nvSpPr>
+            <p:spPr>
+              <a:xfrm>
+                <a:off x="4277647" y="2089592"/>
+                <a:ext cx="501960" cy="288032"/>
+              </a:xfrm>
+              <a:prstGeom prst="rect">
+                <a:avLst/>
+              </a:prstGeom>
+              <a:solidFill>
+                <a:schemeClr val="bg1"/>
+              </a:solidFill>
+              <a:ln>
+                <a:solidFill>
+                  <a:schemeClr val="bg1"/>
+                </a:solidFill>
+              </a:ln>
+            </p:spPr>
+            <p:style>
+              <a:lnRef idx="2">
+                <a:schemeClr val="accent1">
+                  <a:shade val="50000"/>
+                </a:schemeClr>
+              </a:lnRef>
+              <a:fillRef idx="1">
+                <a:schemeClr val="accent1"/>
+              </a:fillRef>
+              <a:effectRef idx="0">
+                <a:schemeClr val="accent1"/>
+              </a:effectRef>
+              <a:fontRef idx="minor">
+                <a:schemeClr val="lt1"/>
+              </a:fontRef>
+            </p:style>
+            <p:txBody>
+              <a:bodyPr rtlCol="0" anchor="ctr"/>
+              <a:lstStyle/>
+              <a:p>
+                <a:pPr algn="ctr"/>
+                <a:endParaRPr kumimoji="1" lang="ja-JP" altLang="en-US"/>
+              </a:p>
+            </p:txBody>
+          </p:sp>
+        </p:grpSp>
+      </p:grpSp>
+      <p:grpSp>
+        <p:nvGrpSpPr>
+          <p:cNvPr id="45" name="グループ化 44"/>
+          <p:cNvGrpSpPr/>
+          <p:nvPr/>
+        </p:nvGrpSpPr>
+        <p:grpSpPr>
+          <a:xfrm>
+            <a:off x="5176302" y="1484784"/>
+            <a:ext cx="3860194" cy="4257764"/>
+            <a:chOff x="162377" y="2555612"/>
+            <a:chExt cx="3860194" cy="4257764"/>
+          </a:xfrm>
+        </p:grpSpPr>
+        <p:sp>
+          <p:nvSpPr>
+            <p:cNvPr id="46" name="正方形/長方形 45"/>
+            <p:cNvSpPr/>
+            <p:nvPr/>
+          </p:nvSpPr>
+          <p:spPr>
+            <a:xfrm rot="5400000">
+              <a:off x="440017" y="4032591"/>
+              <a:ext cx="811138" cy="1044116"/>
+            </a:xfrm>
+            <a:prstGeom prst="rect">
+              <a:avLst/>
+            </a:prstGeom>
+            <a:ln>
+              <a:solidFill>
+                <a:schemeClr val="tx1"/>
+              </a:solidFill>
+            </a:ln>
+          </p:spPr>
+          <p:style>
+            <a:lnRef idx="2">
+              <a:schemeClr val="accent1">
+                <a:shade val="50000"/>
+              </a:schemeClr>
+            </a:lnRef>
+            <a:fillRef idx="1">
+              <a:schemeClr val="accent1"/>
+            </a:fillRef>
+            <a:effectRef idx="0">
+              <a:schemeClr val="accent1"/>
+            </a:effectRef>
+            <a:fontRef idx="minor">
+              <a:schemeClr val="lt1"/>
+            </a:fontRef>
+          </p:style>
+          <p:txBody>
+            <a:bodyPr rtlCol="0" anchor="ctr"/>
+            <a:lstStyle/>
+            <a:p>
+              <a:pPr algn="ctr"/>
+              <a:endParaRPr kumimoji="1" lang="ja-JP" altLang="en-US"/>
+            </a:p>
+          </p:txBody>
+        </p:sp>
+        <p:sp>
+          <p:nvSpPr>
+            <p:cNvPr id="47" name="正方形/長方形 46"/>
+            <p:cNvSpPr/>
+            <p:nvPr/>
+          </p:nvSpPr>
+          <p:spPr>
+            <a:xfrm>
+              <a:off x="551796" y="3359253"/>
+              <a:ext cx="2304248" cy="337103"/>
+            </a:xfrm>
+            <a:prstGeom prst="rect">
+              <a:avLst/>
+            </a:prstGeom>
+            <a:ln>
+              <a:solidFill>
+                <a:schemeClr val="tx1"/>
+              </a:solidFill>
+            </a:ln>
+          </p:spPr>
+          <p:style>
+            <a:lnRef idx="2">
+              <a:schemeClr val="accent1">
+                <a:shade val="50000"/>
+              </a:schemeClr>
+            </a:lnRef>
+            <a:fillRef idx="1">
+              <a:schemeClr val="accent1"/>
+            </a:fillRef>
+            <a:effectRef idx="0">
+              <a:schemeClr val="accent1"/>
+            </a:effectRef>
+            <a:fontRef idx="minor">
+              <a:schemeClr val="lt1"/>
+            </a:fontRef>
+          </p:style>
+          <p:txBody>
+            <a:bodyPr rtlCol="0" anchor="ctr"/>
+            <a:lstStyle/>
+            <a:p>
+              <a:pPr algn="ctr"/>
+              <a:endParaRPr kumimoji="1" lang="ja-JP" altLang="en-US"/>
+            </a:p>
+          </p:txBody>
+        </p:sp>
+        <p:cxnSp>
+          <p:nvCxnSpPr>
+            <p:cNvPr id="48" name="直線コネクタ 47"/>
+            <p:cNvCxnSpPr/>
+            <p:nvPr/>
+          </p:nvCxnSpPr>
+          <p:spPr>
+            <a:xfrm flipV="1">
+              <a:off x="467544" y="4956026"/>
+              <a:ext cx="2160240" cy="4192"/>
+            </a:xfrm>
+            <a:prstGeom prst="line">
+              <a:avLst/>
+            </a:prstGeom>
+            <a:ln w="19050">
+              <a:solidFill>
+                <a:schemeClr val="tx1"/>
+              </a:solidFill>
+            </a:ln>
+          </p:spPr>
+          <p:style>
+            <a:lnRef idx="1">
+              <a:schemeClr val="accent1"/>
+            </a:lnRef>
+            <a:fillRef idx="0">
+              <a:schemeClr val="accent1"/>
+            </a:fillRef>
+            <a:effectRef idx="0">
+              <a:schemeClr val="accent1"/>
+            </a:effectRef>
+            <a:fontRef idx="minor">
+              <a:schemeClr val="tx1"/>
+            </a:fontRef>
+          </p:style>
+        </p:cxnSp>
+        <p:cxnSp>
+          <p:nvCxnSpPr>
+            <p:cNvPr id="49" name="直線コネクタ 48"/>
+            <p:cNvCxnSpPr/>
+            <p:nvPr/>
+          </p:nvCxnSpPr>
+          <p:spPr>
+            <a:xfrm flipH="1">
+              <a:off x="467544" y="4960218"/>
+              <a:ext cx="288032" cy="340990"/>
+            </a:xfrm>
+            <a:prstGeom prst="line">
+              <a:avLst/>
+            </a:prstGeom>
+            <a:ln w="19050">
+              <a:solidFill>
+                <a:schemeClr val="tx1"/>
+              </a:solidFill>
+            </a:ln>
+          </p:spPr>
+          <p:style>
+            <a:lnRef idx="1">
+              <a:schemeClr val="accent1"/>
+            </a:lnRef>
+            <a:fillRef idx="0">
+              <a:schemeClr val="accent1"/>
+            </a:fillRef>
+            <a:effectRef idx="0">
+              <a:schemeClr val="accent1"/>
+            </a:effectRef>
+            <a:fontRef idx="minor">
+              <a:schemeClr val="tx1"/>
+            </a:fontRef>
+          </p:style>
+        </p:cxnSp>
+        <p:cxnSp>
+          <p:nvCxnSpPr>
+            <p:cNvPr id="50" name="直線コネクタ 49"/>
+            <p:cNvCxnSpPr/>
+            <p:nvPr/>
+          </p:nvCxnSpPr>
+          <p:spPr>
+            <a:xfrm flipH="1">
+              <a:off x="721668" y="4960218"/>
+              <a:ext cx="288032" cy="340990"/>
+            </a:xfrm>
+            <a:prstGeom prst="line">
+              <a:avLst/>
+            </a:prstGeom>
+            <a:ln w="19050">
+              <a:solidFill>
+                <a:schemeClr val="tx1"/>
+              </a:solidFill>
+            </a:ln>
+          </p:spPr>
+          <p:style>
+            <a:lnRef idx="1">
+              <a:schemeClr val="accent1"/>
+            </a:lnRef>
+            <a:fillRef idx="0">
+              <a:schemeClr val="accent1"/>
+            </a:fillRef>
+            <a:effectRef idx="0">
+              <a:schemeClr val="accent1"/>
+            </a:effectRef>
+            <a:fontRef idx="minor">
+              <a:schemeClr val="tx1"/>
+            </a:fontRef>
+          </p:style>
+        </p:cxnSp>
+        <p:cxnSp>
+          <p:nvCxnSpPr>
+            <p:cNvPr id="51" name="直線コネクタ 50"/>
+            <p:cNvCxnSpPr/>
+            <p:nvPr/>
+          </p:nvCxnSpPr>
+          <p:spPr>
+            <a:xfrm flipH="1">
+              <a:off x="971600" y="4956026"/>
+              <a:ext cx="288032" cy="340990"/>
+            </a:xfrm>
+            <a:prstGeom prst="line">
+              <a:avLst/>
+            </a:prstGeom>
+            <a:ln w="19050">
+              <a:solidFill>
+                <a:schemeClr val="tx1"/>
+              </a:solidFill>
+            </a:ln>
+          </p:spPr>
+          <p:style>
+            <a:lnRef idx="1">
+              <a:schemeClr val="accent1"/>
+            </a:lnRef>
+            <a:fillRef idx="0">
+              <a:schemeClr val="accent1"/>
+            </a:fillRef>
+            <a:effectRef idx="0">
+              <a:schemeClr val="accent1"/>
+            </a:effectRef>
+            <a:fontRef idx="minor">
+              <a:schemeClr val="tx1"/>
+            </a:fontRef>
+          </p:style>
+        </p:cxnSp>
+        <p:cxnSp>
+          <p:nvCxnSpPr>
+            <p:cNvPr id="52" name="直線コネクタ 51"/>
+            <p:cNvCxnSpPr/>
+            <p:nvPr/>
+          </p:nvCxnSpPr>
+          <p:spPr>
+            <a:xfrm flipH="1">
+              <a:off x="1225724" y="4956026"/>
+              <a:ext cx="288032" cy="340990"/>
+            </a:xfrm>
+            <a:prstGeom prst="line">
+              <a:avLst/>
+            </a:prstGeom>
+            <a:ln w="19050">
+              <a:solidFill>
+                <a:schemeClr val="tx1"/>
+              </a:solidFill>
+            </a:ln>
+          </p:spPr>
+          <p:style>
+            <a:lnRef idx="1">
+              <a:schemeClr val="accent1"/>
+            </a:lnRef>
+            <a:fillRef idx="0">
+              <a:schemeClr val="accent1"/>
+            </a:fillRef>
+            <a:effectRef idx="0">
+              <a:schemeClr val="accent1"/>
+            </a:effectRef>
+            <a:fontRef idx="minor">
+              <a:schemeClr val="tx1"/>
+            </a:fontRef>
+          </p:style>
+        </p:cxnSp>
+        <p:cxnSp>
+          <p:nvCxnSpPr>
+            <p:cNvPr id="53" name="直線コネクタ 52"/>
+            <p:cNvCxnSpPr/>
+            <p:nvPr/>
+          </p:nvCxnSpPr>
+          <p:spPr>
+            <a:xfrm flipH="1">
+              <a:off x="1441748" y="4945360"/>
+              <a:ext cx="288032" cy="340990"/>
+            </a:xfrm>
+            <a:prstGeom prst="line">
+              <a:avLst/>
+            </a:prstGeom>
+            <a:ln w="19050">
+              <a:solidFill>
+                <a:schemeClr val="tx1"/>
+              </a:solidFill>
+            </a:ln>
+          </p:spPr>
+          <p:style>
+            <a:lnRef idx="1">
+              <a:schemeClr val="accent1"/>
+            </a:lnRef>
+            <a:fillRef idx="0">
+              <a:schemeClr val="accent1"/>
+            </a:fillRef>
+            <a:effectRef idx="0">
+              <a:schemeClr val="accent1"/>
+            </a:effectRef>
+            <a:fontRef idx="minor">
+              <a:schemeClr val="tx1"/>
+            </a:fontRef>
+          </p:style>
+        </p:cxnSp>
+        <p:cxnSp>
+          <p:nvCxnSpPr>
+            <p:cNvPr id="54" name="直線コネクタ 53"/>
+            <p:cNvCxnSpPr/>
+            <p:nvPr/>
+          </p:nvCxnSpPr>
+          <p:spPr>
+            <a:xfrm flipH="1">
+              <a:off x="1695872" y="4945360"/>
+              <a:ext cx="288032" cy="340990"/>
+            </a:xfrm>
+            <a:prstGeom prst="line">
+              <a:avLst/>
+            </a:prstGeom>
+            <a:ln w="19050">
+              <a:solidFill>
+                <a:schemeClr val="tx1"/>
+              </a:solidFill>
+            </a:ln>
+          </p:spPr>
+          <p:style>
+            <a:lnRef idx="1">
+              <a:schemeClr val="accent1"/>
+            </a:lnRef>
+            <a:fillRef idx="0">
+              <a:schemeClr val="accent1"/>
+            </a:fillRef>
+            <a:effectRef idx="0">
+              <a:schemeClr val="accent1"/>
+            </a:effectRef>
+            <a:fontRef idx="minor">
+              <a:schemeClr val="tx1"/>
+            </a:fontRef>
+          </p:style>
+        </p:cxnSp>
+        <p:cxnSp>
+          <p:nvCxnSpPr>
+            <p:cNvPr id="55" name="直線コネクタ 54"/>
+            <p:cNvCxnSpPr/>
+            <p:nvPr/>
+          </p:nvCxnSpPr>
+          <p:spPr>
+            <a:xfrm flipH="1">
+              <a:off x="1945804" y="4960218"/>
+              <a:ext cx="288032" cy="340990"/>
+            </a:xfrm>
+            <a:prstGeom prst="line">
+              <a:avLst/>
+            </a:prstGeom>
+            <a:ln w="19050">
+              <a:solidFill>
+                <a:schemeClr val="tx1"/>
+              </a:solidFill>
+            </a:ln>
+          </p:spPr>
+          <p:style>
+            <a:lnRef idx="1">
+              <a:schemeClr val="accent1"/>
+            </a:lnRef>
+            <a:fillRef idx="0">
+              <a:schemeClr val="accent1"/>
+            </a:fillRef>
+            <a:effectRef idx="0">
+              <a:schemeClr val="accent1"/>
+            </a:effectRef>
+            <a:fontRef idx="minor">
+              <a:schemeClr val="tx1"/>
+            </a:fontRef>
+          </p:style>
+        </p:cxnSp>
+        <p:cxnSp>
+          <p:nvCxnSpPr>
+            <p:cNvPr id="56" name="直線コネクタ 55"/>
+            <p:cNvCxnSpPr/>
+            <p:nvPr/>
+          </p:nvCxnSpPr>
+          <p:spPr>
+            <a:xfrm flipH="1">
+              <a:off x="2199928" y="4960218"/>
+              <a:ext cx="288032" cy="340990"/>
+            </a:xfrm>
+            <a:prstGeom prst="line">
+              <a:avLst/>
+            </a:prstGeom>
+            <a:ln w="19050">
+              <a:solidFill>
+                <a:schemeClr val="tx1"/>
+              </a:solidFill>
+            </a:ln>
+          </p:spPr>
+          <p:style>
+            <a:lnRef idx="1">
+              <a:schemeClr val="accent1"/>
+            </a:lnRef>
+            <a:fillRef idx="0">
+              <a:schemeClr val="accent1"/>
+            </a:fillRef>
+            <a:effectRef idx="0">
+              <a:schemeClr val="accent1"/>
+            </a:effectRef>
+            <a:fontRef idx="minor">
+              <a:schemeClr val="tx1"/>
+            </a:fontRef>
+          </p:style>
+        </p:cxnSp>
+        <p:grpSp>
+          <p:nvGrpSpPr>
+            <p:cNvPr id="57" name="グループ化 56"/>
+            <p:cNvGrpSpPr/>
+            <p:nvPr/>
+          </p:nvGrpSpPr>
+          <p:grpSpPr>
+            <a:xfrm>
+              <a:off x="2715558" y="3081442"/>
+              <a:ext cx="855679" cy="811138"/>
+              <a:chOff x="3923928" y="1825774"/>
+              <a:chExt cx="855679" cy="811138"/>
+            </a:xfrm>
+          </p:grpSpPr>
+          <p:sp>
+            <p:nvSpPr>
+              <p:cNvPr id="73" name="円/楕円 72"/>
+              <p:cNvSpPr/>
+              <p:nvPr/>
+            </p:nvSpPr>
+            <p:spPr>
+              <a:xfrm>
+                <a:off x="3923928" y="1825774"/>
+                <a:ext cx="845046" cy="811138"/>
+              </a:xfrm>
+              <a:prstGeom prst="ellipse">
+                <a:avLst/>
+              </a:prstGeom>
+              <a:solidFill>
+                <a:schemeClr val="bg1">
+                  <a:lumMod val="65000"/>
+                </a:schemeClr>
+              </a:solidFill>
+              <a:ln>
+                <a:solidFill>
+                  <a:schemeClr val="tx1"/>
+                </a:solidFill>
+              </a:ln>
+            </p:spPr>
+            <p:style>
+              <a:lnRef idx="2">
+                <a:schemeClr val="accent1">
+                  <a:shade val="50000"/>
+                </a:schemeClr>
+              </a:lnRef>
+              <a:fillRef idx="1">
+                <a:schemeClr val="accent1"/>
+              </a:fillRef>
+              <a:effectRef idx="0">
+                <a:schemeClr val="accent1"/>
+              </a:effectRef>
+              <a:fontRef idx="minor">
+                <a:schemeClr val="lt1"/>
+              </a:fontRef>
+            </p:style>
+            <p:txBody>
+              <a:bodyPr rtlCol="0" anchor="ctr"/>
+              <a:lstStyle/>
+              <a:p>
+                <a:pPr algn="ctr"/>
+                <a:endParaRPr kumimoji="1" lang="ja-JP" altLang="en-US"/>
+              </a:p>
+            </p:txBody>
+          </p:sp>
+          <p:sp>
+            <p:nvSpPr>
+              <p:cNvPr id="74" name="正方形/長方形 73"/>
+              <p:cNvSpPr/>
+              <p:nvPr/>
+            </p:nvSpPr>
+            <p:spPr>
+              <a:xfrm>
+                <a:off x="4277647" y="2089592"/>
+                <a:ext cx="501960" cy="288032"/>
+              </a:xfrm>
+              <a:prstGeom prst="rect">
+                <a:avLst/>
+              </a:prstGeom>
+              <a:solidFill>
+                <a:schemeClr val="bg1"/>
+              </a:solidFill>
+              <a:ln>
+                <a:solidFill>
+                  <a:schemeClr val="bg1"/>
+                </a:solidFill>
+              </a:ln>
+            </p:spPr>
+            <p:style>
+              <a:lnRef idx="2">
+                <a:schemeClr val="accent1">
+                  <a:shade val="50000"/>
+                </a:schemeClr>
+              </a:lnRef>
+              <a:fillRef idx="1">
+                <a:schemeClr val="accent1"/>
+              </a:fillRef>
+              <a:effectRef idx="0">
+                <a:schemeClr val="accent1"/>
+              </a:effectRef>
+              <a:fontRef idx="minor">
+                <a:schemeClr val="lt1"/>
+              </a:fontRef>
+            </p:style>
+            <p:txBody>
+              <a:bodyPr rtlCol="0" anchor="ctr"/>
+              <a:lstStyle/>
+              <a:p>
+                <a:pPr algn="ctr"/>
+                <a:endParaRPr kumimoji="1" lang="ja-JP" altLang="en-US"/>
+              </a:p>
+            </p:txBody>
+          </p:sp>
+        </p:grpSp>
+        <p:grpSp>
+          <p:nvGrpSpPr>
+            <p:cNvPr id="58" name="グループ化 57"/>
+            <p:cNvGrpSpPr/>
+            <p:nvPr/>
+          </p:nvGrpSpPr>
+          <p:grpSpPr>
+            <a:xfrm>
+              <a:off x="395536" y="5441482"/>
+              <a:ext cx="3627035" cy="1371894"/>
+              <a:chOff x="1835696" y="3717032"/>
+              <a:chExt cx="3627035" cy="1371894"/>
+            </a:xfrm>
+          </p:grpSpPr>
+          <p:sp>
+            <p:nvSpPr>
+              <p:cNvPr id="69" name="円/楕円 68"/>
+              <p:cNvSpPr/>
+              <p:nvPr/>
+            </p:nvSpPr>
+            <p:spPr>
+              <a:xfrm>
+                <a:off x="1882994" y="3717032"/>
+                <a:ext cx="324000" cy="324000"/>
+              </a:xfrm>
+              <a:prstGeom prst="ellipse">
+                <a:avLst/>
+              </a:prstGeom>
+              <a:solidFill>
+                <a:srgbClr val="FFFF00"/>
+              </a:solidFill>
+              <a:ln>
+                <a:solidFill>
+                  <a:schemeClr val="tx1"/>
+                </a:solidFill>
+              </a:ln>
+            </p:spPr>
+            <p:style>
+              <a:lnRef idx="2">
+                <a:schemeClr val="accent1">
+                  <a:shade val="50000"/>
+                </a:schemeClr>
+              </a:lnRef>
+              <a:fillRef idx="1">
+                <a:schemeClr val="accent1"/>
+              </a:fillRef>
+              <a:effectRef idx="0">
+                <a:schemeClr val="accent1"/>
+              </a:effectRef>
+              <a:fontRef idx="minor">
+                <a:schemeClr val="lt1"/>
+              </a:fontRef>
+            </p:style>
+            <p:txBody>
+              <a:bodyPr rtlCol="0" anchor="ctr"/>
+              <a:lstStyle/>
+              <a:p>
+                <a:pPr algn="ctr"/>
+                <a:endParaRPr kumimoji="1" lang="ja-JP" altLang="en-US"/>
+              </a:p>
+            </p:txBody>
+          </p:sp>
+          <p:sp>
+            <p:nvSpPr>
+              <p:cNvPr id="70" name="正方形/長方形 69"/>
+              <p:cNvSpPr/>
+              <p:nvPr/>
+            </p:nvSpPr>
+            <p:spPr>
+              <a:xfrm>
+                <a:off x="2277244" y="3717032"/>
+                <a:ext cx="3185487" cy="369332"/>
+              </a:xfrm>
+              <a:prstGeom prst="rect">
+                <a:avLst/>
+              </a:prstGeom>
+            </p:spPr>
+            <p:txBody>
+              <a:bodyPr wrap="none">
+                <a:spAutoFit/>
+              </a:bodyPr>
+              <a:lstStyle/>
+              <a:p>
+                <a:r>
+                  <a:rPr lang="ja-JP" altLang="en-US" dirty="0">
+                    <a:latin typeface="メイリオ" panose="020B0604030504040204" pitchFamily="50" charset="-128"/>
+                    <a:ea typeface="メイリオ" panose="020B0604030504040204" pitchFamily="50" charset="-128"/>
+                    <a:cs typeface="メイリオ" panose="020B0604030504040204" pitchFamily="50" charset="-128"/>
+                  </a:rPr>
+                  <a:t>駆動</a:t>
+                </a:r>
+                <a:r>
+                  <a:rPr lang="ja-JP" altLang="en-US" dirty="0" smtClean="0">
+                    <a:latin typeface="メイリオ" panose="020B0604030504040204" pitchFamily="50" charset="-128"/>
+                    <a:ea typeface="メイリオ" panose="020B0604030504040204" pitchFamily="50" charset="-128"/>
+                    <a:cs typeface="メイリオ" panose="020B0604030504040204" pitchFamily="50" charset="-128"/>
+                  </a:rPr>
+                  <a:t>関節（アクチュエータ）</a:t>
+                </a:r>
+                <a:endParaRPr lang="ja-JP" altLang="en-US" dirty="0">
+                  <a:latin typeface="メイリオ" panose="020B0604030504040204" pitchFamily="50" charset="-128"/>
+                  <a:ea typeface="メイリオ" panose="020B0604030504040204" pitchFamily="50" charset="-128"/>
+                  <a:cs typeface="メイリオ" panose="020B0604030504040204" pitchFamily="50" charset="-128"/>
+                </a:endParaRPr>
+              </a:p>
+            </p:txBody>
+          </p:sp>
+          <p:sp>
+            <p:nvSpPr>
+              <p:cNvPr id="71" name="正方形/長方形 70"/>
+              <p:cNvSpPr/>
+              <p:nvPr/>
+            </p:nvSpPr>
+            <p:spPr>
+              <a:xfrm>
+                <a:off x="1835696" y="4721172"/>
+                <a:ext cx="403492" cy="288032"/>
+              </a:xfrm>
+              <a:prstGeom prst="rect">
+                <a:avLst/>
+              </a:prstGeom>
+              <a:ln>
+                <a:solidFill>
+                  <a:schemeClr val="tx1"/>
+                </a:solidFill>
+              </a:ln>
+            </p:spPr>
+            <p:style>
+              <a:lnRef idx="2">
+                <a:schemeClr val="accent1">
+                  <a:shade val="50000"/>
+                </a:schemeClr>
+              </a:lnRef>
+              <a:fillRef idx="1">
+                <a:schemeClr val="accent1"/>
+              </a:fillRef>
+              <a:effectRef idx="0">
+                <a:schemeClr val="accent1"/>
+              </a:effectRef>
+              <a:fontRef idx="minor">
+                <a:schemeClr val="lt1"/>
+              </a:fontRef>
+            </p:style>
+            <p:txBody>
+              <a:bodyPr rtlCol="0" anchor="ctr"/>
+              <a:lstStyle/>
+              <a:p>
+                <a:pPr algn="ctr"/>
+                <a:endParaRPr kumimoji="1" lang="ja-JP" altLang="en-US"/>
+              </a:p>
+            </p:txBody>
+          </p:sp>
+          <p:sp>
+            <p:nvSpPr>
+              <p:cNvPr id="72" name="正方形/長方形 71"/>
+              <p:cNvSpPr/>
+              <p:nvPr/>
+            </p:nvSpPr>
+            <p:spPr>
+              <a:xfrm>
+                <a:off x="2269474" y="4719594"/>
+                <a:ext cx="2262158" cy="369332"/>
+              </a:xfrm>
+              <a:prstGeom prst="rect">
+                <a:avLst/>
+              </a:prstGeom>
+            </p:spPr>
+            <p:txBody>
+              <a:bodyPr wrap="none">
+                <a:spAutoFit/>
+              </a:bodyPr>
+              <a:lstStyle/>
+              <a:p>
+                <a:r>
+                  <a:rPr lang="ja-JP" altLang="en-US" dirty="0" smtClean="0">
+                    <a:latin typeface="メイリオ" panose="020B0604030504040204" pitchFamily="50" charset="-128"/>
+                    <a:ea typeface="メイリオ" panose="020B0604030504040204" pitchFamily="50" charset="-128"/>
+                    <a:cs typeface="メイリオ" panose="020B0604030504040204" pitchFamily="50" charset="-128"/>
+                  </a:rPr>
+                  <a:t>構造部材（リンク）</a:t>
+                </a:r>
+                <a:endParaRPr lang="ja-JP" altLang="en-US" dirty="0">
+                  <a:latin typeface="メイリオ" panose="020B0604030504040204" pitchFamily="50" charset="-128"/>
+                  <a:ea typeface="メイリオ" panose="020B0604030504040204" pitchFamily="50" charset="-128"/>
+                  <a:cs typeface="メイリオ" panose="020B0604030504040204" pitchFamily="50" charset="-128"/>
+                </a:endParaRPr>
+              </a:p>
+            </p:txBody>
+          </p:sp>
+        </p:grpSp>
+        <p:sp>
+          <p:nvSpPr>
+            <p:cNvPr id="59" name="正方形/長方形 58"/>
+            <p:cNvSpPr/>
+            <p:nvPr/>
+          </p:nvSpPr>
+          <p:spPr>
+            <a:xfrm>
+              <a:off x="162377" y="2555612"/>
+              <a:ext cx="3185487" cy="369332"/>
+            </a:xfrm>
+            <a:prstGeom prst="rect">
+              <a:avLst/>
+            </a:prstGeom>
+          </p:spPr>
+          <p:txBody>
+            <a:bodyPr wrap="none">
+              <a:spAutoFit/>
+            </a:bodyPr>
+            <a:lstStyle/>
+            <a:p>
+              <a:r>
+                <a:rPr lang="ja-JP" altLang="en-US" dirty="0" smtClean="0">
+                  <a:latin typeface="メイリオ" panose="020B0604030504040204" pitchFamily="50" charset="-128"/>
+                  <a:ea typeface="メイリオ" panose="020B0604030504040204" pitchFamily="50" charset="-128"/>
+                  <a:cs typeface="メイリオ" panose="020B0604030504040204" pitchFamily="50" charset="-128"/>
+                </a:rPr>
+                <a:t>ハンド（エンドエフェクタ）</a:t>
+              </a:r>
+              <a:endParaRPr lang="ja-JP" altLang="en-US" dirty="0">
+                <a:latin typeface="メイリオ" panose="020B0604030504040204" pitchFamily="50" charset="-128"/>
+                <a:ea typeface="メイリオ" panose="020B0604030504040204" pitchFamily="50" charset="-128"/>
+                <a:cs typeface="メイリオ" panose="020B0604030504040204" pitchFamily="50" charset="-128"/>
+              </a:endParaRPr>
+            </a:p>
+          </p:txBody>
+        </p:sp>
+        <p:cxnSp>
+          <p:nvCxnSpPr>
+            <p:cNvPr id="60" name="直線コネクタ 59"/>
+            <p:cNvCxnSpPr>
+              <a:stCxn id="59" idx="3"/>
+            </p:cNvCxnSpPr>
+            <p:nvPr/>
+          </p:nvCxnSpPr>
+          <p:spPr>
+            <a:xfrm flipH="1">
+              <a:off x="2932386" y="2740278"/>
+              <a:ext cx="415478" cy="555911"/>
+            </a:xfrm>
+            <a:prstGeom prst="line">
+              <a:avLst/>
+            </a:prstGeom>
+            <a:ln>
+              <a:solidFill>
+                <a:schemeClr val="tx1"/>
+              </a:solidFill>
+              <a:tailEnd type="oval"/>
+            </a:ln>
+          </p:spPr>
+          <p:style>
+            <a:lnRef idx="1">
+              <a:schemeClr val="accent1"/>
+            </a:lnRef>
+            <a:fillRef idx="0">
+              <a:schemeClr val="accent1"/>
+            </a:fillRef>
+            <a:effectRef idx="0">
+              <a:schemeClr val="accent1"/>
+            </a:effectRef>
+            <a:fontRef idx="minor">
+              <a:schemeClr val="tx1"/>
+            </a:fontRef>
+          </p:style>
+        </p:cxnSp>
+        <p:sp>
+          <p:nvSpPr>
+            <p:cNvPr id="61" name="正方形/長方形 60"/>
+            <p:cNvSpPr/>
+            <p:nvPr/>
+          </p:nvSpPr>
+          <p:spPr>
+            <a:xfrm rot="16200000">
+              <a:off x="275440" y="3812956"/>
+              <a:ext cx="756496" cy="203783"/>
+            </a:xfrm>
+            <a:prstGeom prst="rect">
+              <a:avLst/>
+            </a:prstGeom>
+            <a:ln>
+              <a:solidFill>
+                <a:schemeClr val="tx1"/>
+              </a:solidFill>
+            </a:ln>
+          </p:spPr>
+          <p:style>
+            <a:lnRef idx="2">
+              <a:schemeClr val="accent1">
+                <a:shade val="50000"/>
+              </a:schemeClr>
+            </a:lnRef>
+            <a:fillRef idx="1">
+              <a:schemeClr val="accent1"/>
+            </a:fillRef>
+            <a:effectRef idx="0">
+              <a:schemeClr val="accent1"/>
+            </a:effectRef>
+            <a:fontRef idx="minor">
+              <a:schemeClr val="lt1"/>
+            </a:fontRef>
+          </p:style>
+          <p:txBody>
+            <a:bodyPr rtlCol="0" anchor="ctr"/>
+            <a:lstStyle/>
+            <a:p>
+              <a:pPr algn="ctr"/>
+              <a:endParaRPr kumimoji="1" lang="ja-JP" altLang="en-US"/>
+            </a:p>
+          </p:txBody>
+        </p:sp>
+        <p:sp>
+          <p:nvSpPr>
+            <p:cNvPr id="62" name="正方形/長方形 61"/>
+            <p:cNvSpPr/>
+            <p:nvPr/>
+          </p:nvSpPr>
+          <p:spPr>
+            <a:xfrm rot="18561656">
+              <a:off x="1196193" y="3802370"/>
+              <a:ext cx="756496" cy="223364"/>
+            </a:xfrm>
+            <a:prstGeom prst="rect">
+              <a:avLst/>
+            </a:prstGeom>
+            <a:ln>
+              <a:solidFill>
+                <a:schemeClr val="tx1"/>
+              </a:solidFill>
+            </a:ln>
+          </p:spPr>
+          <p:style>
+            <a:lnRef idx="2">
+              <a:schemeClr val="accent1">
+                <a:shade val="50000"/>
+              </a:schemeClr>
+            </a:lnRef>
+            <a:fillRef idx="1">
+              <a:schemeClr val="accent1"/>
+            </a:fillRef>
+            <a:effectRef idx="0">
+              <a:schemeClr val="accent1"/>
+            </a:effectRef>
+            <a:fontRef idx="minor">
+              <a:schemeClr val="lt1"/>
+            </a:fontRef>
+          </p:style>
+          <p:txBody>
+            <a:bodyPr rtlCol="0" anchor="ctr"/>
+            <a:lstStyle/>
+            <a:p>
+              <a:pPr algn="ctr"/>
+              <a:endParaRPr kumimoji="1" lang="ja-JP" altLang="en-US"/>
+            </a:p>
+          </p:txBody>
+        </p:sp>
+        <p:sp>
+          <p:nvSpPr>
+            <p:cNvPr id="63" name="円/楕円 62"/>
+            <p:cNvSpPr/>
+            <p:nvPr/>
+          </p:nvSpPr>
+          <p:spPr>
+            <a:xfrm>
+              <a:off x="1699550" y="3350027"/>
+              <a:ext cx="360000" cy="360000"/>
+            </a:xfrm>
+            <a:prstGeom prst="ellipse">
+              <a:avLst/>
+            </a:prstGeom>
+            <a:solidFill>
+              <a:srgbClr val="00B050"/>
+            </a:solidFill>
+            <a:ln>
+              <a:solidFill>
+                <a:schemeClr val="tx1"/>
+              </a:solidFill>
+            </a:ln>
+          </p:spPr>
+          <p:style>
+            <a:lnRef idx="2">
+              <a:schemeClr val="accent1">
+                <a:shade val="50000"/>
+              </a:schemeClr>
+            </a:lnRef>
+            <a:fillRef idx="1">
+              <a:schemeClr val="accent1"/>
+            </a:fillRef>
+            <a:effectRef idx="0">
+              <a:schemeClr val="accent1"/>
+            </a:effectRef>
+            <a:fontRef idx="minor">
+              <a:schemeClr val="lt1"/>
+            </a:fontRef>
+          </p:style>
+          <p:txBody>
+            <a:bodyPr rtlCol="0" anchor="ctr"/>
+            <a:lstStyle/>
+            <a:p>
+              <a:pPr algn="ctr"/>
+              <a:endParaRPr kumimoji="1" lang="ja-JP" altLang="en-US"/>
+            </a:p>
+          </p:txBody>
+        </p:sp>
+        <p:sp>
+          <p:nvSpPr>
+            <p:cNvPr id="64" name="円/楕円 63"/>
+            <p:cNvSpPr/>
+            <p:nvPr/>
+          </p:nvSpPr>
+          <p:spPr>
+            <a:xfrm>
+              <a:off x="1099890" y="4077072"/>
+              <a:ext cx="360000" cy="360000"/>
+            </a:xfrm>
+            <a:prstGeom prst="ellipse">
+              <a:avLst/>
+            </a:prstGeom>
+            <a:solidFill>
+              <a:srgbClr val="FFFF00"/>
+            </a:solidFill>
+            <a:ln>
+              <a:solidFill>
+                <a:schemeClr val="tx1"/>
+              </a:solidFill>
+            </a:ln>
+          </p:spPr>
+          <p:style>
+            <a:lnRef idx="2">
+              <a:schemeClr val="accent1">
+                <a:shade val="50000"/>
+              </a:schemeClr>
+            </a:lnRef>
+            <a:fillRef idx="1">
+              <a:schemeClr val="accent1"/>
+            </a:fillRef>
+            <a:effectRef idx="0">
+              <a:schemeClr val="accent1"/>
+            </a:effectRef>
+            <a:fontRef idx="minor">
+              <a:schemeClr val="lt1"/>
+            </a:fontRef>
+          </p:style>
+          <p:txBody>
+            <a:bodyPr rtlCol="0" anchor="ctr"/>
+            <a:lstStyle/>
+            <a:p>
+              <a:pPr algn="ctr"/>
+              <a:endParaRPr kumimoji="1" lang="ja-JP" altLang="en-US"/>
+            </a:p>
+          </p:txBody>
+        </p:sp>
+        <p:sp>
+          <p:nvSpPr>
+            <p:cNvPr id="65" name="円/楕円 64"/>
+            <p:cNvSpPr/>
+            <p:nvPr/>
+          </p:nvSpPr>
+          <p:spPr>
+            <a:xfrm>
+              <a:off x="460722" y="3350170"/>
+              <a:ext cx="360000" cy="360000"/>
+            </a:xfrm>
+            <a:prstGeom prst="ellipse">
+              <a:avLst/>
+            </a:prstGeom>
+            <a:solidFill>
+              <a:srgbClr val="00B050"/>
+            </a:solidFill>
+            <a:ln>
+              <a:solidFill>
+                <a:schemeClr val="tx1"/>
+              </a:solidFill>
+            </a:ln>
+          </p:spPr>
+          <p:style>
+            <a:lnRef idx="2">
+              <a:schemeClr val="accent1">
+                <a:shade val="50000"/>
+              </a:schemeClr>
+            </a:lnRef>
+            <a:fillRef idx="1">
+              <a:schemeClr val="accent1"/>
+            </a:fillRef>
+            <a:effectRef idx="0">
+              <a:schemeClr val="accent1"/>
+            </a:effectRef>
+            <a:fontRef idx="minor">
+              <a:schemeClr val="lt1"/>
+            </a:fontRef>
+          </p:style>
+          <p:txBody>
+            <a:bodyPr rtlCol="0" anchor="ctr"/>
+            <a:lstStyle/>
+            <a:p>
+              <a:pPr algn="ctr"/>
+              <a:endParaRPr kumimoji="1" lang="ja-JP" altLang="en-US"/>
+            </a:p>
+          </p:txBody>
+        </p:sp>
+        <p:sp>
+          <p:nvSpPr>
+            <p:cNvPr id="66" name="円/楕円 65"/>
+            <p:cNvSpPr/>
+            <p:nvPr/>
+          </p:nvSpPr>
+          <p:spPr>
+            <a:xfrm>
+              <a:off x="476488" y="4068168"/>
+              <a:ext cx="360000" cy="360000"/>
+            </a:xfrm>
+            <a:prstGeom prst="ellipse">
+              <a:avLst/>
+            </a:prstGeom>
+            <a:solidFill>
+              <a:srgbClr val="00B050"/>
+            </a:solidFill>
+            <a:ln>
+              <a:solidFill>
+                <a:schemeClr val="tx1"/>
+              </a:solidFill>
+            </a:ln>
+          </p:spPr>
+          <p:style>
+            <a:lnRef idx="2">
+              <a:schemeClr val="accent1">
+                <a:shade val="50000"/>
+              </a:schemeClr>
+            </a:lnRef>
+            <a:fillRef idx="1">
+              <a:schemeClr val="accent1"/>
+            </a:fillRef>
+            <a:effectRef idx="0">
+              <a:schemeClr val="accent1"/>
+            </a:effectRef>
+            <a:fontRef idx="minor">
+              <a:schemeClr val="lt1"/>
+            </a:fontRef>
+          </p:style>
+          <p:txBody>
+            <a:bodyPr rtlCol="0" anchor="ctr"/>
+            <a:lstStyle/>
+            <a:p>
+              <a:pPr algn="ctr"/>
+              <a:endParaRPr kumimoji="1" lang="ja-JP" altLang="en-US"/>
+            </a:p>
+          </p:txBody>
+        </p:sp>
+        <p:sp>
+          <p:nvSpPr>
+            <p:cNvPr id="67" name="円/楕円 66"/>
+            <p:cNvSpPr/>
+            <p:nvPr/>
+          </p:nvSpPr>
+          <p:spPr>
+            <a:xfrm>
+              <a:off x="436012" y="5956500"/>
+              <a:ext cx="324000" cy="324000"/>
+            </a:xfrm>
+            <a:prstGeom prst="ellipse">
+              <a:avLst/>
+            </a:prstGeom>
+            <a:solidFill>
+              <a:srgbClr val="00B050"/>
+            </a:solidFill>
+            <a:ln>
+              <a:solidFill>
+                <a:schemeClr val="tx1"/>
+              </a:solidFill>
+            </a:ln>
+          </p:spPr>
+          <p:style>
+            <a:lnRef idx="2">
+              <a:schemeClr val="accent1">
+                <a:shade val="50000"/>
+              </a:schemeClr>
+            </a:lnRef>
+            <a:fillRef idx="1">
+              <a:schemeClr val="accent1"/>
+            </a:fillRef>
+            <a:effectRef idx="0">
+              <a:schemeClr val="accent1"/>
+            </a:effectRef>
+            <a:fontRef idx="minor">
+              <a:schemeClr val="lt1"/>
+            </a:fontRef>
+          </p:style>
+          <p:txBody>
+            <a:bodyPr rtlCol="0" anchor="ctr"/>
+            <a:lstStyle/>
+            <a:p>
+              <a:pPr algn="ctr"/>
+              <a:endParaRPr kumimoji="1" lang="ja-JP" altLang="en-US"/>
+            </a:p>
+          </p:txBody>
+        </p:sp>
+        <p:sp>
+          <p:nvSpPr>
+            <p:cNvPr id="68" name="正方形/長方形 67"/>
+            <p:cNvSpPr/>
+            <p:nvPr/>
+          </p:nvSpPr>
+          <p:spPr>
+            <a:xfrm>
+              <a:off x="830262" y="5956500"/>
+              <a:ext cx="1338828" cy="369332"/>
+            </a:xfrm>
+            <a:prstGeom prst="rect">
+              <a:avLst/>
+            </a:prstGeom>
+          </p:spPr>
+          <p:txBody>
+            <a:bodyPr wrap="none">
+              <a:spAutoFit/>
+            </a:bodyPr>
+            <a:lstStyle/>
+            <a:p>
+              <a:r>
+                <a:rPr lang="ja-JP" altLang="en-US" dirty="0" smtClean="0">
+                  <a:latin typeface="メイリオ" panose="020B0604030504040204" pitchFamily="50" charset="-128"/>
+                  <a:ea typeface="メイリオ" panose="020B0604030504040204" pitchFamily="50" charset="-128"/>
+                  <a:cs typeface="メイリオ" panose="020B0604030504040204" pitchFamily="50" charset="-128"/>
+                </a:rPr>
+                <a:t>非駆動関節</a:t>
+              </a:r>
+              <a:endParaRPr lang="ja-JP" altLang="en-US" dirty="0">
+                <a:latin typeface="メイリオ" panose="020B0604030504040204" pitchFamily="50" charset="-128"/>
+                <a:ea typeface="メイリオ" panose="020B0604030504040204" pitchFamily="50" charset="-128"/>
+                <a:cs typeface="メイリオ" panose="020B0604030504040204" pitchFamily="50" charset="-128"/>
+              </a:endParaRPr>
+            </a:p>
+          </p:txBody>
+        </p:sp>
+      </p:grpSp>
+    </p:spTree>
+    <p:extLst>
+      <p:ext uri="{BB962C8B-B14F-4D97-AF65-F5344CB8AC3E}">
+        <p14:creationId xmlns:p14="http://schemas.microsoft.com/office/powerpoint/2010/main" val="1218682411"/>
+      </p:ext>
+    </p:extLst>
+  </p:cSld>
+  <p:clrMapOvr>
+    <a:masterClrMapping/>
+  </p:clrMapOvr>
+</p:sld>
+</file>
+
+<file path=ppt/slides/slide4.xml><?xml version="1.0" encoding="utf-8"?>
+<p:sld xmlns:a="http://schemas.openxmlformats.org/drawingml/2006/main" xmlns:r="http://schemas.openxmlformats.org/officeDocument/2006/relationships" xmlns:p="http://schemas.openxmlformats.org/presentationml/2006/main">
+  <p:cSld>
+    <p:spTree>
+      <p:nvGrpSpPr>
+        <p:cNvPr id="1" name=""/>
+        <p:cNvGrpSpPr/>
+        <p:nvPr/>
+      </p:nvGrpSpPr>
+      <p:grpSpPr>
+        <a:xfrm>
+          <a:off x="0" y="0"/>
+          <a:ext cx="0" cy="0"/>
+          <a:chOff x="0" y="0"/>
+          <a:chExt cx="0" cy="0"/>
+        </a:xfrm>
+      </p:grpSpPr>
+      <p:grpSp>
+        <p:nvGrpSpPr>
+          <p:cNvPr id="44" name="グループ化 43"/>
+          <p:cNvGrpSpPr/>
+          <p:nvPr/>
+        </p:nvGrpSpPr>
+        <p:grpSpPr>
+          <a:xfrm>
+            <a:off x="207750" y="1428542"/>
+            <a:ext cx="4995187" cy="3888432"/>
+            <a:chOff x="467544" y="1412776"/>
+            <a:chExt cx="4995187" cy="3888432"/>
+          </a:xfrm>
+        </p:grpSpPr>
+        <p:grpSp>
+          <p:nvGrpSpPr>
+            <p:cNvPr id="31" name="グループ化 30"/>
+            <p:cNvGrpSpPr/>
+            <p:nvPr/>
+          </p:nvGrpSpPr>
+          <p:grpSpPr>
+            <a:xfrm>
+              <a:off x="467544" y="1825774"/>
+              <a:ext cx="4312063" cy="3475434"/>
+              <a:chOff x="467544" y="1825774"/>
+              <a:chExt cx="4312063" cy="3475434"/>
+            </a:xfrm>
+          </p:grpSpPr>
+          <p:sp>
+            <p:nvSpPr>
+              <p:cNvPr id="12" name="正方形/長方形 11"/>
+              <p:cNvSpPr/>
+              <p:nvPr/>
+            </p:nvSpPr>
+            <p:spPr>
+              <a:xfrm rot="5400000">
+                <a:off x="818059" y="4410633"/>
+                <a:ext cx="811138" cy="288032"/>
+              </a:xfrm>
+              <a:prstGeom prst="rect">
+                <a:avLst/>
+              </a:prstGeom>
+              <a:ln>
+                <a:solidFill>
+                  <a:schemeClr val="tx1"/>
+                </a:solidFill>
+              </a:ln>
+            </p:spPr>
+            <p:style>
+              <a:lnRef idx="2">
+                <a:schemeClr val="accent1">
+                  <a:shade val="50000"/>
+                </a:schemeClr>
+              </a:lnRef>
+              <a:fillRef idx="1">
+                <a:schemeClr val="accent1"/>
+              </a:fillRef>
+              <a:effectRef idx="0">
+                <a:schemeClr val="accent1"/>
+              </a:effectRef>
+              <a:fontRef idx="minor">
+                <a:schemeClr val="lt1"/>
+              </a:fontRef>
+            </p:style>
+            <p:txBody>
+              <a:bodyPr rtlCol="0" anchor="ctr"/>
+              <a:lstStyle/>
+              <a:p>
+                <a:pPr algn="ctr"/>
+                <a:endParaRPr kumimoji="1" lang="ja-JP" altLang="en-US"/>
+              </a:p>
+            </p:txBody>
+          </p:sp>
+          <p:sp>
+            <p:nvSpPr>
+              <p:cNvPr id="9" name="正方形/長方形 8"/>
+              <p:cNvSpPr/>
+              <p:nvPr/>
+            </p:nvSpPr>
+            <p:spPr>
+              <a:xfrm>
+                <a:off x="3328814" y="2110858"/>
+                <a:ext cx="811138" cy="288032"/>
+              </a:xfrm>
+              <a:prstGeom prst="rect">
+                <a:avLst/>
+              </a:prstGeom>
+              <a:ln>
+                <a:solidFill>
+                  <a:schemeClr val="tx1"/>
+                </a:solidFill>
+              </a:ln>
+            </p:spPr>
+            <p:style>
+              <a:lnRef idx="2">
+                <a:schemeClr val="accent1">
+                  <a:shade val="50000"/>
+                </a:schemeClr>
+              </a:lnRef>
+              <a:fillRef idx="1">
+                <a:schemeClr val="accent1"/>
+              </a:fillRef>
+              <a:effectRef idx="0">
+                <a:schemeClr val="accent1"/>
+              </a:effectRef>
+              <a:fontRef idx="minor">
+                <a:schemeClr val="lt1"/>
+              </a:fontRef>
+            </p:style>
+            <p:txBody>
+              <a:bodyPr rtlCol="0" anchor="ctr"/>
+              <a:lstStyle/>
+              <a:p>
+                <a:pPr algn="ctr"/>
+                <a:endParaRPr kumimoji="1" lang="ja-JP" altLang="en-US"/>
+              </a:p>
+            </p:txBody>
+          </p:sp>
+          <p:sp>
+            <p:nvSpPr>
+              <p:cNvPr id="5" name="正方形/長方形 4"/>
+              <p:cNvSpPr/>
+              <p:nvPr/>
+            </p:nvSpPr>
+            <p:spPr>
+              <a:xfrm rot="18441620">
+                <a:off x="823392" y="3446780"/>
+                <a:ext cx="1584176" cy="288032"/>
+              </a:xfrm>
+              <a:prstGeom prst="rect">
+                <a:avLst/>
+              </a:prstGeom>
+              <a:ln>
+                <a:solidFill>
+                  <a:schemeClr val="tx1"/>
+                </a:solidFill>
+              </a:ln>
+            </p:spPr>
+            <p:style>
+              <a:lnRef idx="2">
+                <a:schemeClr val="accent1">
+                  <a:shade val="50000"/>
+                </a:schemeClr>
+              </a:lnRef>
+              <a:fillRef idx="1">
+                <a:schemeClr val="accent1"/>
+              </a:fillRef>
+              <a:effectRef idx="0">
+                <a:schemeClr val="accent1"/>
+              </a:effectRef>
+              <a:fontRef idx="minor">
+                <a:schemeClr val="lt1"/>
+              </a:fontRef>
+            </p:style>
+            <p:txBody>
+              <a:bodyPr rtlCol="0" anchor="ctr"/>
+              <a:lstStyle/>
+              <a:p>
+                <a:pPr algn="ctr"/>
+                <a:endParaRPr kumimoji="1" lang="ja-JP" altLang="en-US"/>
+              </a:p>
+            </p:txBody>
+          </p:sp>
+          <p:sp>
+            <p:nvSpPr>
+              <p:cNvPr id="6" name="正方形/長方形 5"/>
+              <p:cNvSpPr/>
+              <p:nvPr/>
+            </p:nvSpPr>
+            <p:spPr>
+              <a:xfrm rot="19887066">
+                <a:off x="1988145" y="2419821"/>
+                <a:ext cx="1584176" cy="288032"/>
+              </a:xfrm>
+              <a:prstGeom prst="rect">
+                <a:avLst/>
+              </a:prstGeom>
+              <a:ln>
+                <a:solidFill>
+                  <a:schemeClr val="tx1"/>
+                </a:solidFill>
+              </a:ln>
+            </p:spPr>
+            <p:style>
+              <a:lnRef idx="2">
+                <a:schemeClr val="accent1">
+                  <a:shade val="50000"/>
+                </a:schemeClr>
+              </a:lnRef>
+              <a:fillRef idx="1">
+                <a:schemeClr val="accent1"/>
+              </a:fillRef>
+              <a:effectRef idx="0">
+                <a:schemeClr val="accent1"/>
+              </a:effectRef>
+              <a:fontRef idx="minor">
+                <a:schemeClr val="lt1"/>
+              </a:fontRef>
+            </p:style>
+            <p:txBody>
+              <a:bodyPr rtlCol="0" anchor="ctr"/>
+              <a:lstStyle/>
+              <a:p>
+                <a:pPr algn="ctr"/>
+                <a:endParaRPr kumimoji="1" lang="ja-JP" altLang="en-US"/>
+              </a:p>
+            </p:txBody>
+          </p:sp>
+          <p:sp>
+            <p:nvSpPr>
+              <p:cNvPr id="4" name="円/楕円 3"/>
+              <p:cNvSpPr/>
+              <p:nvPr/>
+            </p:nvSpPr>
+            <p:spPr>
+              <a:xfrm>
+                <a:off x="1955042" y="2712244"/>
+                <a:ext cx="360000" cy="360000"/>
+              </a:xfrm>
+              <a:prstGeom prst="ellipse">
+                <a:avLst/>
+              </a:prstGeom>
+              <a:solidFill>
+                <a:srgbClr val="FFFF00"/>
+              </a:solidFill>
+              <a:ln>
+                <a:solidFill>
+                  <a:schemeClr val="tx1"/>
+                </a:solidFill>
+              </a:ln>
+            </p:spPr>
+            <p:style>
+              <a:lnRef idx="2">
+                <a:schemeClr val="accent1">
+                  <a:shade val="50000"/>
+                </a:schemeClr>
+              </a:lnRef>
+              <a:fillRef idx="1">
+                <a:schemeClr val="accent1"/>
+              </a:fillRef>
+              <a:effectRef idx="0">
+                <a:schemeClr val="accent1"/>
+              </a:effectRef>
+              <a:fontRef idx="minor">
+                <a:schemeClr val="lt1"/>
+              </a:fontRef>
+            </p:style>
+            <p:txBody>
+              <a:bodyPr rtlCol="0" anchor="ctr"/>
+              <a:lstStyle/>
+              <a:p>
+                <a:pPr algn="ctr"/>
+                <a:endParaRPr kumimoji="1" lang="ja-JP" altLang="en-US"/>
+              </a:p>
+            </p:txBody>
+          </p:sp>
+          <p:sp>
+            <p:nvSpPr>
+              <p:cNvPr id="7" name="円/楕円 6"/>
+              <p:cNvSpPr/>
+              <p:nvPr/>
+            </p:nvSpPr>
+            <p:spPr>
+              <a:xfrm>
+                <a:off x="3194944" y="2067528"/>
+                <a:ext cx="360000" cy="360000"/>
+              </a:xfrm>
+              <a:prstGeom prst="ellipse">
+                <a:avLst/>
+              </a:prstGeom>
+              <a:solidFill>
+                <a:srgbClr val="FFFF00"/>
+              </a:solidFill>
+              <a:ln>
+                <a:solidFill>
+                  <a:schemeClr val="tx1"/>
+                </a:solidFill>
+              </a:ln>
+            </p:spPr>
+            <p:style>
+              <a:lnRef idx="2">
+                <a:schemeClr val="accent1">
+                  <a:shade val="50000"/>
+                </a:schemeClr>
+              </a:lnRef>
+              <a:fillRef idx="1">
+                <a:schemeClr val="accent1"/>
+              </a:fillRef>
+              <a:effectRef idx="0">
+                <a:schemeClr val="accent1"/>
+              </a:effectRef>
+              <a:fontRef idx="minor">
+                <a:schemeClr val="lt1"/>
+              </a:fontRef>
+            </p:style>
+            <p:txBody>
+              <a:bodyPr rtlCol="0" anchor="ctr"/>
+              <a:lstStyle/>
+              <a:p>
+                <a:pPr algn="ctr"/>
+                <a:endParaRPr kumimoji="1" lang="ja-JP" altLang="en-US"/>
+              </a:p>
+            </p:txBody>
+          </p:sp>
+          <p:sp>
+            <p:nvSpPr>
+              <p:cNvPr id="8" name="円/楕円 7"/>
+              <p:cNvSpPr/>
+              <p:nvPr/>
+            </p:nvSpPr>
+            <p:spPr>
+              <a:xfrm>
+                <a:off x="1018938" y="3964628"/>
+                <a:ext cx="360000" cy="360000"/>
+              </a:xfrm>
+              <a:prstGeom prst="ellipse">
+                <a:avLst/>
+              </a:prstGeom>
+              <a:solidFill>
+                <a:srgbClr val="FFFF00"/>
+              </a:solidFill>
+              <a:ln>
+                <a:solidFill>
+                  <a:schemeClr val="tx1"/>
+                </a:solidFill>
+              </a:ln>
+            </p:spPr>
+            <p:style>
+              <a:lnRef idx="2">
+                <a:schemeClr val="accent1">
+                  <a:shade val="50000"/>
+                </a:schemeClr>
+              </a:lnRef>
+              <a:fillRef idx="1">
+                <a:schemeClr val="accent1"/>
+              </a:fillRef>
+              <a:effectRef idx="0">
+                <a:schemeClr val="accent1"/>
+              </a:effectRef>
+              <a:fontRef idx="minor">
+                <a:schemeClr val="lt1"/>
+              </a:fontRef>
+            </p:style>
+            <p:txBody>
+              <a:bodyPr rtlCol="0" anchor="ctr"/>
+              <a:lstStyle/>
+              <a:p>
+                <a:pPr algn="ctr"/>
+                <a:endParaRPr kumimoji="1" lang="ja-JP" altLang="en-US"/>
+              </a:p>
+            </p:txBody>
+          </p:sp>
+          <p:cxnSp>
+            <p:nvCxnSpPr>
+              <p:cNvPr id="14" name="直線コネクタ 13"/>
+              <p:cNvCxnSpPr/>
+              <p:nvPr/>
+            </p:nvCxnSpPr>
+            <p:spPr>
+              <a:xfrm flipV="1">
+                <a:off x="467544" y="4956026"/>
+                <a:ext cx="2160240" cy="4192"/>
+              </a:xfrm>
+              <a:prstGeom prst="line">
+                <a:avLst/>
+              </a:prstGeom>
+              <a:ln w="19050">
+                <a:solidFill>
+                  <a:schemeClr val="tx1"/>
+                </a:solidFill>
+              </a:ln>
+            </p:spPr>
+            <p:style>
+              <a:lnRef idx="1">
+                <a:schemeClr val="accent1"/>
+              </a:lnRef>
+              <a:fillRef idx="0">
+                <a:schemeClr val="accent1"/>
+              </a:fillRef>
+              <a:effectRef idx="0">
+                <a:schemeClr val="accent1"/>
+              </a:effectRef>
+              <a:fontRef idx="minor">
+                <a:schemeClr val="tx1"/>
+              </a:fontRef>
+            </p:style>
+          </p:cxnSp>
+          <p:cxnSp>
+            <p:nvCxnSpPr>
+              <p:cNvPr id="17" name="直線コネクタ 16"/>
+              <p:cNvCxnSpPr/>
+              <p:nvPr/>
+            </p:nvCxnSpPr>
+            <p:spPr>
+              <a:xfrm flipH="1">
+                <a:off x="467544" y="4960218"/>
+                <a:ext cx="288032" cy="340990"/>
+              </a:xfrm>
+              <a:prstGeom prst="line">
+                <a:avLst/>
+              </a:prstGeom>
+              <a:ln w="19050">
+                <a:solidFill>
+                  <a:schemeClr val="tx1"/>
+                </a:solidFill>
+              </a:ln>
+            </p:spPr>
+            <p:style>
+              <a:lnRef idx="1">
+                <a:schemeClr val="accent1"/>
+              </a:lnRef>
+              <a:fillRef idx="0">
+                <a:schemeClr val="accent1"/>
+              </a:fillRef>
+              <a:effectRef idx="0">
+                <a:schemeClr val="accent1"/>
+              </a:effectRef>
+              <a:fontRef idx="minor">
+                <a:schemeClr val="tx1"/>
+              </a:fontRef>
+            </p:style>
+          </p:cxnSp>
+          <p:cxnSp>
+            <p:nvCxnSpPr>
+              <p:cNvPr id="18" name="直線コネクタ 17"/>
+              <p:cNvCxnSpPr/>
+              <p:nvPr/>
+            </p:nvCxnSpPr>
+            <p:spPr>
+              <a:xfrm flipH="1">
+                <a:off x="721668" y="4960218"/>
+                <a:ext cx="288032" cy="340990"/>
+              </a:xfrm>
+              <a:prstGeom prst="line">
+                <a:avLst/>
+              </a:prstGeom>
+              <a:ln w="19050">
+                <a:solidFill>
+                  <a:schemeClr val="tx1"/>
+                </a:solidFill>
+              </a:ln>
+            </p:spPr>
+            <p:style>
+              <a:lnRef idx="1">
+                <a:schemeClr val="accent1"/>
+              </a:lnRef>
+              <a:fillRef idx="0">
+                <a:schemeClr val="accent1"/>
+              </a:fillRef>
+              <a:effectRef idx="0">
+                <a:schemeClr val="accent1"/>
+              </a:effectRef>
+              <a:fontRef idx="minor">
+                <a:schemeClr val="tx1"/>
+              </a:fontRef>
+            </p:style>
+          </p:cxnSp>
+          <p:cxnSp>
+            <p:nvCxnSpPr>
+              <p:cNvPr id="19" name="直線コネクタ 18"/>
+              <p:cNvCxnSpPr/>
+              <p:nvPr/>
+            </p:nvCxnSpPr>
+            <p:spPr>
+              <a:xfrm flipH="1">
+                <a:off x="971600" y="4956026"/>
+                <a:ext cx="288032" cy="340990"/>
+              </a:xfrm>
+              <a:prstGeom prst="line">
+                <a:avLst/>
+              </a:prstGeom>
+              <a:ln w="19050">
+                <a:solidFill>
+                  <a:schemeClr val="tx1"/>
+                </a:solidFill>
+              </a:ln>
+            </p:spPr>
+            <p:style>
+              <a:lnRef idx="1">
+                <a:schemeClr val="accent1"/>
+              </a:lnRef>
+              <a:fillRef idx="0">
+                <a:schemeClr val="accent1"/>
+              </a:fillRef>
+              <a:effectRef idx="0">
+                <a:schemeClr val="accent1"/>
+              </a:effectRef>
+              <a:fontRef idx="minor">
+                <a:schemeClr val="tx1"/>
+              </a:fontRef>
+            </p:style>
+          </p:cxnSp>
+          <p:cxnSp>
+            <p:nvCxnSpPr>
+              <p:cNvPr id="20" name="直線コネクタ 19"/>
+              <p:cNvCxnSpPr/>
+              <p:nvPr/>
+            </p:nvCxnSpPr>
+            <p:spPr>
+              <a:xfrm flipH="1">
+                <a:off x="1225724" y="4956026"/>
+                <a:ext cx="288032" cy="340990"/>
+              </a:xfrm>
+              <a:prstGeom prst="line">
+                <a:avLst/>
+              </a:prstGeom>
+              <a:ln w="19050">
+                <a:solidFill>
+                  <a:schemeClr val="tx1"/>
+                </a:solidFill>
+              </a:ln>
+            </p:spPr>
+            <p:style>
+              <a:lnRef idx="1">
+                <a:schemeClr val="accent1"/>
+              </a:lnRef>
+              <a:fillRef idx="0">
+                <a:schemeClr val="accent1"/>
+              </a:fillRef>
+              <a:effectRef idx="0">
+                <a:schemeClr val="accent1"/>
+              </a:effectRef>
+              <a:fontRef idx="minor">
+                <a:schemeClr val="tx1"/>
+              </a:fontRef>
+            </p:style>
+          </p:cxnSp>
+          <p:cxnSp>
+            <p:nvCxnSpPr>
+              <p:cNvPr id="21" name="直線コネクタ 20"/>
+              <p:cNvCxnSpPr/>
+              <p:nvPr/>
+            </p:nvCxnSpPr>
+            <p:spPr>
+              <a:xfrm flipH="1">
+                <a:off x="1441748" y="4945360"/>
+                <a:ext cx="288032" cy="340990"/>
+              </a:xfrm>
+              <a:prstGeom prst="line">
+                <a:avLst/>
+              </a:prstGeom>
+              <a:ln w="19050">
+                <a:solidFill>
+                  <a:schemeClr val="tx1"/>
+                </a:solidFill>
+              </a:ln>
+            </p:spPr>
+            <p:style>
+              <a:lnRef idx="1">
+                <a:schemeClr val="accent1"/>
+              </a:lnRef>
+              <a:fillRef idx="0">
+                <a:schemeClr val="accent1"/>
+              </a:fillRef>
+              <a:effectRef idx="0">
+                <a:schemeClr val="accent1"/>
+              </a:effectRef>
+              <a:fontRef idx="minor">
+                <a:schemeClr val="tx1"/>
+              </a:fontRef>
+            </p:style>
+          </p:cxnSp>
+          <p:cxnSp>
+            <p:nvCxnSpPr>
+              <p:cNvPr id="22" name="直線コネクタ 21"/>
+              <p:cNvCxnSpPr/>
+              <p:nvPr/>
+            </p:nvCxnSpPr>
+            <p:spPr>
+              <a:xfrm flipH="1">
+                <a:off x="1695872" y="4945360"/>
+                <a:ext cx="288032" cy="340990"/>
+              </a:xfrm>
+              <a:prstGeom prst="line">
+                <a:avLst/>
+              </a:prstGeom>
+              <a:ln w="19050">
+                <a:solidFill>
+                  <a:schemeClr val="tx1"/>
+                </a:solidFill>
+              </a:ln>
+            </p:spPr>
+            <p:style>
+              <a:lnRef idx="1">
+                <a:schemeClr val="accent1"/>
+              </a:lnRef>
+              <a:fillRef idx="0">
+                <a:schemeClr val="accent1"/>
+              </a:fillRef>
+              <a:effectRef idx="0">
+                <a:schemeClr val="accent1"/>
+              </a:effectRef>
+              <a:fontRef idx="minor">
+                <a:schemeClr val="tx1"/>
+              </a:fontRef>
+            </p:style>
+          </p:cxnSp>
+          <p:cxnSp>
+            <p:nvCxnSpPr>
+              <p:cNvPr id="23" name="直線コネクタ 22"/>
+              <p:cNvCxnSpPr/>
+              <p:nvPr/>
+            </p:nvCxnSpPr>
+            <p:spPr>
+              <a:xfrm flipH="1">
+                <a:off x="1945804" y="4960218"/>
+                <a:ext cx="288032" cy="340990"/>
+              </a:xfrm>
+              <a:prstGeom prst="line">
+                <a:avLst/>
+              </a:prstGeom>
+              <a:ln w="19050">
+                <a:solidFill>
+                  <a:schemeClr val="tx1"/>
+                </a:solidFill>
+              </a:ln>
+            </p:spPr>
+            <p:style>
+              <a:lnRef idx="1">
+                <a:schemeClr val="accent1"/>
+              </a:lnRef>
+              <a:fillRef idx="0">
+                <a:schemeClr val="accent1"/>
+              </a:fillRef>
+              <a:effectRef idx="0">
+                <a:schemeClr val="accent1"/>
+              </a:effectRef>
+              <a:fontRef idx="minor">
+                <a:schemeClr val="tx1"/>
+              </a:fontRef>
+            </p:style>
+          </p:cxnSp>
+          <p:cxnSp>
+            <p:nvCxnSpPr>
+              <p:cNvPr id="24" name="直線コネクタ 23"/>
+              <p:cNvCxnSpPr/>
+              <p:nvPr/>
+            </p:nvCxnSpPr>
+            <p:spPr>
+              <a:xfrm flipH="1">
+                <a:off x="2199928" y="4960218"/>
+                <a:ext cx="288032" cy="340990"/>
+              </a:xfrm>
+              <a:prstGeom prst="line">
+                <a:avLst/>
+              </a:prstGeom>
+              <a:ln w="19050">
+                <a:solidFill>
+                  <a:schemeClr val="tx1"/>
+                </a:solidFill>
+              </a:ln>
+            </p:spPr>
+            <p:style>
+              <a:lnRef idx="1">
+                <a:schemeClr val="accent1"/>
+              </a:lnRef>
+              <a:fillRef idx="0">
+                <a:schemeClr val="accent1"/>
+              </a:fillRef>
+              <a:effectRef idx="0">
+                <a:schemeClr val="accent1"/>
+              </a:effectRef>
+              <a:fontRef idx="minor">
+                <a:schemeClr val="tx1"/>
+              </a:fontRef>
+            </p:style>
+          </p:cxnSp>
+          <p:grpSp>
+            <p:nvGrpSpPr>
+              <p:cNvPr id="30" name="グループ化 29"/>
+              <p:cNvGrpSpPr/>
+              <p:nvPr/>
+            </p:nvGrpSpPr>
+            <p:grpSpPr>
+              <a:xfrm>
+                <a:off x="3923928" y="1825774"/>
+                <a:ext cx="855679" cy="811138"/>
+                <a:chOff x="3923928" y="1825774"/>
+                <a:chExt cx="855679" cy="811138"/>
+              </a:xfrm>
+            </p:grpSpPr>
+            <p:sp>
+              <p:nvSpPr>
+                <p:cNvPr id="28" name="円/楕円 27"/>
+                <p:cNvSpPr/>
+                <p:nvPr/>
+              </p:nvSpPr>
+              <p:spPr>
+                <a:xfrm>
+                  <a:off x="3923928" y="1825774"/>
+                  <a:ext cx="845046" cy="811138"/>
+                </a:xfrm>
+                <a:prstGeom prst="ellipse">
+                  <a:avLst/>
+                </a:prstGeom>
+                <a:solidFill>
+                  <a:schemeClr val="bg1">
+                    <a:lumMod val="65000"/>
+                  </a:schemeClr>
+                </a:solidFill>
+                <a:ln>
+                  <a:solidFill>
+                    <a:schemeClr val="tx1"/>
+                  </a:solidFill>
+                </a:ln>
+              </p:spPr>
+              <p:style>
+                <a:lnRef idx="2">
+                  <a:schemeClr val="accent1">
+                    <a:shade val="50000"/>
+                  </a:schemeClr>
+                </a:lnRef>
+                <a:fillRef idx="1">
+                  <a:schemeClr val="accent1"/>
+                </a:fillRef>
+                <a:effectRef idx="0">
+                  <a:schemeClr val="accent1"/>
+                </a:effectRef>
+                <a:fontRef idx="minor">
+                  <a:schemeClr val="lt1"/>
+                </a:fontRef>
+              </p:style>
+              <p:txBody>
+                <a:bodyPr rtlCol="0" anchor="ctr"/>
+                <a:lstStyle/>
+                <a:p>
+                  <a:pPr algn="ctr"/>
+                  <a:endParaRPr kumimoji="1" lang="ja-JP" altLang="en-US"/>
+                </a:p>
+              </p:txBody>
+            </p:sp>
+            <p:sp>
+              <p:nvSpPr>
+                <p:cNvPr id="29" name="正方形/長方形 28"/>
+                <p:cNvSpPr/>
+                <p:nvPr/>
+              </p:nvSpPr>
+              <p:spPr>
+                <a:xfrm>
+                  <a:off x="4277647" y="2089592"/>
+                  <a:ext cx="501960" cy="288032"/>
+                </a:xfrm>
+                <a:prstGeom prst="rect">
+                  <a:avLst/>
+                </a:prstGeom>
+                <a:solidFill>
+                  <a:schemeClr val="bg1"/>
+                </a:solidFill>
+                <a:ln>
+                  <a:solidFill>
+                    <a:schemeClr val="bg1"/>
+                  </a:solidFill>
+                </a:ln>
+              </p:spPr>
+              <p:style>
+                <a:lnRef idx="2">
+                  <a:schemeClr val="accent1">
+                    <a:shade val="50000"/>
+                  </a:schemeClr>
+                </a:lnRef>
+                <a:fillRef idx="1">
+                  <a:schemeClr val="accent1"/>
+                </a:fillRef>
+                <a:effectRef idx="0">
+                  <a:schemeClr val="accent1"/>
+                </a:effectRef>
+                <a:fontRef idx="minor">
+                  <a:schemeClr val="lt1"/>
+                </a:fontRef>
+              </p:style>
+              <p:txBody>
+                <a:bodyPr rtlCol="0" anchor="ctr"/>
+                <a:lstStyle/>
+                <a:p>
+                  <a:pPr algn="ctr"/>
+                  <a:endParaRPr kumimoji="1" lang="ja-JP" altLang="en-US"/>
+                </a:p>
+              </p:txBody>
+            </p:sp>
+          </p:grpSp>
+        </p:grpSp>
+        <p:sp>
+          <p:nvSpPr>
+            <p:cNvPr id="32" name="円/楕円 31"/>
+            <p:cNvSpPr/>
+            <p:nvPr/>
+          </p:nvSpPr>
+          <p:spPr>
+            <a:xfrm>
+              <a:off x="1882994" y="3717032"/>
+              <a:ext cx="324000" cy="324000"/>
+            </a:xfrm>
+            <a:prstGeom prst="ellipse">
+              <a:avLst/>
+            </a:prstGeom>
+            <a:solidFill>
+              <a:srgbClr val="FFFF00"/>
+            </a:solidFill>
+            <a:ln>
+              <a:solidFill>
+                <a:schemeClr val="tx1"/>
+              </a:solidFill>
+            </a:ln>
+          </p:spPr>
+          <p:style>
+            <a:lnRef idx="2">
+              <a:schemeClr val="accent1">
+                <a:shade val="50000"/>
+              </a:schemeClr>
+            </a:lnRef>
+            <a:fillRef idx="1">
+              <a:schemeClr val="accent1"/>
+            </a:fillRef>
+            <a:effectRef idx="0">
+              <a:schemeClr val="accent1"/>
+            </a:effectRef>
+            <a:fontRef idx="minor">
+              <a:schemeClr val="lt1"/>
+            </a:fontRef>
+          </p:style>
+          <p:txBody>
+            <a:bodyPr rtlCol="0" anchor="ctr"/>
+            <a:lstStyle/>
+            <a:p>
+              <a:pPr algn="ctr"/>
+              <a:endParaRPr kumimoji="1" lang="ja-JP" altLang="en-US"/>
+            </a:p>
+          </p:txBody>
+        </p:sp>
+        <p:sp>
+          <p:nvSpPr>
+            <p:cNvPr id="33" name="正方形/長方形 32"/>
+            <p:cNvSpPr/>
+            <p:nvPr/>
+          </p:nvSpPr>
+          <p:spPr>
+            <a:xfrm>
+              <a:off x="2277244" y="3717032"/>
+              <a:ext cx="3185487" cy="369332"/>
+            </a:xfrm>
+            <a:prstGeom prst="rect">
+              <a:avLst/>
+            </a:prstGeom>
+          </p:spPr>
+          <p:txBody>
+            <a:bodyPr wrap="none">
+              <a:spAutoFit/>
+            </a:bodyPr>
+            <a:lstStyle/>
+            <a:p>
+              <a:r>
+                <a:rPr lang="ja-JP" altLang="en-US" dirty="0" smtClean="0">
+                  <a:latin typeface="メイリオ" panose="020B0604030504040204" pitchFamily="50" charset="-128"/>
+                  <a:ea typeface="メイリオ" panose="020B0604030504040204" pitchFamily="50" charset="-128"/>
+                  <a:cs typeface="メイリオ" panose="020B0604030504040204" pitchFamily="50" charset="-128"/>
+                </a:rPr>
+                <a:t>駆動関節（アクチュエータ）</a:t>
+              </a:r>
+              <a:endParaRPr lang="ja-JP" altLang="en-US" dirty="0">
+                <a:latin typeface="メイリオ" panose="020B0604030504040204" pitchFamily="50" charset="-128"/>
+                <a:ea typeface="メイリオ" panose="020B0604030504040204" pitchFamily="50" charset="-128"/>
+                <a:cs typeface="メイリオ" panose="020B0604030504040204" pitchFamily="50" charset="-128"/>
+              </a:endParaRPr>
+            </a:p>
+          </p:txBody>
+        </p:sp>
+        <p:sp>
+          <p:nvSpPr>
+            <p:cNvPr id="34" name="正方形/長方形 33"/>
+            <p:cNvSpPr/>
+            <p:nvPr/>
+          </p:nvSpPr>
+          <p:spPr>
+            <a:xfrm>
+              <a:off x="1835696" y="4289124"/>
+              <a:ext cx="403492" cy="288032"/>
+            </a:xfrm>
+            <a:prstGeom prst="rect">
+              <a:avLst/>
+            </a:prstGeom>
+            <a:ln>
+              <a:solidFill>
+                <a:schemeClr val="tx1"/>
+              </a:solidFill>
+            </a:ln>
+          </p:spPr>
+          <p:style>
+            <a:lnRef idx="2">
+              <a:schemeClr val="accent1">
+                <a:shade val="50000"/>
+              </a:schemeClr>
+            </a:lnRef>
+            <a:fillRef idx="1">
+              <a:schemeClr val="accent1"/>
+            </a:fillRef>
+            <a:effectRef idx="0">
+              <a:schemeClr val="accent1"/>
+            </a:effectRef>
+            <a:fontRef idx="minor">
+              <a:schemeClr val="lt1"/>
+            </a:fontRef>
+          </p:style>
+          <p:txBody>
+            <a:bodyPr rtlCol="0" anchor="ctr"/>
+            <a:lstStyle/>
+            <a:p>
+              <a:pPr algn="ctr"/>
+              <a:endParaRPr kumimoji="1" lang="ja-JP" altLang="en-US"/>
+            </a:p>
+          </p:txBody>
+        </p:sp>
+        <p:sp>
+          <p:nvSpPr>
+            <p:cNvPr id="35" name="正方形/長方形 34"/>
+            <p:cNvSpPr/>
+            <p:nvPr/>
+          </p:nvSpPr>
+          <p:spPr>
+            <a:xfrm>
+              <a:off x="2269474" y="4287546"/>
+              <a:ext cx="2262158" cy="369332"/>
+            </a:xfrm>
+            <a:prstGeom prst="rect">
+              <a:avLst/>
+            </a:prstGeom>
+          </p:spPr>
+          <p:txBody>
+            <a:bodyPr wrap="none">
+              <a:spAutoFit/>
+            </a:bodyPr>
+            <a:lstStyle/>
+            <a:p>
+              <a:r>
+                <a:rPr lang="ja-JP" altLang="en-US" dirty="0" smtClean="0">
+                  <a:latin typeface="メイリオ" panose="020B0604030504040204" pitchFamily="50" charset="-128"/>
+                  <a:ea typeface="メイリオ" panose="020B0604030504040204" pitchFamily="50" charset="-128"/>
+                  <a:cs typeface="メイリオ" panose="020B0604030504040204" pitchFamily="50" charset="-128"/>
+                </a:rPr>
+                <a:t>構造部材（リンク）</a:t>
+              </a:r>
+              <a:endParaRPr lang="ja-JP" altLang="en-US" dirty="0">
+                <a:latin typeface="メイリオ" panose="020B0604030504040204" pitchFamily="50" charset="-128"/>
+                <a:ea typeface="メイリオ" panose="020B0604030504040204" pitchFamily="50" charset="-128"/>
+                <a:cs typeface="メイリオ" panose="020B0604030504040204" pitchFamily="50" charset="-128"/>
+              </a:endParaRPr>
+            </a:p>
+          </p:txBody>
+        </p:sp>
+        <p:sp>
+          <p:nvSpPr>
+            <p:cNvPr id="36" name="正方形/長方形 35"/>
+            <p:cNvSpPr/>
+            <p:nvPr/>
+          </p:nvSpPr>
+          <p:spPr>
+            <a:xfrm>
+              <a:off x="755576" y="1412776"/>
+              <a:ext cx="3185487" cy="369332"/>
+            </a:xfrm>
+            <a:prstGeom prst="rect">
+              <a:avLst/>
+            </a:prstGeom>
+          </p:spPr>
+          <p:txBody>
+            <a:bodyPr wrap="none">
+              <a:spAutoFit/>
+            </a:bodyPr>
+            <a:lstStyle/>
+            <a:p>
+              <a:r>
+                <a:rPr lang="ja-JP" altLang="en-US" dirty="0" smtClean="0">
+                  <a:latin typeface="メイリオ" panose="020B0604030504040204" pitchFamily="50" charset="-128"/>
+                  <a:ea typeface="メイリオ" panose="020B0604030504040204" pitchFamily="50" charset="-128"/>
+                  <a:cs typeface="メイリオ" panose="020B0604030504040204" pitchFamily="50" charset="-128"/>
+                </a:rPr>
+                <a:t>ハンド（エンドエフェクタ）</a:t>
+              </a:r>
+              <a:endParaRPr lang="ja-JP" altLang="en-US" dirty="0">
+                <a:latin typeface="メイリオ" panose="020B0604030504040204" pitchFamily="50" charset="-128"/>
+                <a:ea typeface="メイリオ" panose="020B0604030504040204" pitchFamily="50" charset="-128"/>
+                <a:cs typeface="メイリオ" panose="020B0604030504040204" pitchFamily="50" charset="-128"/>
+              </a:endParaRPr>
+            </a:p>
+          </p:txBody>
+        </p:sp>
+        <p:cxnSp>
+          <p:nvCxnSpPr>
+            <p:cNvPr id="38" name="直線コネクタ 37"/>
+            <p:cNvCxnSpPr>
+              <a:stCxn id="36" idx="3"/>
+            </p:cNvCxnSpPr>
+            <p:nvPr/>
+          </p:nvCxnSpPr>
+          <p:spPr>
+            <a:xfrm>
+              <a:off x="3941063" y="1597442"/>
+              <a:ext cx="198889" cy="633901"/>
+            </a:xfrm>
+            <a:prstGeom prst="line">
+              <a:avLst/>
+            </a:prstGeom>
+            <a:ln>
+              <a:solidFill>
+                <a:schemeClr val="tx1"/>
+              </a:solidFill>
+              <a:tailEnd type="oval"/>
+            </a:ln>
+          </p:spPr>
+          <p:style>
+            <a:lnRef idx="1">
+              <a:schemeClr val="accent1"/>
+            </a:lnRef>
+            <a:fillRef idx="0">
+              <a:schemeClr val="accent1"/>
+            </a:fillRef>
+            <a:effectRef idx="0">
+              <a:schemeClr val="accent1"/>
+            </a:effectRef>
+            <a:fontRef idx="minor">
+              <a:schemeClr val="tx1"/>
+            </a:fontRef>
+          </p:style>
+        </p:cxnSp>
+      </p:grpSp>
+    </p:spTree>
+    <p:extLst>
+      <p:ext uri="{BB962C8B-B14F-4D97-AF65-F5344CB8AC3E}">
+        <p14:creationId xmlns:p14="http://schemas.microsoft.com/office/powerpoint/2010/main" val="3915290488"/>
+      </p:ext>
+    </p:extLst>
+  </p:cSld>
+  <p:clrMapOvr>
+    <a:masterClrMapping/>
+  </p:clrMapOvr>
+</p:sld>
+</file>
+
+<file path=ppt/slides/slide5.xml><?xml version="1.0" encoding="utf-8"?>
+<p:sld xmlns:a="http://schemas.openxmlformats.org/drawingml/2006/main" xmlns:r="http://schemas.openxmlformats.org/officeDocument/2006/relationships" xmlns:p="http://schemas.openxmlformats.org/presentationml/2006/main">
+  <p:cSld>
+    <p:spTree>
+      <p:nvGrpSpPr>
+        <p:cNvPr id="1" name=""/>
+        <p:cNvGrpSpPr/>
+        <p:nvPr/>
+      </p:nvGrpSpPr>
+      <p:grpSpPr>
+        <a:xfrm>
+          <a:off x="0" y="0"/>
+          <a:ext cx="0" cy="0"/>
+          <a:chOff x="0" y="0"/>
+          <a:chExt cx="0" cy="0"/>
+        </a:xfrm>
+      </p:grpSpPr>
+      <p:grpSp>
+        <p:nvGrpSpPr>
+          <p:cNvPr id="13" name="グループ化 12"/>
+          <p:cNvGrpSpPr/>
+          <p:nvPr/>
+        </p:nvGrpSpPr>
+        <p:grpSpPr>
+          <a:xfrm>
+            <a:off x="162377" y="2555612"/>
+            <a:ext cx="3860194" cy="4257764"/>
+            <a:chOff x="162377" y="2555612"/>
+            <a:chExt cx="3860194" cy="4257764"/>
+          </a:xfrm>
+        </p:grpSpPr>
+        <p:sp>
+          <p:nvSpPr>
+            <p:cNvPr id="12" name="正方形/長方形 11"/>
+            <p:cNvSpPr/>
+            <p:nvPr/>
+          </p:nvSpPr>
+          <p:spPr>
+            <a:xfrm rot="5400000">
+              <a:off x="440017" y="4032591"/>
+              <a:ext cx="811138" cy="1044116"/>
+            </a:xfrm>
+            <a:prstGeom prst="rect">
+              <a:avLst/>
+            </a:prstGeom>
+            <a:ln>
+              <a:solidFill>
+                <a:schemeClr val="tx1"/>
+              </a:solidFill>
+            </a:ln>
+          </p:spPr>
+          <p:style>
+            <a:lnRef idx="2">
+              <a:schemeClr val="accent1">
+                <a:shade val="50000"/>
+              </a:schemeClr>
+            </a:lnRef>
+            <a:fillRef idx="1">
+              <a:schemeClr val="accent1"/>
+            </a:fillRef>
+            <a:effectRef idx="0">
+              <a:schemeClr val="accent1"/>
+            </a:effectRef>
+            <a:fontRef idx="minor">
+              <a:schemeClr val="lt1"/>
+            </a:fontRef>
+          </p:style>
+          <p:txBody>
+            <a:bodyPr rtlCol="0" anchor="ctr"/>
+            <a:lstStyle/>
+            <a:p>
+              <a:pPr algn="ctr"/>
+              <a:endParaRPr kumimoji="1" lang="ja-JP" altLang="en-US"/>
+            </a:p>
+          </p:txBody>
+        </p:sp>
+        <p:sp>
+          <p:nvSpPr>
+            <p:cNvPr id="6" name="正方形/長方形 5"/>
+            <p:cNvSpPr/>
+            <p:nvPr/>
+          </p:nvSpPr>
+          <p:spPr>
+            <a:xfrm>
+              <a:off x="551796" y="3359253"/>
+              <a:ext cx="2304248" cy="337103"/>
+            </a:xfrm>
+            <a:prstGeom prst="rect">
+              <a:avLst/>
+            </a:prstGeom>
+            <a:ln>
+              <a:solidFill>
+                <a:schemeClr val="tx1"/>
+              </a:solidFill>
+            </a:ln>
+          </p:spPr>
+          <p:style>
+            <a:lnRef idx="2">
+              <a:schemeClr val="accent1">
+                <a:shade val="50000"/>
+              </a:schemeClr>
+            </a:lnRef>
+            <a:fillRef idx="1">
+              <a:schemeClr val="accent1"/>
+            </a:fillRef>
+            <a:effectRef idx="0">
+              <a:schemeClr val="accent1"/>
+            </a:effectRef>
+            <a:fontRef idx="minor">
+              <a:schemeClr val="lt1"/>
+            </a:fontRef>
+          </p:style>
+          <p:txBody>
+            <a:bodyPr rtlCol="0" anchor="ctr"/>
+            <a:lstStyle/>
+            <a:p>
+              <a:pPr algn="ctr"/>
+              <a:endParaRPr kumimoji="1" lang="ja-JP" altLang="en-US"/>
+            </a:p>
+          </p:txBody>
+        </p:sp>
+        <p:cxnSp>
+          <p:nvCxnSpPr>
+            <p:cNvPr id="14" name="直線コネクタ 13"/>
+            <p:cNvCxnSpPr/>
+            <p:nvPr/>
+          </p:nvCxnSpPr>
+          <p:spPr>
+            <a:xfrm flipV="1">
+              <a:off x="467544" y="4956026"/>
+              <a:ext cx="2160240" cy="4192"/>
+            </a:xfrm>
+            <a:prstGeom prst="line">
+              <a:avLst/>
+            </a:prstGeom>
+            <a:ln w="19050">
+              <a:solidFill>
+                <a:schemeClr val="tx1"/>
+              </a:solidFill>
+            </a:ln>
+          </p:spPr>
+          <p:style>
+            <a:lnRef idx="1">
+              <a:schemeClr val="accent1"/>
+            </a:lnRef>
+            <a:fillRef idx="0">
+              <a:schemeClr val="accent1"/>
+            </a:fillRef>
+            <a:effectRef idx="0">
+              <a:schemeClr val="accent1"/>
+            </a:effectRef>
+            <a:fontRef idx="minor">
+              <a:schemeClr val="tx1"/>
+            </a:fontRef>
+          </p:style>
+        </p:cxnSp>
+        <p:cxnSp>
+          <p:nvCxnSpPr>
+            <p:cNvPr id="17" name="直線コネクタ 16"/>
+            <p:cNvCxnSpPr/>
+            <p:nvPr/>
+          </p:nvCxnSpPr>
+          <p:spPr>
+            <a:xfrm flipH="1">
+              <a:off x="467544" y="4960218"/>
+              <a:ext cx="288032" cy="340990"/>
+            </a:xfrm>
+            <a:prstGeom prst="line">
+              <a:avLst/>
+            </a:prstGeom>
+            <a:ln w="19050">
+              <a:solidFill>
+                <a:schemeClr val="tx1"/>
+              </a:solidFill>
+            </a:ln>
+          </p:spPr>
+          <p:style>
+            <a:lnRef idx="1">
+              <a:schemeClr val="accent1"/>
+            </a:lnRef>
+            <a:fillRef idx="0">
+              <a:schemeClr val="accent1"/>
+            </a:fillRef>
+            <a:effectRef idx="0">
+              <a:schemeClr val="accent1"/>
+            </a:effectRef>
+            <a:fontRef idx="minor">
+              <a:schemeClr val="tx1"/>
+            </a:fontRef>
+          </p:style>
+        </p:cxnSp>
+        <p:cxnSp>
+          <p:nvCxnSpPr>
+            <p:cNvPr id="18" name="直線コネクタ 17"/>
+            <p:cNvCxnSpPr/>
+            <p:nvPr/>
+          </p:nvCxnSpPr>
+          <p:spPr>
+            <a:xfrm flipH="1">
+              <a:off x="721668" y="4960218"/>
+              <a:ext cx="288032" cy="340990"/>
+            </a:xfrm>
+            <a:prstGeom prst="line">
+              <a:avLst/>
+            </a:prstGeom>
+            <a:ln w="19050">
+              <a:solidFill>
+                <a:schemeClr val="tx1"/>
+              </a:solidFill>
+            </a:ln>
+          </p:spPr>
+          <p:style>
+            <a:lnRef idx="1">
+              <a:schemeClr val="accent1"/>
+            </a:lnRef>
+            <a:fillRef idx="0">
+              <a:schemeClr val="accent1"/>
+            </a:fillRef>
+            <a:effectRef idx="0">
+              <a:schemeClr val="accent1"/>
+            </a:effectRef>
+            <a:fontRef idx="minor">
+              <a:schemeClr val="tx1"/>
+            </a:fontRef>
+          </p:style>
+        </p:cxnSp>
+        <p:cxnSp>
+          <p:nvCxnSpPr>
+            <p:cNvPr id="19" name="直線コネクタ 18"/>
+            <p:cNvCxnSpPr/>
+            <p:nvPr/>
+          </p:nvCxnSpPr>
+          <p:spPr>
+            <a:xfrm flipH="1">
+              <a:off x="971600" y="4956026"/>
+              <a:ext cx="288032" cy="340990"/>
+            </a:xfrm>
+            <a:prstGeom prst="line">
+              <a:avLst/>
+            </a:prstGeom>
+            <a:ln w="19050">
+              <a:solidFill>
+                <a:schemeClr val="tx1"/>
+              </a:solidFill>
+            </a:ln>
+          </p:spPr>
+          <p:style>
+            <a:lnRef idx="1">
+              <a:schemeClr val="accent1"/>
+            </a:lnRef>
+            <a:fillRef idx="0">
+              <a:schemeClr val="accent1"/>
+            </a:fillRef>
+            <a:effectRef idx="0">
+              <a:schemeClr val="accent1"/>
+            </a:effectRef>
+            <a:fontRef idx="minor">
+              <a:schemeClr val="tx1"/>
+            </a:fontRef>
+          </p:style>
+        </p:cxnSp>
+        <p:cxnSp>
+          <p:nvCxnSpPr>
+            <p:cNvPr id="20" name="直線コネクタ 19"/>
+            <p:cNvCxnSpPr/>
+            <p:nvPr/>
+          </p:nvCxnSpPr>
+          <p:spPr>
+            <a:xfrm flipH="1">
+              <a:off x="1225724" y="4956026"/>
+              <a:ext cx="288032" cy="340990"/>
+            </a:xfrm>
+            <a:prstGeom prst="line">
+              <a:avLst/>
+            </a:prstGeom>
+            <a:ln w="19050">
+              <a:solidFill>
+                <a:schemeClr val="tx1"/>
+              </a:solidFill>
+            </a:ln>
+          </p:spPr>
+          <p:style>
+            <a:lnRef idx="1">
+              <a:schemeClr val="accent1"/>
+            </a:lnRef>
+            <a:fillRef idx="0">
+              <a:schemeClr val="accent1"/>
+            </a:fillRef>
+            <a:effectRef idx="0">
+              <a:schemeClr val="accent1"/>
+            </a:effectRef>
+            <a:fontRef idx="minor">
+              <a:schemeClr val="tx1"/>
+            </a:fontRef>
+          </p:style>
+        </p:cxnSp>
+        <p:cxnSp>
+          <p:nvCxnSpPr>
+            <p:cNvPr id="21" name="直線コネクタ 20"/>
+            <p:cNvCxnSpPr/>
+            <p:nvPr/>
+          </p:nvCxnSpPr>
+          <p:spPr>
+            <a:xfrm flipH="1">
+              <a:off x="1441748" y="4945360"/>
+              <a:ext cx="288032" cy="340990"/>
+            </a:xfrm>
+            <a:prstGeom prst="line">
+              <a:avLst/>
+            </a:prstGeom>
+            <a:ln w="19050">
+              <a:solidFill>
+                <a:schemeClr val="tx1"/>
+              </a:solidFill>
+            </a:ln>
+          </p:spPr>
+          <p:style>
+            <a:lnRef idx="1">
+              <a:schemeClr val="accent1"/>
+            </a:lnRef>
+            <a:fillRef idx="0">
+              <a:schemeClr val="accent1"/>
+            </a:fillRef>
+            <a:effectRef idx="0">
+              <a:schemeClr val="accent1"/>
+            </a:effectRef>
+            <a:fontRef idx="minor">
+              <a:schemeClr val="tx1"/>
+            </a:fontRef>
+          </p:style>
+        </p:cxnSp>
+        <p:cxnSp>
+          <p:nvCxnSpPr>
+            <p:cNvPr id="22" name="直線コネクタ 21"/>
+            <p:cNvCxnSpPr/>
+            <p:nvPr/>
+          </p:nvCxnSpPr>
+          <p:spPr>
+            <a:xfrm flipH="1">
+              <a:off x="1695872" y="4945360"/>
+              <a:ext cx="288032" cy="340990"/>
+            </a:xfrm>
+            <a:prstGeom prst="line">
+              <a:avLst/>
+            </a:prstGeom>
+            <a:ln w="19050">
+              <a:solidFill>
+                <a:schemeClr val="tx1"/>
+              </a:solidFill>
+            </a:ln>
+          </p:spPr>
+          <p:style>
+            <a:lnRef idx="1">
+              <a:schemeClr val="accent1"/>
+            </a:lnRef>
+            <a:fillRef idx="0">
+              <a:schemeClr val="accent1"/>
+            </a:fillRef>
+            <a:effectRef idx="0">
+              <a:schemeClr val="accent1"/>
+            </a:effectRef>
+            <a:fontRef idx="minor">
+              <a:schemeClr val="tx1"/>
+            </a:fontRef>
+          </p:style>
+        </p:cxnSp>
+        <p:cxnSp>
+          <p:nvCxnSpPr>
+            <p:cNvPr id="23" name="直線コネクタ 22"/>
+            <p:cNvCxnSpPr/>
+            <p:nvPr/>
+          </p:nvCxnSpPr>
+          <p:spPr>
+            <a:xfrm flipH="1">
+              <a:off x="1945804" y="4960218"/>
+              <a:ext cx="288032" cy="340990"/>
+            </a:xfrm>
+            <a:prstGeom prst="line">
+              <a:avLst/>
+            </a:prstGeom>
+            <a:ln w="19050">
+              <a:solidFill>
+                <a:schemeClr val="tx1"/>
+              </a:solidFill>
+            </a:ln>
+          </p:spPr>
+          <p:style>
+            <a:lnRef idx="1">
+              <a:schemeClr val="accent1"/>
+            </a:lnRef>
+            <a:fillRef idx="0">
+              <a:schemeClr val="accent1"/>
+            </a:fillRef>
+            <a:effectRef idx="0">
+              <a:schemeClr val="accent1"/>
+            </a:effectRef>
+            <a:fontRef idx="minor">
+              <a:schemeClr val="tx1"/>
+            </a:fontRef>
+          </p:style>
+        </p:cxnSp>
+        <p:cxnSp>
+          <p:nvCxnSpPr>
+            <p:cNvPr id="24" name="直線コネクタ 23"/>
+            <p:cNvCxnSpPr/>
+            <p:nvPr/>
+          </p:nvCxnSpPr>
+          <p:spPr>
+            <a:xfrm flipH="1">
+              <a:off x="2199928" y="4960218"/>
+              <a:ext cx="288032" cy="340990"/>
+            </a:xfrm>
+            <a:prstGeom prst="line">
+              <a:avLst/>
+            </a:prstGeom>
+            <a:ln w="19050">
+              <a:solidFill>
+                <a:schemeClr val="tx1"/>
+              </a:solidFill>
+            </a:ln>
+          </p:spPr>
+          <p:style>
+            <a:lnRef idx="1">
+              <a:schemeClr val="accent1"/>
+            </a:lnRef>
+            <a:fillRef idx="0">
+              <a:schemeClr val="accent1"/>
+            </a:fillRef>
+            <a:effectRef idx="0">
+              <a:schemeClr val="accent1"/>
+            </a:effectRef>
+            <a:fontRef idx="minor">
+              <a:schemeClr val="tx1"/>
+            </a:fontRef>
+          </p:style>
+        </p:cxnSp>
+        <p:grpSp>
+          <p:nvGrpSpPr>
+            <p:cNvPr id="30" name="グループ化 29"/>
+            <p:cNvGrpSpPr/>
+            <p:nvPr/>
+          </p:nvGrpSpPr>
+          <p:grpSpPr>
+            <a:xfrm>
+              <a:off x="2715558" y="3081442"/>
+              <a:ext cx="855679" cy="811138"/>
+              <a:chOff x="3923928" y="1825774"/>
+              <a:chExt cx="855679" cy="811138"/>
+            </a:xfrm>
+          </p:grpSpPr>
+          <p:sp>
+            <p:nvSpPr>
+              <p:cNvPr id="28" name="円/楕円 27"/>
+              <p:cNvSpPr/>
+              <p:nvPr/>
+            </p:nvSpPr>
+            <p:spPr>
+              <a:xfrm>
+                <a:off x="3923928" y="1825774"/>
+                <a:ext cx="845046" cy="811138"/>
+              </a:xfrm>
+              <a:prstGeom prst="ellipse">
+                <a:avLst/>
+              </a:prstGeom>
+              <a:solidFill>
+                <a:schemeClr val="bg1">
+                  <a:lumMod val="65000"/>
+                </a:schemeClr>
+              </a:solidFill>
+              <a:ln>
+                <a:solidFill>
+                  <a:schemeClr val="tx1"/>
+                </a:solidFill>
+              </a:ln>
+            </p:spPr>
+            <p:style>
+              <a:lnRef idx="2">
+                <a:schemeClr val="accent1">
+                  <a:shade val="50000"/>
+                </a:schemeClr>
+              </a:lnRef>
+              <a:fillRef idx="1">
+                <a:schemeClr val="accent1"/>
+              </a:fillRef>
+              <a:effectRef idx="0">
+                <a:schemeClr val="accent1"/>
+              </a:effectRef>
+              <a:fontRef idx="minor">
+                <a:schemeClr val="lt1"/>
+              </a:fontRef>
+            </p:style>
+            <p:txBody>
+              <a:bodyPr rtlCol="0" anchor="ctr"/>
+              <a:lstStyle/>
+              <a:p>
+                <a:pPr algn="ctr"/>
+                <a:endParaRPr kumimoji="1" lang="ja-JP" altLang="en-US"/>
+              </a:p>
+            </p:txBody>
+          </p:sp>
+          <p:sp>
+            <p:nvSpPr>
+              <p:cNvPr id="29" name="正方形/長方形 28"/>
+              <p:cNvSpPr/>
+              <p:nvPr/>
+            </p:nvSpPr>
+            <p:spPr>
+              <a:xfrm>
+                <a:off x="4277647" y="2089592"/>
+                <a:ext cx="501960" cy="288032"/>
+              </a:xfrm>
+              <a:prstGeom prst="rect">
+                <a:avLst/>
+              </a:prstGeom>
+              <a:solidFill>
+                <a:schemeClr val="bg1"/>
+              </a:solidFill>
+              <a:ln>
+                <a:solidFill>
+                  <a:schemeClr val="bg1"/>
+                </a:solidFill>
+              </a:ln>
+            </p:spPr>
+            <p:style>
+              <a:lnRef idx="2">
+                <a:schemeClr val="accent1">
+                  <a:shade val="50000"/>
+                </a:schemeClr>
+              </a:lnRef>
+              <a:fillRef idx="1">
+                <a:schemeClr val="accent1"/>
+              </a:fillRef>
+              <a:effectRef idx="0">
+                <a:schemeClr val="accent1"/>
+              </a:effectRef>
+              <a:fontRef idx="minor">
+                <a:schemeClr val="lt1"/>
+              </a:fontRef>
+            </p:style>
+            <p:txBody>
+              <a:bodyPr rtlCol="0" anchor="ctr"/>
+              <a:lstStyle/>
+              <a:p>
+                <a:pPr algn="ctr"/>
+                <a:endParaRPr kumimoji="1" lang="ja-JP" altLang="en-US"/>
+              </a:p>
+            </p:txBody>
+          </p:sp>
+        </p:grpSp>
+        <p:grpSp>
+          <p:nvGrpSpPr>
+            <p:cNvPr id="2" name="グループ化 1"/>
+            <p:cNvGrpSpPr/>
+            <p:nvPr/>
+          </p:nvGrpSpPr>
+          <p:grpSpPr>
+            <a:xfrm>
+              <a:off x="395536" y="5441482"/>
+              <a:ext cx="3627035" cy="1371894"/>
+              <a:chOff x="1835696" y="3717032"/>
+              <a:chExt cx="3627035" cy="1371894"/>
+            </a:xfrm>
+          </p:grpSpPr>
+          <p:sp>
+            <p:nvSpPr>
+              <p:cNvPr id="32" name="円/楕円 31"/>
+              <p:cNvSpPr/>
+              <p:nvPr/>
+            </p:nvSpPr>
+            <p:spPr>
+              <a:xfrm>
+                <a:off x="1882994" y="3717032"/>
+                <a:ext cx="324000" cy="324000"/>
+              </a:xfrm>
+              <a:prstGeom prst="ellipse">
+                <a:avLst/>
+              </a:prstGeom>
+              <a:solidFill>
+                <a:srgbClr val="FFFF00"/>
+              </a:solidFill>
+              <a:ln>
+                <a:solidFill>
+                  <a:schemeClr val="tx1"/>
+                </a:solidFill>
+              </a:ln>
+            </p:spPr>
+            <p:style>
+              <a:lnRef idx="2">
+                <a:schemeClr val="accent1">
+                  <a:shade val="50000"/>
+                </a:schemeClr>
+              </a:lnRef>
+              <a:fillRef idx="1">
+                <a:schemeClr val="accent1"/>
+              </a:fillRef>
+              <a:effectRef idx="0">
+                <a:schemeClr val="accent1"/>
+              </a:effectRef>
+              <a:fontRef idx="minor">
+                <a:schemeClr val="lt1"/>
+              </a:fontRef>
+            </p:style>
+            <p:txBody>
+              <a:bodyPr rtlCol="0" anchor="ctr"/>
+              <a:lstStyle/>
+              <a:p>
+                <a:pPr algn="ctr"/>
+                <a:endParaRPr kumimoji="1" lang="ja-JP" altLang="en-US"/>
+              </a:p>
+            </p:txBody>
+          </p:sp>
+          <p:sp>
+            <p:nvSpPr>
+              <p:cNvPr id="33" name="正方形/長方形 32"/>
+              <p:cNvSpPr/>
+              <p:nvPr/>
+            </p:nvSpPr>
+            <p:spPr>
+              <a:xfrm>
+                <a:off x="2277244" y="3717032"/>
+                <a:ext cx="3185487" cy="369332"/>
+              </a:xfrm>
+              <a:prstGeom prst="rect">
+                <a:avLst/>
+              </a:prstGeom>
+            </p:spPr>
+            <p:txBody>
+              <a:bodyPr wrap="none">
+                <a:spAutoFit/>
+              </a:bodyPr>
+              <a:lstStyle/>
+              <a:p>
+                <a:r>
+                  <a:rPr lang="ja-JP" altLang="en-US" dirty="0">
+                    <a:latin typeface="メイリオ" panose="020B0604030504040204" pitchFamily="50" charset="-128"/>
+                    <a:ea typeface="メイリオ" panose="020B0604030504040204" pitchFamily="50" charset="-128"/>
+                    <a:cs typeface="メイリオ" panose="020B0604030504040204" pitchFamily="50" charset="-128"/>
+                  </a:rPr>
+                  <a:t>駆動</a:t>
+                </a:r>
+                <a:r>
+                  <a:rPr lang="ja-JP" altLang="en-US" dirty="0" smtClean="0">
+                    <a:latin typeface="メイリオ" panose="020B0604030504040204" pitchFamily="50" charset="-128"/>
+                    <a:ea typeface="メイリオ" panose="020B0604030504040204" pitchFamily="50" charset="-128"/>
+                    <a:cs typeface="メイリオ" panose="020B0604030504040204" pitchFamily="50" charset="-128"/>
+                  </a:rPr>
+                  <a:t>関節（アクチュエータ）</a:t>
+                </a:r>
+                <a:endParaRPr lang="ja-JP" altLang="en-US" dirty="0">
+                  <a:latin typeface="メイリオ" panose="020B0604030504040204" pitchFamily="50" charset="-128"/>
+                  <a:ea typeface="メイリオ" panose="020B0604030504040204" pitchFamily="50" charset="-128"/>
+                  <a:cs typeface="メイリオ" panose="020B0604030504040204" pitchFamily="50" charset="-128"/>
+                </a:endParaRPr>
+              </a:p>
+            </p:txBody>
+          </p:sp>
+          <p:sp>
+            <p:nvSpPr>
+              <p:cNvPr id="34" name="正方形/長方形 33"/>
+              <p:cNvSpPr/>
+              <p:nvPr/>
+            </p:nvSpPr>
+            <p:spPr>
+              <a:xfrm>
+                <a:off x="1835696" y="4721172"/>
+                <a:ext cx="403492" cy="288032"/>
+              </a:xfrm>
+              <a:prstGeom prst="rect">
+                <a:avLst/>
+              </a:prstGeom>
+              <a:ln>
+                <a:solidFill>
+                  <a:schemeClr val="tx1"/>
+                </a:solidFill>
+              </a:ln>
+            </p:spPr>
+            <p:style>
+              <a:lnRef idx="2">
+                <a:schemeClr val="accent1">
+                  <a:shade val="50000"/>
+                </a:schemeClr>
+              </a:lnRef>
+              <a:fillRef idx="1">
+                <a:schemeClr val="accent1"/>
+              </a:fillRef>
+              <a:effectRef idx="0">
+                <a:schemeClr val="accent1"/>
+              </a:effectRef>
+              <a:fontRef idx="minor">
+                <a:schemeClr val="lt1"/>
+              </a:fontRef>
+            </p:style>
+            <p:txBody>
+              <a:bodyPr rtlCol="0" anchor="ctr"/>
+              <a:lstStyle/>
+              <a:p>
+                <a:pPr algn="ctr"/>
+                <a:endParaRPr kumimoji="1" lang="ja-JP" altLang="en-US"/>
+              </a:p>
+            </p:txBody>
+          </p:sp>
+          <p:sp>
+            <p:nvSpPr>
+              <p:cNvPr id="35" name="正方形/長方形 34"/>
+              <p:cNvSpPr/>
+              <p:nvPr/>
+            </p:nvSpPr>
+            <p:spPr>
+              <a:xfrm>
+                <a:off x="2269474" y="4719594"/>
+                <a:ext cx="2262158" cy="369332"/>
+              </a:xfrm>
+              <a:prstGeom prst="rect">
+                <a:avLst/>
+              </a:prstGeom>
+            </p:spPr>
+            <p:txBody>
+              <a:bodyPr wrap="none">
+                <a:spAutoFit/>
+              </a:bodyPr>
+              <a:lstStyle/>
+              <a:p>
+                <a:r>
+                  <a:rPr lang="ja-JP" altLang="en-US" dirty="0" smtClean="0">
+                    <a:latin typeface="メイリオ" panose="020B0604030504040204" pitchFamily="50" charset="-128"/>
+                    <a:ea typeface="メイリオ" panose="020B0604030504040204" pitchFamily="50" charset="-128"/>
+                    <a:cs typeface="メイリオ" panose="020B0604030504040204" pitchFamily="50" charset="-128"/>
+                  </a:rPr>
+                  <a:t>構造部材（リンク）</a:t>
+                </a:r>
+                <a:endParaRPr lang="ja-JP" altLang="en-US" dirty="0">
+                  <a:latin typeface="メイリオ" panose="020B0604030504040204" pitchFamily="50" charset="-128"/>
+                  <a:ea typeface="メイリオ" panose="020B0604030504040204" pitchFamily="50" charset="-128"/>
+                  <a:cs typeface="メイリオ" panose="020B0604030504040204" pitchFamily="50" charset="-128"/>
+                </a:endParaRPr>
+              </a:p>
+            </p:txBody>
+          </p:sp>
+        </p:grpSp>
+        <p:sp>
+          <p:nvSpPr>
+            <p:cNvPr id="36" name="正方形/長方形 35"/>
+            <p:cNvSpPr/>
+            <p:nvPr/>
+          </p:nvSpPr>
+          <p:spPr>
+            <a:xfrm>
+              <a:off x="162377" y="2555612"/>
+              <a:ext cx="3185487" cy="369332"/>
+            </a:xfrm>
+            <a:prstGeom prst="rect">
+              <a:avLst/>
+            </a:prstGeom>
+          </p:spPr>
+          <p:txBody>
+            <a:bodyPr wrap="none">
+              <a:spAutoFit/>
+            </a:bodyPr>
+            <a:lstStyle/>
+            <a:p>
+              <a:r>
+                <a:rPr lang="ja-JP" altLang="en-US" dirty="0" smtClean="0">
+                  <a:latin typeface="メイリオ" panose="020B0604030504040204" pitchFamily="50" charset="-128"/>
+                  <a:ea typeface="メイリオ" panose="020B0604030504040204" pitchFamily="50" charset="-128"/>
+                  <a:cs typeface="メイリオ" panose="020B0604030504040204" pitchFamily="50" charset="-128"/>
+                </a:rPr>
+                <a:t>ハンド（エンドエフェクタ）</a:t>
+              </a:r>
+              <a:endParaRPr lang="ja-JP" altLang="en-US" dirty="0">
+                <a:latin typeface="メイリオ" panose="020B0604030504040204" pitchFamily="50" charset="-128"/>
+                <a:ea typeface="メイリオ" panose="020B0604030504040204" pitchFamily="50" charset="-128"/>
+                <a:cs typeface="メイリオ" panose="020B0604030504040204" pitchFamily="50" charset="-128"/>
+              </a:endParaRPr>
+            </a:p>
+          </p:txBody>
+        </p:sp>
+        <p:cxnSp>
+          <p:nvCxnSpPr>
+            <p:cNvPr id="38" name="直線コネクタ 37"/>
+            <p:cNvCxnSpPr>
+              <a:stCxn id="36" idx="3"/>
+            </p:cNvCxnSpPr>
+            <p:nvPr/>
+          </p:nvCxnSpPr>
+          <p:spPr>
+            <a:xfrm flipH="1">
+              <a:off x="2932386" y="2740278"/>
+              <a:ext cx="415478" cy="555911"/>
+            </a:xfrm>
+            <a:prstGeom prst="line">
+              <a:avLst/>
+            </a:prstGeom>
+            <a:ln>
+              <a:solidFill>
+                <a:schemeClr val="tx1"/>
+              </a:solidFill>
+              <a:tailEnd type="oval"/>
+            </a:ln>
+          </p:spPr>
+          <p:style>
+            <a:lnRef idx="1">
+              <a:schemeClr val="accent1"/>
+            </a:lnRef>
+            <a:fillRef idx="0">
+              <a:schemeClr val="accent1"/>
+            </a:fillRef>
+            <a:effectRef idx="0">
+              <a:schemeClr val="accent1"/>
+            </a:effectRef>
+            <a:fontRef idx="minor">
+              <a:schemeClr val="tx1"/>
+            </a:fontRef>
+          </p:style>
+        </p:cxnSp>
+        <p:sp>
+          <p:nvSpPr>
+            <p:cNvPr id="37" name="正方形/長方形 36"/>
+            <p:cNvSpPr/>
+            <p:nvPr/>
+          </p:nvSpPr>
+          <p:spPr>
+            <a:xfrm rot="16200000">
+              <a:off x="275440" y="3812956"/>
+              <a:ext cx="756496" cy="203783"/>
+            </a:xfrm>
+            <a:prstGeom prst="rect">
+              <a:avLst/>
+            </a:prstGeom>
+            <a:ln>
+              <a:solidFill>
+                <a:schemeClr val="tx1"/>
+              </a:solidFill>
+            </a:ln>
+          </p:spPr>
+          <p:style>
+            <a:lnRef idx="2">
+              <a:schemeClr val="accent1">
+                <a:shade val="50000"/>
+              </a:schemeClr>
+            </a:lnRef>
+            <a:fillRef idx="1">
+              <a:schemeClr val="accent1"/>
+            </a:fillRef>
+            <a:effectRef idx="0">
+              <a:schemeClr val="accent1"/>
+            </a:effectRef>
+            <a:fontRef idx="minor">
+              <a:schemeClr val="lt1"/>
+            </a:fontRef>
+          </p:style>
+          <p:txBody>
+            <a:bodyPr rtlCol="0" anchor="ctr"/>
+            <a:lstStyle/>
+            <a:p>
+              <a:pPr algn="ctr"/>
+              <a:endParaRPr kumimoji="1" lang="ja-JP" altLang="en-US"/>
+            </a:p>
+          </p:txBody>
+        </p:sp>
+        <p:sp>
+          <p:nvSpPr>
+            <p:cNvPr id="5" name="正方形/長方形 4"/>
+            <p:cNvSpPr/>
+            <p:nvPr/>
+          </p:nvSpPr>
+          <p:spPr>
+            <a:xfrm rot="18561656">
+              <a:off x="1196193" y="3802370"/>
+              <a:ext cx="756496" cy="223364"/>
+            </a:xfrm>
+            <a:prstGeom prst="rect">
+              <a:avLst/>
+            </a:prstGeom>
+            <a:ln>
+              <a:solidFill>
+                <a:schemeClr val="tx1"/>
+              </a:solidFill>
+            </a:ln>
+          </p:spPr>
+          <p:style>
+            <a:lnRef idx="2">
+              <a:schemeClr val="accent1">
+                <a:shade val="50000"/>
+              </a:schemeClr>
+            </a:lnRef>
+            <a:fillRef idx="1">
+              <a:schemeClr val="accent1"/>
+            </a:fillRef>
+            <a:effectRef idx="0">
+              <a:schemeClr val="accent1"/>
+            </a:effectRef>
+            <a:fontRef idx="minor">
+              <a:schemeClr val="lt1"/>
+            </a:fontRef>
+          </p:style>
+          <p:txBody>
+            <a:bodyPr rtlCol="0" anchor="ctr"/>
+            <a:lstStyle/>
+            <a:p>
+              <a:pPr algn="ctr"/>
+              <a:endParaRPr kumimoji="1" lang="ja-JP" altLang="en-US"/>
+            </a:p>
+          </p:txBody>
+        </p:sp>
+        <p:sp>
+          <p:nvSpPr>
+            <p:cNvPr id="4" name="円/楕円 3"/>
+            <p:cNvSpPr/>
+            <p:nvPr/>
+          </p:nvSpPr>
+          <p:spPr>
+            <a:xfrm>
+              <a:off x="1699550" y="3350027"/>
+              <a:ext cx="360000" cy="360000"/>
+            </a:xfrm>
+            <a:prstGeom prst="ellipse">
+              <a:avLst/>
+            </a:prstGeom>
+            <a:solidFill>
+              <a:srgbClr val="00B050"/>
+            </a:solidFill>
+            <a:ln>
+              <a:solidFill>
+                <a:schemeClr val="tx1"/>
+              </a:solidFill>
+            </a:ln>
+          </p:spPr>
+          <p:style>
+            <a:lnRef idx="2">
+              <a:schemeClr val="accent1">
+                <a:shade val="50000"/>
+              </a:schemeClr>
+            </a:lnRef>
+            <a:fillRef idx="1">
+              <a:schemeClr val="accent1"/>
+            </a:fillRef>
+            <a:effectRef idx="0">
+              <a:schemeClr val="accent1"/>
+            </a:effectRef>
+            <a:fontRef idx="minor">
+              <a:schemeClr val="lt1"/>
+            </a:fontRef>
+          </p:style>
+          <p:txBody>
+            <a:bodyPr rtlCol="0" anchor="ctr"/>
+            <a:lstStyle/>
+            <a:p>
+              <a:pPr algn="ctr"/>
+              <a:endParaRPr kumimoji="1" lang="ja-JP" altLang="en-US"/>
+            </a:p>
+          </p:txBody>
+        </p:sp>
+        <p:sp>
+          <p:nvSpPr>
+            <p:cNvPr id="8" name="円/楕円 7"/>
+            <p:cNvSpPr/>
+            <p:nvPr/>
+          </p:nvSpPr>
+          <p:spPr>
+            <a:xfrm>
+              <a:off x="1099890" y="4077072"/>
+              <a:ext cx="360000" cy="360000"/>
+            </a:xfrm>
+            <a:prstGeom prst="ellipse">
+              <a:avLst/>
+            </a:prstGeom>
+            <a:solidFill>
+              <a:srgbClr val="FFFF00"/>
+            </a:solidFill>
+            <a:ln>
+              <a:solidFill>
+                <a:schemeClr val="tx1"/>
+              </a:solidFill>
+            </a:ln>
+          </p:spPr>
+          <p:style>
+            <a:lnRef idx="2">
+              <a:schemeClr val="accent1">
+                <a:shade val="50000"/>
+              </a:schemeClr>
+            </a:lnRef>
+            <a:fillRef idx="1">
+              <a:schemeClr val="accent1"/>
+            </a:fillRef>
+            <a:effectRef idx="0">
+              <a:schemeClr val="accent1"/>
+            </a:effectRef>
+            <a:fontRef idx="minor">
+              <a:schemeClr val="lt1"/>
+            </a:fontRef>
+          </p:style>
+          <p:txBody>
+            <a:bodyPr rtlCol="0" anchor="ctr"/>
+            <a:lstStyle/>
+            <a:p>
+              <a:pPr algn="ctr"/>
+              <a:endParaRPr kumimoji="1" lang="ja-JP" altLang="en-US"/>
+            </a:p>
+          </p:txBody>
+        </p:sp>
+        <p:sp>
+          <p:nvSpPr>
+            <p:cNvPr id="39" name="円/楕円 38"/>
+            <p:cNvSpPr/>
+            <p:nvPr/>
+          </p:nvSpPr>
+          <p:spPr>
+            <a:xfrm>
+              <a:off x="460722" y="3350170"/>
+              <a:ext cx="360000" cy="360000"/>
+            </a:xfrm>
+            <a:prstGeom prst="ellipse">
+              <a:avLst/>
+            </a:prstGeom>
+            <a:solidFill>
+              <a:srgbClr val="00B050"/>
+            </a:solidFill>
+            <a:ln>
+              <a:solidFill>
+                <a:schemeClr val="tx1"/>
+              </a:solidFill>
+            </a:ln>
+          </p:spPr>
+          <p:style>
+            <a:lnRef idx="2">
+              <a:schemeClr val="accent1">
+                <a:shade val="50000"/>
+              </a:schemeClr>
+            </a:lnRef>
+            <a:fillRef idx="1">
+              <a:schemeClr val="accent1"/>
+            </a:fillRef>
+            <a:effectRef idx="0">
+              <a:schemeClr val="accent1"/>
+            </a:effectRef>
+            <a:fontRef idx="minor">
+              <a:schemeClr val="lt1"/>
+            </a:fontRef>
+          </p:style>
+          <p:txBody>
+            <a:bodyPr rtlCol="0" anchor="ctr"/>
+            <a:lstStyle/>
+            <a:p>
+              <a:pPr algn="ctr"/>
+              <a:endParaRPr kumimoji="1" lang="ja-JP" altLang="en-US"/>
+            </a:p>
+          </p:txBody>
+        </p:sp>
+        <p:sp>
+          <p:nvSpPr>
+            <p:cNvPr id="40" name="円/楕円 39"/>
+            <p:cNvSpPr/>
+            <p:nvPr/>
+          </p:nvSpPr>
+          <p:spPr>
+            <a:xfrm>
+              <a:off x="476488" y="4068168"/>
+              <a:ext cx="360000" cy="360000"/>
+            </a:xfrm>
+            <a:prstGeom prst="ellipse">
+              <a:avLst/>
+            </a:prstGeom>
+            <a:solidFill>
+              <a:srgbClr val="00B050"/>
+            </a:solidFill>
+            <a:ln>
+              <a:solidFill>
+                <a:schemeClr val="tx1"/>
+              </a:solidFill>
+            </a:ln>
+          </p:spPr>
+          <p:style>
+            <a:lnRef idx="2">
+              <a:schemeClr val="accent1">
+                <a:shade val="50000"/>
+              </a:schemeClr>
+            </a:lnRef>
+            <a:fillRef idx="1">
+              <a:schemeClr val="accent1"/>
+            </a:fillRef>
+            <a:effectRef idx="0">
+              <a:schemeClr val="accent1"/>
+            </a:effectRef>
+            <a:fontRef idx="minor">
+              <a:schemeClr val="lt1"/>
+            </a:fontRef>
+          </p:style>
+          <p:txBody>
+            <a:bodyPr rtlCol="0" anchor="ctr"/>
+            <a:lstStyle/>
+            <a:p>
+              <a:pPr algn="ctr"/>
+              <a:endParaRPr kumimoji="1" lang="ja-JP" altLang="en-US"/>
+            </a:p>
+          </p:txBody>
+        </p:sp>
+        <p:sp>
+          <p:nvSpPr>
+            <p:cNvPr id="41" name="円/楕円 40"/>
+            <p:cNvSpPr/>
+            <p:nvPr/>
+          </p:nvSpPr>
+          <p:spPr>
+            <a:xfrm>
+              <a:off x="436012" y="5956500"/>
+              <a:ext cx="324000" cy="324000"/>
+            </a:xfrm>
+            <a:prstGeom prst="ellipse">
+              <a:avLst/>
+            </a:prstGeom>
+            <a:solidFill>
+              <a:srgbClr val="00B050"/>
+            </a:solidFill>
+            <a:ln>
+              <a:solidFill>
+                <a:schemeClr val="tx1"/>
+              </a:solidFill>
+            </a:ln>
+          </p:spPr>
+          <p:style>
+            <a:lnRef idx="2">
+              <a:schemeClr val="accent1">
+                <a:shade val="50000"/>
+              </a:schemeClr>
+            </a:lnRef>
+            <a:fillRef idx="1">
+              <a:schemeClr val="accent1"/>
+            </a:fillRef>
+            <a:effectRef idx="0">
+              <a:schemeClr val="accent1"/>
+            </a:effectRef>
+            <a:fontRef idx="minor">
+              <a:schemeClr val="lt1"/>
+            </a:fontRef>
+          </p:style>
+          <p:txBody>
+            <a:bodyPr rtlCol="0" anchor="ctr"/>
+            <a:lstStyle/>
+            <a:p>
+              <a:pPr algn="ctr"/>
+              <a:endParaRPr kumimoji="1" lang="ja-JP" altLang="en-US"/>
+            </a:p>
+          </p:txBody>
+        </p:sp>
+        <p:sp>
+          <p:nvSpPr>
+            <p:cNvPr id="42" name="正方形/長方形 41"/>
+            <p:cNvSpPr/>
+            <p:nvPr/>
+          </p:nvSpPr>
+          <p:spPr>
+            <a:xfrm>
+              <a:off x="830262" y="5956500"/>
+              <a:ext cx="1338828" cy="369332"/>
+            </a:xfrm>
+            <a:prstGeom prst="rect">
+              <a:avLst/>
+            </a:prstGeom>
+          </p:spPr>
+          <p:txBody>
+            <a:bodyPr wrap="none">
+              <a:spAutoFit/>
+            </a:bodyPr>
+            <a:lstStyle/>
+            <a:p>
+              <a:r>
+                <a:rPr lang="ja-JP" altLang="en-US" dirty="0" smtClean="0">
+                  <a:latin typeface="メイリオ" panose="020B0604030504040204" pitchFamily="50" charset="-128"/>
+                  <a:ea typeface="メイリオ" panose="020B0604030504040204" pitchFamily="50" charset="-128"/>
+                  <a:cs typeface="メイリオ" panose="020B0604030504040204" pitchFamily="50" charset="-128"/>
+                </a:rPr>
+                <a:t>非駆動関節</a:t>
+              </a:r>
+              <a:endParaRPr lang="ja-JP" altLang="en-US" dirty="0">
+                <a:latin typeface="メイリオ" panose="020B0604030504040204" pitchFamily="50" charset="-128"/>
+                <a:ea typeface="メイリオ" panose="020B0604030504040204" pitchFamily="50" charset="-128"/>
+                <a:cs typeface="メイリオ" panose="020B0604030504040204" pitchFamily="50" charset="-128"/>
+              </a:endParaRPr>
+            </a:p>
+          </p:txBody>
+        </p:sp>
+      </p:grpSp>
+    </p:spTree>
+    <p:extLst>
+      <p:ext uri="{BB962C8B-B14F-4D97-AF65-F5344CB8AC3E}">
+        <p14:creationId xmlns:p14="http://schemas.microsoft.com/office/powerpoint/2010/main" val="686973046"/>
+      </p:ext>
+    </p:extLst>
+  </p:cSld>
+  <p:clrMapOvr>
+    <a:masterClrMapping/>
+  </p:clrMapOvr>
+</p:sld>
+</file>
+
+<file path=ppt/slides/slide6.xml><?xml version="1.0" encoding="utf-8"?>
+<p:sld xmlns:a="http://schemas.openxmlformats.org/drawingml/2006/main" xmlns:r="http://schemas.openxmlformats.org/officeDocument/2006/relationships" xmlns:p="http://schemas.openxmlformats.org/presentationml/2006/main">
+  <p:cSld>
+    <p:spTree>
+      <p:nvGrpSpPr>
+        <p:cNvPr id="1" name=""/>
+        <p:cNvGrpSpPr/>
+        <p:nvPr/>
+      </p:nvGrpSpPr>
+      <p:grpSpPr>
+        <a:xfrm>
+          <a:off x="0" y="0"/>
+          <a:ext cx="0" cy="0"/>
+          <a:chOff x="0" y="0"/>
+          <a:chExt cx="0" cy="0"/>
+        </a:xfrm>
+      </p:grpSpPr>
+      <p:sp>
+        <p:nvSpPr>
+          <p:cNvPr id="12" name="正方形/長方形 11"/>
+          <p:cNvSpPr/>
+          <p:nvPr/>
+        </p:nvSpPr>
+        <p:spPr>
+          <a:xfrm rot="5400000">
+            <a:off x="818059" y="4410633"/>
+            <a:ext cx="811138" cy="288032"/>
+          </a:xfrm>
+          <a:prstGeom prst="rect">
+            <a:avLst/>
+          </a:prstGeom>
+          <a:ln>
+            <a:solidFill>
+              <a:schemeClr val="tx1"/>
+            </a:solidFill>
+          </a:ln>
+        </p:spPr>
+        <p:style>
+          <a:lnRef idx="2">
+            <a:schemeClr val="accent1">
+              <a:shade val="50000"/>
+            </a:schemeClr>
+          </a:lnRef>
+          <a:fillRef idx="1">
+            <a:schemeClr val="accent1"/>
+          </a:fillRef>
+          <a:effectRef idx="0">
+            <a:schemeClr val="accent1"/>
+          </a:effectRef>
+          <a:fontRef idx="minor">
+            <a:schemeClr val="lt1"/>
+          </a:fontRef>
+        </p:style>
+        <p:txBody>
+          <a:bodyPr rtlCol="0" anchor="ctr"/>
+          <a:lstStyle/>
+          <a:p>
+            <a:pPr algn="ctr"/>
+            <a:endParaRPr kumimoji="1" lang="ja-JP" altLang="en-US"/>
+          </a:p>
+        </p:txBody>
+      </p:sp>
+      <p:sp>
+        <p:nvSpPr>
+          <p:cNvPr id="9" name="正方形/長方形 8"/>
+          <p:cNvSpPr/>
+          <p:nvPr/>
+        </p:nvSpPr>
+        <p:spPr>
+          <a:xfrm>
+            <a:off x="3328814" y="2110858"/>
+            <a:ext cx="811138" cy="288032"/>
+          </a:xfrm>
+          <a:prstGeom prst="rect">
+            <a:avLst/>
+          </a:prstGeom>
+          <a:ln>
+            <a:solidFill>
+              <a:schemeClr val="tx1"/>
+            </a:solidFill>
+          </a:ln>
+        </p:spPr>
+        <p:style>
+          <a:lnRef idx="2">
+            <a:schemeClr val="accent1">
+              <a:shade val="50000"/>
+            </a:schemeClr>
+          </a:lnRef>
+          <a:fillRef idx="1">
+            <a:schemeClr val="accent1"/>
+          </a:fillRef>
+          <a:effectRef idx="0">
+            <a:schemeClr val="accent1"/>
+          </a:effectRef>
+          <a:fontRef idx="minor">
+            <a:schemeClr val="lt1"/>
+          </a:fontRef>
+        </p:style>
+        <p:txBody>
+          <a:bodyPr rtlCol="0" anchor="ctr"/>
+          <a:lstStyle/>
+          <a:p>
+            <a:pPr algn="ctr"/>
+            <a:endParaRPr kumimoji="1" lang="ja-JP" altLang="en-US"/>
+          </a:p>
+        </p:txBody>
+      </p:sp>
+      <p:sp>
+        <p:nvSpPr>
+          <p:cNvPr id="5" name="正方形/長方形 4"/>
+          <p:cNvSpPr/>
+          <p:nvPr/>
+        </p:nvSpPr>
+        <p:spPr>
+          <a:xfrm rot="18441620">
+            <a:off x="823392" y="3446780"/>
+            <a:ext cx="1584176" cy="288032"/>
+          </a:xfrm>
+          <a:prstGeom prst="rect">
+            <a:avLst/>
+          </a:prstGeom>
+          <a:ln>
+            <a:solidFill>
+              <a:schemeClr val="tx1"/>
+            </a:solidFill>
+          </a:ln>
+        </p:spPr>
+        <p:style>
+          <a:lnRef idx="2">
+            <a:schemeClr val="accent1">
+              <a:shade val="50000"/>
+            </a:schemeClr>
+          </a:lnRef>
+          <a:fillRef idx="1">
+            <a:schemeClr val="accent1"/>
+          </a:fillRef>
+          <a:effectRef idx="0">
+            <a:schemeClr val="accent1"/>
+          </a:effectRef>
+          <a:fontRef idx="minor">
+            <a:schemeClr val="lt1"/>
+          </a:fontRef>
+        </p:style>
+        <p:txBody>
+          <a:bodyPr rtlCol="0" anchor="ctr"/>
+          <a:lstStyle/>
+          <a:p>
+            <a:pPr algn="ctr"/>
+            <a:endParaRPr kumimoji="1" lang="ja-JP" altLang="en-US"/>
+          </a:p>
+        </p:txBody>
+      </p:sp>
+      <p:sp>
+        <p:nvSpPr>
+          <p:cNvPr id="6" name="正方形/長方形 5"/>
+          <p:cNvSpPr/>
+          <p:nvPr/>
+        </p:nvSpPr>
+        <p:spPr>
+          <a:xfrm rot="19887066">
+            <a:off x="1988145" y="2419821"/>
+            <a:ext cx="1584176" cy="288032"/>
+          </a:xfrm>
+          <a:prstGeom prst="rect">
+            <a:avLst/>
+          </a:prstGeom>
+          <a:ln>
+            <a:solidFill>
+              <a:schemeClr val="tx1"/>
+            </a:solidFill>
+          </a:ln>
+        </p:spPr>
+        <p:style>
+          <a:lnRef idx="2">
+            <a:schemeClr val="accent1">
+              <a:shade val="50000"/>
+            </a:schemeClr>
+          </a:lnRef>
+          <a:fillRef idx="1">
+            <a:schemeClr val="accent1"/>
+          </a:fillRef>
+          <a:effectRef idx="0">
+            <a:schemeClr val="accent1"/>
+          </a:effectRef>
+          <a:fontRef idx="minor">
+            <a:schemeClr val="lt1"/>
+          </a:fontRef>
+        </p:style>
+        <p:txBody>
+          <a:bodyPr rtlCol="0" anchor="ctr"/>
+          <a:lstStyle/>
+          <a:p>
+            <a:pPr algn="ctr"/>
+            <a:endParaRPr kumimoji="1" lang="ja-JP" altLang="en-US"/>
+          </a:p>
+        </p:txBody>
+      </p:sp>
+      <p:sp>
+        <p:nvSpPr>
+          <p:cNvPr id="4" name="円/楕円 3"/>
+          <p:cNvSpPr/>
+          <p:nvPr/>
+        </p:nvSpPr>
+        <p:spPr>
+          <a:xfrm>
+            <a:off x="1835696" y="2545782"/>
+            <a:ext cx="648072" cy="648000"/>
+          </a:xfrm>
+          <a:prstGeom prst="ellipse">
+            <a:avLst/>
+          </a:prstGeom>
+          <a:solidFill>
+            <a:srgbClr val="FFFF00"/>
+          </a:solidFill>
+          <a:ln>
+            <a:solidFill>
+              <a:schemeClr val="tx1"/>
+            </a:solidFill>
+          </a:ln>
+        </p:spPr>
+        <p:style>
+          <a:lnRef idx="2">
+            <a:schemeClr val="accent1">
+              <a:shade val="50000"/>
+            </a:schemeClr>
+          </a:lnRef>
+          <a:fillRef idx="1">
+            <a:schemeClr val="accent1"/>
+          </a:fillRef>
+          <a:effectRef idx="0">
+            <a:schemeClr val="accent1"/>
+          </a:effectRef>
+          <a:fontRef idx="minor">
+            <a:schemeClr val="lt1"/>
+          </a:fontRef>
+        </p:style>
+        <p:txBody>
+          <a:bodyPr rtlCol="0" anchor="ctr"/>
+          <a:lstStyle/>
+          <a:p>
+            <a:pPr algn="ctr"/>
+            <a:endParaRPr kumimoji="1" lang="ja-JP" altLang="en-US"/>
+          </a:p>
+        </p:txBody>
+      </p:sp>
+      <p:sp>
+        <p:nvSpPr>
+          <p:cNvPr id="7" name="円/楕円 6"/>
+          <p:cNvSpPr/>
+          <p:nvPr/>
+        </p:nvSpPr>
+        <p:spPr>
+          <a:xfrm>
+            <a:off x="3059832" y="1916832"/>
+            <a:ext cx="648072" cy="648000"/>
+          </a:xfrm>
+          <a:prstGeom prst="ellipse">
+            <a:avLst/>
+          </a:prstGeom>
+          <a:solidFill>
+            <a:srgbClr val="FFFF00"/>
+          </a:solidFill>
+          <a:ln>
+            <a:solidFill>
+              <a:schemeClr val="tx1"/>
+            </a:solidFill>
+          </a:ln>
+        </p:spPr>
+        <p:style>
+          <a:lnRef idx="2">
+            <a:schemeClr val="accent1">
+              <a:shade val="50000"/>
+            </a:schemeClr>
+          </a:lnRef>
+          <a:fillRef idx="1">
+            <a:schemeClr val="accent1"/>
+          </a:fillRef>
+          <a:effectRef idx="0">
+            <a:schemeClr val="accent1"/>
+          </a:effectRef>
+          <a:fontRef idx="minor">
+            <a:schemeClr val="lt1"/>
+          </a:fontRef>
+        </p:style>
+        <p:txBody>
+          <a:bodyPr rtlCol="0" anchor="ctr"/>
+          <a:lstStyle/>
+          <a:p>
+            <a:pPr algn="ctr"/>
+            <a:endParaRPr kumimoji="1" lang="ja-JP" altLang="en-US"/>
+          </a:p>
+        </p:txBody>
+      </p:sp>
+      <p:sp>
+        <p:nvSpPr>
+          <p:cNvPr id="8" name="円/楕円 7"/>
+          <p:cNvSpPr/>
+          <p:nvPr/>
+        </p:nvSpPr>
+        <p:spPr>
+          <a:xfrm>
+            <a:off x="899592" y="3750868"/>
+            <a:ext cx="648072" cy="648000"/>
+          </a:xfrm>
+          <a:prstGeom prst="ellipse">
+            <a:avLst/>
+          </a:prstGeom>
+          <a:solidFill>
+            <a:srgbClr val="FFFF00"/>
+          </a:solidFill>
+          <a:ln>
+            <a:solidFill>
+              <a:schemeClr val="tx1"/>
+            </a:solidFill>
+          </a:ln>
+        </p:spPr>
+        <p:style>
+          <a:lnRef idx="2">
+            <a:schemeClr val="accent1">
+              <a:shade val="50000"/>
+            </a:schemeClr>
+          </a:lnRef>
+          <a:fillRef idx="1">
+            <a:schemeClr val="accent1"/>
+          </a:fillRef>
+          <a:effectRef idx="0">
+            <a:schemeClr val="accent1"/>
+          </a:effectRef>
+          <a:fontRef idx="minor">
+            <a:schemeClr val="lt1"/>
+          </a:fontRef>
+        </p:style>
+        <p:txBody>
+          <a:bodyPr rtlCol="0" anchor="ctr"/>
+          <a:lstStyle/>
+          <a:p>
+            <a:pPr algn="ctr"/>
+            <a:endParaRPr kumimoji="1" lang="ja-JP" altLang="en-US"/>
+          </a:p>
+        </p:txBody>
+      </p:sp>
+      <p:cxnSp>
+        <p:nvCxnSpPr>
+          <p:cNvPr id="14" name="直線コネクタ 13"/>
+          <p:cNvCxnSpPr/>
+          <p:nvPr/>
+        </p:nvCxnSpPr>
+        <p:spPr>
+          <a:xfrm flipV="1">
+            <a:off x="467544" y="4956026"/>
+            <a:ext cx="2160240" cy="4192"/>
+          </a:xfrm>
+          <a:prstGeom prst="line">
+            <a:avLst/>
+          </a:prstGeom>
+          <a:ln w="19050">
+            <a:solidFill>
+              <a:schemeClr val="tx1"/>
+            </a:solidFill>
+          </a:ln>
+        </p:spPr>
+        <p:style>
+          <a:lnRef idx="1">
+            <a:schemeClr val="accent1"/>
+          </a:lnRef>
+          <a:fillRef idx="0">
+            <a:schemeClr val="accent1"/>
+          </a:fillRef>
+          <a:effectRef idx="0">
+            <a:schemeClr val="accent1"/>
+          </a:effectRef>
+          <a:fontRef idx="minor">
+            <a:schemeClr val="tx1"/>
+          </a:fontRef>
+        </p:style>
+      </p:cxnSp>
+      <p:cxnSp>
+        <p:nvCxnSpPr>
+          <p:cNvPr id="17" name="直線コネクタ 16"/>
+          <p:cNvCxnSpPr/>
+          <p:nvPr/>
+        </p:nvCxnSpPr>
+        <p:spPr>
+          <a:xfrm flipH="1">
+            <a:off x="467544" y="4960218"/>
+            <a:ext cx="288032" cy="340990"/>
+          </a:xfrm>
+          <a:prstGeom prst="line">
+            <a:avLst/>
+          </a:prstGeom>
+          <a:ln w="19050">
+            <a:solidFill>
+              <a:schemeClr val="tx1"/>
+            </a:solidFill>
+          </a:ln>
+        </p:spPr>
+        <p:style>
+          <a:lnRef idx="1">
+            <a:schemeClr val="accent1"/>
+          </a:lnRef>
+          <a:fillRef idx="0">
+            <a:schemeClr val="accent1"/>
+          </a:fillRef>
+          <a:effectRef idx="0">
+            <a:schemeClr val="accent1"/>
+          </a:effectRef>
+          <a:fontRef idx="minor">
+            <a:schemeClr val="tx1"/>
+          </a:fontRef>
+        </p:style>
+      </p:cxnSp>
+      <p:cxnSp>
+        <p:nvCxnSpPr>
+          <p:cNvPr id="18" name="直線コネクタ 17"/>
+          <p:cNvCxnSpPr/>
+          <p:nvPr/>
+        </p:nvCxnSpPr>
+        <p:spPr>
+          <a:xfrm flipH="1">
+            <a:off x="721668" y="4960218"/>
+            <a:ext cx="288032" cy="340990"/>
+          </a:xfrm>
+          <a:prstGeom prst="line">
+            <a:avLst/>
+          </a:prstGeom>
+          <a:ln w="19050">
+            <a:solidFill>
+              <a:schemeClr val="tx1"/>
+            </a:solidFill>
+          </a:ln>
+        </p:spPr>
+        <p:style>
+          <a:lnRef idx="1">
+            <a:schemeClr val="accent1"/>
+          </a:lnRef>
+          <a:fillRef idx="0">
+            <a:schemeClr val="accent1"/>
+          </a:fillRef>
+          <a:effectRef idx="0">
+            <a:schemeClr val="accent1"/>
+          </a:effectRef>
+          <a:fontRef idx="minor">
+            <a:schemeClr val="tx1"/>
+          </a:fontRef>
+        </p:style>
+      </p:cxnSp>
+      <p:cxnSp>
+        <p:nvCxnSpPr>
+          <p:cNvPr id="19" name="直線コネクタ 18"/>
+          <p:cNvCxnSpPr/>
+          <p:nvPr/>
+        </p:nvCxnSpPr>
+        <p:spPr>
+          <a:xfrm flipH="1">
+            <a:off x="971600" y="4956026"/>
+            <a:ext cx="288032" cy="340990"/>
+          </a:xfrm>
+          <a:prstGeom prst="line">
+            <a:avLst/>
+          </a:prstGeom>
+          <a:ln w="19050">
+            <a:solidFill>
+              <a:schemeClr val="tx1"/>
+            </a:solidFill>
+          </a:ln>
+        </p:spPr>
+        <p:style>
+          <a:lnRef idx="1">
+            <a:schemeClr val="accent1"/>
+          </a:lnRef>
+          <a:fillRef idx="0">
+            <a:schemeClr val="accent1"/>
+          </a:fillRef>
+          <a:effectRef idx="0">
+            <a:schemeClr val="accent1"/>
+          </a:effectRef>
+          <a:fontRef idx="minor">
+            <a:schemeClr val="tx1"/>
+          </a:fontRef>
+        </p:style>
+      </p:cxnSp>
+      <p:cxnSp>
+        <p:nvCxnSpPr>
+          <p:cNvPr id="20" name="直線コネクタ 19"/>
+          <p:cNvCxnSpPr/>
+          <p:nvPr/>
+        </p:nvCxnSpPr>
+        <p:spPr>
+          <a:xfrm flipH="1">
+            <a:off x="1225724" y="4956026"/>
+            <a:ext cx="288032" cy="340990"/>
+          </a:xfrm>
+          <a:prstGeom prst="line">
+            <a:avLst/>
+          </a:prstGeom>
+          <a:ln w="19050">
+            <a:solidFill>
+              <a:schemeClr val="tx1"/>
+            </a:solidFill>
+          </a:ln>
+        </p:spPr>
+        <p:style>
+          <a:lnRef idx="1">
+            <a:schemeClr val="accent1"/>
+          </a:lnRef>
+          <a:fillRef idx="0">
+            <a:schemeClr val="accent1"/>
+          </a:fillRef>
+          <a:effectRef idx="0">
+            <a:schemeClr val="accent1"/>
+          </a:effectRef>
+          <a:fontRef idx="minor">
+            <a:schemeClr val="tx1"/>
+          </a:fontRef>
+        </p:style>
+      </p:cxnSp>
+      <p:cxnSp>
+        <p:nvCxnSpPr>
+          <p:cNvPr id="21" name="直線コネクタ 20"/>
+          <p:cNvCxnSpPr/>
+          <p:nvPr/>
+        </p:nvCxnSpPr>
+        <p:spPr>
+          <a:xfrm flipH="1">
+            <a:off x="1441748" y="4945360"/>
+            <a:ext cx="288032" cy="340990"/>
+          </a:xfrm>
+          <a:prstGeom prst="line">
+            <a:avLst/>
+          </a:prstGeom>
+          <a:ln w="19050">
+            <a:solidFill>
+              <a:schemeClr val="tx1"/>
+            </a:solidFill>
+          </a:ln>
+        </p:spPr>
+        <p:style>
+          <a:lnRef idx="1">
+            <a:schemeClr val="accent1"/>
+          </a:lnRef>
+          <a:fillRef idx="0">
+            <a:schemeClr val="accent1"/>
+          </a:fillRef>
+          <a:effectRef idx="0">
+            <a:schemeClr val="accent1"/>
+          </a:effectRef>
+          <a:fontRef idx="minor">
+            <a:schemeClr val="tx1"/>
+          </a:fontRef>
+        </p:style>
+      </p:cxnSp>
+      <p:cxnSp>
+        <p:nvCxnSpPr>
+          <p:cNvPr id="22" name="直線コネクタ 21"/>
+          <p:cNvCxnSpPr/>
+          <p:nvPr/>
+        </p:nvCxnSpPr>
+        <p:spPr>
+          <a:xfrm flipH="1">
+            <a:off x="1695872" y="4945360"/>
+            <a:ext cx="288032" cy="340990"/>
+          </a:xfrm>
+          <a:prstGeom prst="line">
+            <a:avLst/>
+          </a:prstGeom>
+          <a:ln w="19050">
+            <a:solidFill>
+              <a:schemeClr val="tx1"/>
+            </a:solidFill>
+          </a:ln>
+        </p:spPr>
+        <p:style>
+          <a:lnRef idx="1">
+            <a:schemeClr val="accent1"/>
+          </a:lnRef>
+          <a:fillRef idx="0">
+            <a:schemeClr val="accent1"/>
+          </a:fillRef>
+          <a:effectRef idx="0">
+            <a:schemeClr val="accent1"/>
+          </a:effectRef>
+          <a:fontRef idx="minor">
+            <a:schemeClr val="tx1"/>
+          </a:fontRef>
+        </p:style>
+      </p:cxnSp>
+      <p:cxnSp>
+        <p:nvCxnSpPr>
+          <p:cNvPr id="23" name="直線コネクタ 22"/>
+          <p:cNvCxnSpPr/>
+          <p:nvPr/>
+        </p:nvCxnSpPr>
+        <p:spPr>
+          <a:xfrm flipH="1">
+            <a:off x="1945804" y="4960218"/>
+            <a:ext cx="288032" cy="340990"/>
+          </a:xfrm>
+          <a:prstGeom prst="line">
+            <a:avLst/>
+          </a:prstGeom>
+          <a:ln w="19050">
+            <a:solidFill>
+              <a:schemeClr val="tx1"/>
+            </a:solidFill>
+          </a:ln>
+        </p:spPr>
+        <p:style>
+          <a:lnRef idx="1">
+            <a:schemeClr val="accent1"/>
+          </a:lnRef>
+          <a:fillRef idx="0">
+            <a:schemeClr val="accent1"/>
+          </a:fillRef>
+          <a:effectRef idx="0">
+            <a:schemeClr val="accent1"/>
+          </a:effectRef>
+          <a:fontRef idx="minor">
+            <a:schemeClr val="tx1"/>
+          </a:fontRef>
+        </p:style>
+      </p:cxnSp>
+      <p:cxnSp>
+        <p:nvCxnSpPr>
+          <p:cNvPr id="24" name="直線コネクタ 23"/>
+          <p:cNvCxnSpPr/>
+          <p:nvPr/>
+        </p:nvCxnSpPr>
+        <p:spPr>
+          <a:xfrm flipH="1">
+            <a:off x="2199928" y="4960218"/>
+            <a:ext cx="288032" cy="340990"/>
+          </a:xfrm>
+          <a:prstGeom prst="line">
+            <a:avLst/>
+          </a:prstGeom>
+          <a:ln w="19050">
+            <a:solidFill>
+              <a:schemeClr val="tx1"/>
+            </a:solidFill>
+          </a:ln>
+        </p:spPr>
+        <p:style>
+          <a:lnRef idx="1">
+            <a:schemeClr val="accent1"/>
+          </a:lnRef>
+          <a:fillRef idx="0">
+            <a:schemeClr val="accent1"/>
+          </a:fillRef>
+          <a:effectRef idx="0">
+            <a:schemeClr val="accent1"/>
+          </a:effectRef>
+          <a:fontRef idx="minor">
+            <a:schemeClr val="tx1"/>
+          </a:fontRef>
+        </p:style>
+      </p:cxnSp>
+      <p:grpSp>
+        <p:nvGrpSpPr>
+          <p:cNvPr id="30" name="グループ化 29"/>
+          <p:cNvGrpSpPr/>
+          <p:nvPr/>
+        </p:nvGrpSpPr>
+        <p:grpSpPr>
+          <a:xfrm>
+            <a:off x="3923928" y="1825774"/>
+            <a:ext cx="855679" cy="811138"/>
+            <a:chOff x="3923928" y="1825774"/>
+            <a:chExt cx="855679" cy="811138"/>
+          </a:xfrm>
+        </p:grpSpPr>
+        <p:sp>
+          <p:nvSpPr>
+            <p:cNvPr id="28" name="円/楕円 27"/>
+            <p:cNvSpPr/>
+            <p:nvPr/>
+          </p:nvSpPr>
+          <p:spPr>
+            <a:xfrm>
+              <a:off x="3923928" y="1825774"/>
+              <a:ext cx="845046" cy="811138"/>
+            </a:xfrm>
+            <a:prstGeom prst="ellipse">
+              <a:avLst/>
+            </a:prstGeom>
+            <a:solidFill>
+              <a:schemeClr val="bg1">
+                <a:lumMod val="65000"/>
+              </a:schemeClr>
+            </a:solidFill>
+            <a:ln>
+              <a:solidFill>
+                <a:schemeClr val="tx1"/>
+              </a:solidFill>
+            </a:ln>
+          </p:spPr>
+          <p:style>
+            <a:lnRef idx="2">
+              <a:schemeClr val="accent1">
+                <a:shade val="50000"/>
+              </a:schemeClr>
+            </a:lnRef>
+            <a:fillRef idx="1">
+              <a:schemeClr val="accent1"/>
+            </a:fillRef>
+            <a:effectRef idx="0">
+              <a:schemeClr val="accent1"/>
+            </a:effectRef>
+            <a:fontRef idx="minor">
+              <a:schemeClr val="lt1"/>
+            </a:fontRef>
+          </p:style>
+          <p:txBody>
+            <a:bodyPr rtlCol="0" anchor="ctr"/>
+            <a:lstStyle/>
+            <a:p>
+              <a:pPr algn="ctr"/>
+              <a:endParaRPr kumimoji="1" lang="ja-JP" altLang="en-US"/>
+            </a:p>
+          </p:txBody>
+        </p:sp>
+        <p:sp>
+          <p:nvSpPr>
+            <p:cNvPr id="29" name="正方形/長方形 28"/>
+            <p:cNvSpPr/>
+            <p:nvPr/>
+          </p:nvSpPr>
+          <p:spPr>
+            <a:xfrm>
+              <a:off x="4277647" y="2089592"/>
+              <a:ext cx="501960" cy="288032"/>
+            </a:xfrm>
+            <a:prstGeom prst="rect">
+              <a:avLst/>
+            </a:prstGeom>
+            <a:solidFill>
+              <a:schemeClr val="bg1"/>
+            </a:solidFill>
+            <a:ln>
+              <a:solidFill>
+                <a:schemeClr val="bg1"/>
+              </a:solidFill>
+            </a:ln>
+          </p:spPr>
+          <p:style>
+            <a:lnRef idx="2">
+              <a:schemeClr val="accent1">
+                <a:shade val="50000"/>
+              </a:schemeClr>
+            </a:lnRef>
+            <a:fillRef idx="1">
+              <a:schemeClr val="accent1"/>
+            </a:fillRef>
+            <a:effectRef idx="0">
+              <a:schemeClr val="accent1"/>
+            </a:effectRef>
+            <a:fontRef idx="minor">
+              <a:schemeClr val="lt1"/>
+            </a:fontRef>
+          </p:style>
+          <p:txBody>
+            <a:bodyPr rtlCol="0" anchor="ctr"/>
+            <a:lstStyle/>
+            <a:p>
+              <a:pPr algn="ctr"/>
+              <a:endParaRPr kumimoji="1" lang="ja-JP" altLang="en-US"/>
+            </a:p>
+          </p:txBody>
+        </p:sp>
+      </p:grpSp>
+    </p:spTree>
+    <p:extLst>
+      <p:ext uri="{BB962C8B-B14F-4D97-AF65-F5344CB8AC3E}">
+        <p14:creationId xmlns:p14="http://schemas.microsoft.com/office/powerpoint/2010/main" val="2474635020"/>
+      </p:ext>
+    </p:extLst>
+  </p:cSld>
+  <p:clrMapOvr>
+    <a:masterClrMapping/>
+  </p:clrMapOvr>
+</p:sld>
+</file>
+
+<file path=ppt/slides/slide7.xml><?xml version="1.0" encoding="utf-8"?>
+<p:sld xmlns:a="http://schemas.openxmlformats.org/drawingml/2006/main" xmlns:r="http://schemas.openxmlformats.org/officeDocument/2006/relationships" xmlns:p="http://schemas.openxmlformats.org/presentationml/2006/main">
+  <p:cSld>
+    <p:spTree>
+      <p:nvGrpSpPr>
+        <p:cNvPr id="1" name=""/>
+        <p:cNvGrpSpPr/>
+        <p:nvPr/>
+      </p:nvGrpSpPr>
+      <p:grpSpPr>
+        <a:xfrm>
+          <a:off x="0" y="0"/>
+          <a:ext cx="0" cy="0"/>
+          <a:chOff x="0" y="0"/>
+          <a:chExt cx="0" cy="0"/>
+        </a:xfrm>
+      </p:grpSpPr>
+      <p:sp>
+        <p:nvSpPr>
+          <p:cNvPr id="2" name="タイトル 1"/>
+          <p:cNvSpPr>
+            <a:spLocks noGrp="1"/>
+          </p:cNvSpPr>
+          <p:nvPr>
+            <p:ph type="title"/>
+          </p:nvPr>
+        </p:nvSpPr>
+        <p:spPr/>
+        <p:txBody>
+          <a:bodyPr/>
+          <a:lstStyle/>
+          <a:p>
+            <a:endParaRPr kumimoji="1" lang="ja-JP" altLang="en-US"/>
+          </a:p>
+        </p:txBody>
+      </p:sp>
+      <p:grpSp>
+        <p:nvGrpSpPr>
+          <p:cNvPr id="5" name="グループ化 4"/>
+          <p:cNvGrpSpPr/>
+          <p:nvPr/>
+        </p:nvGrpSpPr>
+        <p:grpSpPr>
+          <a:xfrm>
+            <a:off x="1979712" y="1988840"/>
+            <a:ext cx="4633445" cy="2254805"/>
+            <a:chOff x="1979712" y="1988840"/>
+            <a:chExt cx="4633445" cy="2254805"/>
+          </a:xfrm>
+        </p:grpSpPr>
+        <p:pic>
+          <p:nvPicPr>
+            <p:cNvPr id="2050" name="Picture 2" descr="G:\comiket2016win\memo\images\dcim\DSC01013.JPG"/>
+            <p:cNvPicPr>
+              <a:picLocks noChangeAspect="1" noChangeArrowheads="1"/>
+            </p:cNvPicPr>
+            <p:nvPr/>
+          </p:nvPicPr>
+          <p:blipFill rotWithShape="1">
+            <a:blip r:embed="rId2" cstate="print">
+              <a:extLst>
+                <a:ext uri="{28A0092B-C50C-407E-A947-70E740481C1C}">
+                  <a14:useLocalDpi xmlns:a14="http://schemas.microsoft.com/office/drawing/2010/main" val="0"/>
+                </a:ext>
+              </a:extLst>
+            </a:blip>
+            <a:srcRect t="9812" b="17196"/>
+            <a:stretch/>
+          </p:blipFill>
+          <p:spPr bwMode="auto">
+            <a:xfrm>
+              <a:off x="1979712" y="1988840"/>
+              <a:ext cx="4633445" cy="2254805"/>
+            </a:xfrm>
+            <a:prstGeom prst="rect">
+              <a:avLst/>
+            </a:prstGeom>
+            <a:noFill/>
+            <a:extLst>
+              <a:ext uri="{909E8E84-426E-40DD-AFC4-6F175D3DCCD1}">
+                <a14:hiddenFill xmlns:a14="http://schemas.microsoft.com/office/drawing/2010/main">
+                  <a:solidFill>
+                    <a:srgbClr val="FFFFFF"/>
+                  </a:solidFill>
+                </a14:hiddenFill>
+              </a:ext>
+            </a:extLst>
+          </p:spPr>
+        </p:pic>
+        <p:sp>
+          <p:nvSpPr>
+            <p:cNvPr id="4" name="円/楕円 3"/>
+            <p:cNvSpPr/>
+            <p:nvPr/>
+          </p:nvSpPr>
+          <p:spPr>
+            <a:xfrm>
+              <a:off x="2826556" y="2907692"/>
+              <a:ext cx="216024" cy="216024"/>
+            </a:xfrm>
+            <a:prstGeom prst="ellipse">
+              <a:avLst/>
+            </a:prstGeom>
+            <a:noFill/>
+            <a:ln>
+              <a:solidFill>
+                <a:srgbClr val="FF0000"/>
+              </a:solidFill>
+            </a:ln>
+          </p:spPr>
+          <p:style>
+            <a:lnRef idx="2">
+              <a:schemeClr val="accent1">
+                <a:shade val="50000"/>
+              </a:schemeClr>
+            </a:lnRef>
+            <a:fillRef idx="1">
+              <a:schemeClr val="accent1"/>
+            </a:fillRef>
+            <a:effectRef idx="0">
+              <a:schemeClr val="accent1"/>
+            </a:effectRef>
+            <a:fontRef idx="minor">
+              <a:schemeClr val="lt1"/>
+            </a:fontRef>
+          </p:style>
+          <p:txBody>
+            <a:bodyPr rtlCol="0" anchor="ctr"/>
+            <a:lstStyle/>
+            <a:p>
+              <a:pPr algn="ctr"/>
+              <a:endParaRPr kumimoji="1" lang="ja-JP" altLang="en-US"/>
+            </a:p>
+          </p:txBody>
+        </p:sp>
+        <p:sp>
+          <p:nvSpPr>
+            <p:cNvPr id="6" name="円/楕円 5"/>
+            <p:cNvSpPr/>
+            <p:nvPr/>
+          </p:nvSpPr>
+          <p:spPr>
+            <a:xfrm>
+              <a:off x="3347864" y="2060848"/>
+              <a:ext cx="216024" cy="216024"/>
+            </a:xfrm>
+            <a:prstGeom prst="ellipse">
+              <a:avLst/>
+            </a:prstGeom>
+            <a:noFill/>
+            <a:ln>
+              <a:solidFill>
+                <a:srgbClr val="FF0000"/>
+              </a:solidFill>
+            </a:ln>
+          </p:spPr>
+          <p:style>
+            <a:lnRef idx="2">
+              <a:schemeClr val="accent1">
+                <a:shade val="50000"/>
+              </a:schemeClr>
+            </a:lnRef>
+            <a:fillRef idx="1">
+              <a:schemeClr val="accent1"/>
+            </a:fillRef>
+            <a:effectRef idx="0">
+              <a:schemeClr val="accent1"/>
+            </a:effectRef>
+            <a:fontRef idx="minor">
+              <a:schemeClr val="lt1"/>
+            </a:fontRef>
+          </p:style>
+          <p:txBody>
+            <a:bodyPr rtlCol="0" anchor="ctr"/>
+            <a:lstStyle/>
+            <a:p>
+              <a:pPr algn="ctr"/>
+              <a:endParaRPr kumimoji="1" lang="ja-JP" altLang="en-US"/>
+            </a:p>
+          </p:txBody>
+        </p:sp>
+        <p:sp>
+          <p:nvSpPr>
+            <p:cNvPr id="7" name="円/楕円 6"/>
+            <p:cNvSpPr/>
+            <p:nvPr/>
+          </p:nvSpPr>
+          <p:spPr>
+            <a:xfrm>
+              <a:off x="4716016" y="3356992"/>
+              <a:ext cx="216024" cy="216024"/>
+            </a:xfrm>
+            <a:prstGeom prst="ellipse">
+              <a:avLst/>
+            </a:prstGeom>
+            <a:noFill/>
+            <a:ln>
+              <a:solidFill>
+                <a:srgbClr val="FF0000"/>
+              </a:solidFill>
+            </a:ln>
+          </p:spPr>
+          <p:style>
+            <a:lnRef idx="2">
+              <a:schemeClr val="accent1">
+                <a:shade val="50000"/>
+              </a:schemeClr>
+            </a:lnRef>
+            <a:fillRef idx="1">
+              <a:schemeClr val="accent1"/>
+            </a:fillRef>
+            <a:effectRef idx="0">
+              <a:schemeClr val="accent1"/>
+            </a:effectRef>
+            <a:fontRef idx="minor">
+              <a:schemeClr val="lt1"/>
+            </a:fontRef>
+          </p:style>
+          <p:txBody>
+            <a:bodyPr rtlCol="0" anchor="ctr"/>
+            <a:lstStyle/>
+            <a:p>
+              <a:pPr algn="ctr"/>
+              <a:endParaRPr kumimoji="1" lang="ja-JP" altLang="en-US"/>
+            </a:p>
+          </p:txBody>
+        </p:sp>
+        <p:sp>
+          <p:nvSpPr>
+            <p:cNvPr id="8" name="円/楕円 7"/>
+            <p:cNvSpPr/>
+            <p:nvPr/>
+          </p:nvSpPr>
+          <p:spPr>
+            <a:xfrm>
+              <a:off x="4992422" y="2492896"/>
+              <a:ext cx="216024" cy="216024"/>
+            </a:xfrm>
+            <a:prstGeom prst="ellipse">
+              <a:avLst/>
+            </a:prstGeom>
+            <a:noFill/>
+            <a:ln>
+              <a:solidFill>
+                <a:srgbClr val="FF0000"/>
+              </a:solidFill>
+            </a:ln>
+          </p:spPr>
+          <p:style>
+            <a:lnRef idx="2">
+              <a:schemeClr val="accent1">
+                <a:shade val="50000"/>
+              </a:schemeClr>
+            </a:lnRef>
+            <a:fillRef idx="1">
+              <a:schemeClr val="accent1"/>
+            </a:fillRef>
+            <a:effectRef idx="0">
+              <a:schemeClr val="accent1"/>
+            </a:effectRef>
+            <a:fontRef idx="minor">
+              <a:schemeClr val="lt1"/>
+            </a:fontRef>
+          </p:style>
+          <p:txBody>
+            <a:bodyPr rtlCol="0" anchor="ctr"/>
+            <a:lstStyle/>
+            <a:p>
+              <a:pPr algn="ctr"/>
+              <a:endParaRPr kumimoji="1" lang="ja-JP" altLang="en-US"/>
+            </a:p>
+          </p:txBody>
+        </p:sp>
+        <p:sp>
+          <p:nvSpPr>
+            <p:cNvPr id="9" name="円/楕円 8"/>
+            <p:cNvSpPr/>
+            <p:nvPr/>
+          </p:nvSpPr>
+          <p:spPr>
+            <a:xfrm>
+              <a:off x="3851920" y="3397474"/>
+              <a:ext cx="216024" cy="216024"/>
+            </a:xfrm>
+            <a:prstGeom prst="ellipse">
+              <a:avLst/>
+            </a:prstGeom>
+            <a:noFill/>
+            <a:ln>
+              <a:solidFill>
+                <a:srgbClr val="FF0000"/>
+              </a:solidFill>
+            </a:ln>
+          </p:spPr>
+          <p:style>
+            <a:lnRef idx="2">
+              <a:schemeClr val="accent1">
+                <a:shade val="50000"/>
+              </a:schemeClr>
+            </a:lnRef>
+            <a:fillRef idx="1">
+              <a:schemeClr val="accent1"/>
+            </a:fillRef>
+            <a:effectRef idx="0">
+              <a:schemeClr val="accent1"/>
+            </a:effectRef>
+            <a:fontRef idx="minor">
+              <a:schemeClr val="lt1"/>
+            </a:fontRef>
+          </p:style>
+          <p:txBody>
+            <a:bodyPr rtlCol="0" anchor="ctr"/>
+            <a:lstStyle/>
+            <a:p>
+              <a:pPr algn="ctr"/>
+              <a:endParaRPr kumimoji="1" lang="ja-JP" altLang="en-US"/>
+            </a:p>
+          </p:txBody>
+        </p:sp>
+        <p:sp>
+          <p:nvSpPr>
+            <p:cNvPr id="10" name="円/楕円 9"/>
+            <p:cNvSpPr/>
+            <p:nvPr/>
+          </p:nvSpPr>
+          <p:spPr>
+            <a:xfrm>
+              <a:off x="3563888" y="3319488"/>
+              <a:ext cx="216024" cy="216024"/>
+            </a:xfrm>
+            <a:prstGeom prst="ellipse">
+              <a:avLst/>
+            </a:prstGeom>
+            <a:noFill/>
+            <a:ln>
+              <a:solidFill>
+                <a:srgbClr val="FF0000"/>
+              </a:solidFill>
+            </a:ln>
+          </p:spPr>
+          <p:style>
+            <a:lnRef idx="2">
+              <a:schemeClr val="accent1">
+                <a:shade val="50000"/>
+              </a:schemeClr>
+            </a:lnRef>
+            <a:fillRef idx="1">
+              <a:schemeClr val="accent1"/>
+            </a:fillRef>
+            <a:effectRef idx="0">
+              <a:schemeClr val="accent1"/>
+            </a:effectRef>
+            <a:fontRef idx="minor">
+              <a:schemeClr val="lt1"/>
+            </a:fontRef>
+          </p:style>
+          <p:txBody>
+            <a:bodyPr rtlCol="0" anchor="ctr"/>
+            <a:lstStyle/>
+            <a:p>
+              <a:pPr algn="ctr"/>
+              <a:endParaRPr kumimoji="1" lang="ja-JP" altLang="en-US"/>
+            </a:p>
+          </p:txBody>
+        </p:sp>
+        <p:sp>
+          <p:nvSpPr>
+            <p:cNvPr id="11" name="円/楕円 10"/>
+            <p:cNvSpPr/>
+            <p:nvPr/>
+          </p:nvSpPr>
+          <p:spPr>
+            <a:xfrm>
+              <a:off x="4354764" y="2168860"/>
+              <a:ext cx="216024" cy="216024"/>
+            </a:xfrm>
+            <a:prstGeom prst="ellipse">
+              <a:avLst/>
+            </a:prstGeom>
+            <a:noFill/>
+            <a:ln>
+              <a:solidFill>
+                <a:srgbClr val="FF0000"/>
+              </a:solidFill>
+            </a:ln>
+          </p:spPr>
+          <p:style>
+            <a:lnRef idx="2">
+              <a:schemeClr val="accent1">
+                <a:shade val="50000"/>
+              </a:schemeClr>
+            </a:lnRef>
+            <a:fillRef idx="1">
+              <a:schemeClr val="accent1"/>
+            </a:fillRef>
+            <a:effectRef idx="0">
+              <a:schemeClr val="accent1"/>
+            </a:effectRef>
+            <a:fontRef idx="minor">
+              <a:schemeClr val="lt1"/>
+            </a:fontRef>
+          </p:style>
+          <p:txBody>
+            <a:bodyPr rtlCol="0" anchor="ctr"/>
+            <a:lstStyle/>
+            <a:p>
+              <a:pPr algn="ctr"/>
+              <a:endParaRPr kumimoji="1" lang="ja-JP" altLang="en-US"/>
+            </a:p>
+          </p:txBody>
+        </p:sp>
+        <p:sp>
+          <p:nvSpPr>
+            <p:cNvPr id="12" name="円/楕円 11"/>
+            <p:cNvSpPr/>
+            <p:nvPr/>
+          </p:nvSpPr>
+          <p:spPr>
+            <a:xfrm>
+              <a:off x="4066732" y="2090874"/>
+              <a:ext cx="216024" cy="216024"/>
+            </a:xfrm>
+            <a:prstGeom prst="ellipse">
+              <a:avLst/>
+            </a:prstGeom>
+            <a:noFill/>
+            <a:ln>
+              <a:solidFill>
+                <a:srgbClr val="FF0000"/>
+              </a:solidFill>
+            </a:ln>
+          </p:spPr>
+          <p:style>
+            <a:lnRef idx="2">
+              <a:schemeClr val="accent1">
+                <a:shade val="50000"/>
+              </a:schemeClr>
+            </a:lnRef>
+            <a:fillRef idx="1">
+              <a:schemeClr val="accent1"/>
+            </a:fillRef>
+            <a:effectRef idx="0">
+              <a:schemeClr val="accent1"/>
+            </a:effectRef>
+            <a:fontRef idx="minor">
+              <a:schemeClr val="lt1"/>
+            </a:fontRef>
+          </p:style>
+          <p:txBody>
+            <a:bodyPr rtlCol="0" anchor="ctr"/>
+            <a:lstStyle/>
+            <a:p>
+              <a:pPr algn="ctr"/>
+              <a:endParaRPr kumimoji="1" lang="ja-JP" altLang="en-US"/>
+            </a:p>
+          </p:txBody>
+        </p:sp>
+      </p:grpSp>
+    </p:spTree>
+    <p:extLst>
+      <p:ext uri="{BB962C8B-B14F-4D97-AF65-F5344CB8AC3E}">
+        <p14:creationId xmlns:p14="http://schemas.microsoft.com/office/powerpoint/2010/main" val="730949578"/>
+      </p:ext>
+    </p:extLst>
+  </p:cSld>
+  <p:clrMapOvr>
+    <a:masterClrMapping/>
+  </p:clrMapOvr>
+</p:sld>
+</file>
+
+<file path=ppt/slides/slide8.xml><?xml version="1.0" encoding="utf-8"?>
+<p:sld xmlns:a="http://schemas.openxmlformats.org/drawingml/2006/main" xmlns:r="http://schemas.openxmlformats.org/officeDocument/2006/relationships" xmlns:p="http://schemas.openxmlformats.org/presentationml/2006/main">
+  <p:cSld>
+    <p:spTree>
+      <p:nvGrpSpPr>
+        <p:cNvPr id="1" name=""/>
+        <p:cNvGrpSpPr/>
+        <p:nvPr/>
+      </p:nvGrpSpPr>
+      <p:grpSpPr>
+        <a:xfrm>
+          <a:off x="0" y="0"/>
+          <a:ext cx="0" cy="0"/>
+          <a:chOff x="0" y="0"/>
+          <a:chExt cx="0" cy="0"/>
+        </a:xfrm>
+      </p:grpSpPr>
+      <p:sp>
+        <p:nvSpPr>
+          <p:cNvPr id="2" name="タイトル 1"/>
+          <p:cNvSpPr>
+            <a:spLocks noGrp="1"/>
+          </p:cNvSpPr>
+          <p:nvPr>
+            <p:ph type="title"/>
+          </p:nvPr>
+        </p:nvSpPr>
+        <p:spPr/>
+        <p:txBody>
+          <a:bodyPr/>
+          <a:lstStyle/>
+          <a:p>
+            <a:endParaRPr kumimoji="1" lang="ja-JP" altLang="en-US"/>
+          </a:p>
+        </p:txBody>
+      </p:sp>
+      <p:sp>
+        <p:nvSpPr>
+          <p:cNvPr id="3" name="コンテンツ プレースホルダー 2"/>
+          <p:cNvSpPr>
+            <a:spLocks noGrp="1"/>
+          </p:cNvSpPr>
+          <p:nvPr>
+            <p:ph idx="1"/>
+          </p:nvPr>
+        </p:nvSpPr>
+        <p:spPr/>
+        <p:txBody>
+          <a:bodyPr/>
+          <a:lstStyle/>
+          <a:p>
+            <a:endParaRPr kumimoji="1" lang="ja-JP" altLang="en-US"/>
+          </a:p>
+        </p:txBody>
+      </p:sp>
+      <p:pic>
+        <p:nvPicPr>
+          <p:cNvPr id="3074" name="Picture 2" descr="G:\comiket2016win\memo\images\dcim\DSC01016_.JPG"/>
+          <p:cNvPicPr>
+            <a:picLocks noChangeAspect="1" noChangeArrowheads="1"/>
+          </p:cNvPicPr>
+          <p:nvPr/>
+        </p:nvPicPr>
+        <p:blipFill>
+          <a:blip r:embed="rId2" cstate="print">
+            <a:extLst>
+              <a:ext uri="{28A0092B-C50C-407E-A947-70E740481C1C}">
+                <a14:useLocalDpi xmlns:a14="http://schemas.microsoft.com/office/drawing/2010/main" val="0"/>
+              </a:ext>
+            </a:extLst>
+          </a:blip>
+          <a:srcRect/>
+          <a:stretch>
+            <a:fillRect/>
+          </a:stretch>
+        </p:blipFill>
+        <p:spPr bwMode="auto">
+          <a:xfrm>
+            <a:off x="-18800" y="3068958"/>
+            <a:ext cx="4104248" cy="2736305"/>
+          </a:xfrm>
+          <a:prstGeom prst="rect">
+            <a:avLst/>
+          </a:prstGeom>
+          <a:noFill/>
+          <a:extLst>
+            <a:ext uri="{909E8E84-426E-40DD-AFC4-6F175D3DCCD1}">
+              <a14:hiddenFill xmlns:a14="http://schemas.microsoft.com/office/drawing/2010/main">
+                <a:solidFill>
+                  <a:srgbClr val="FFFFFF"/>
+                </a:solidFill>
+              </a14:hiddenFill>
+            </a:ext>
+          </a:extLst>
+        </p:spPr>
+      </p:pic>
+      <p:pic>
+        <p:nvPicPr>
+          <p:cNvPr id="3075" name="Picture 3" descr="G:\comiket2016win\memo\images\dcim\DSC01017_.JPG"/>
+          <p:cNvPicPr>
+            <a:picLocks noChangeAspect="1" noChangeArrowheads="1"/>
+          </p:cNvPicPr>
+          <p:nvPr/>
+        </p:nvPicPr>
+        <p:blipFill>
+          <a:blip r:embed="rId3" cstate="print">
+            <a:extLst>
+              <a:ext uri="{28A0092B-C50C-407E-A947-70E740481C1C}">
+                <a14:useLocalDpi xmlns:a14="http://schemas.microsoft.com/office/drawing/2010/main" val="0"/>
+              </a:ext>
+            </a:extLst>
+          </a:blip>
+          <a:srcRect/>
+          <a:stretch>
+            <a:fillRect/>
+          </a:stretch>
+        </p:blipFill>
+        <p:spPr bwMode="auto">
+          <a:xfrm>
+            <a:off x="4506525" y="3068960"/>
+            <a:ext cx="4104248" cy="2736304"/>
+          </a:xfrm>
+          <a:prstGeom prst="rect">
+            <a:avLst/>
+          </a:prstGeom>
+          <a:noFill/>
+          <a:extLst>
+            <a:ext uri="{909E8E84-426E-40DD-AFC4-6F175D3DCCD1}">
+              <a14:hiddenFill xmlns:a14="http://schemas.microsoft.com/office/drawing/2010/main">
+                <a:solidFill>
+                  <a:srgbClr val="FFFFFF"/>
+                </a:solidFill>
+              </a14:hiddenFill>
+            </a:ext>
+          </a:extLst>
+        </p:spPr>
+      </p:pic>
+    </p:spTree>
+    <p:extLst>
+      <p:ext uri="{BB962C8B-B14F-4D97-AF65-F5344CB8AC3E}">
+        <p14:creationId xmlns:p14="http://schemas.microsoft.com/office/powerpoint/2010/main" val="3243101811"/>
+      </p:ext>
+    </p:extLst>
+  </p:cSld>
+  <p:clrMapOvr>
+    <a:masterClrMapping/>
+  </p:clrMapOvr>
+</p:sld>
+</file>
+
+<file path=ppt/slides/slide9.xml><?xml version="1.0" encoding="utf-8"?>
+<p:sld xmlns:a="http://schemas.openxmlformats.org/drawingml/2006/main" xmlns:r="http://schemas.openxmlformats.org/officeDocument/2006/relationships" xmlns:p="http://schemas.openxmlformats.org/presentationml/2006/main">
+  <p:cSld>
+    <p:spTree>
+      <p:nvGrpSpPr>
+        <p:cNvPr id="1" name=""/>
+        <p:cNvGrpSpPr/>
+        <p:nvPr/>
+      </p:nvGrpSpPr>
+      <p:grpSpPr>
+        <a:xfrm>
+          <a:off x="0" y="0"/>
+          <a:ext cx="0" cy="0"/>
+          <a:chOff x="0" y="0"/>
+          <a:chExt cx="0" cy="0"/>
+        </a:xfrm>
+      </p:grpSpPr>
+      <p:sp>
+        <p:nvSpPr>
+          <p:cNvPr id="2" name="タイトル 1"/>
+          <p:cNvSpPr>
+            <a:spLocks noGrp="1"/>
+          </p:cNvSpPr>
+          <p:nvPr>
+            <p:ph type="title"/>
+          </p:nvPr>
+        </p:nvSpPr>
+        <p:spPr/>
+        <p:txBody>
+          <a:bodyPr/>
+          <a:lstStyle/>
+          <a:p>
+            <a:endParaRPr kumimoji="1" lang="ja-JP" altLang="en-US"/>
+          </a:p>
+        </p:txBody>
+      </p:sp>
+      <p:sp>
+        <p:nvSpPr>
+          <p:cNvPr id="3" name="コンテンツ プレースホルダー 2"/>
+          <p:cNvSpPr>
+            <a:spLocks noGrp="1"/>
+          </p:cNvSpPr>
+          <p:nvPr>
+            <p:ph idx="1"/>
+          </p:nvPr>
+        </p:nvSpPr>
+        <p:spPr/>
+        <p:txBody>
+          <a:bodyPr/>
+          <a:lstStyle/>
+          <a:p>
+            <a:endParaRPr kumimoji="1" lang="ja-JP" altLang="en-US"/>
+          </a:p>
+        </p:txBody>
+      </p:sp>
+      <p:pic>
+        <p:nvPicPr>
+          <p:cNvPr id="4099" name="Picture 3" descr="G:\comiket2016win\memo\images\eV\DSC01025.JPG"/>
+          <p:cNvPicPr>
+            <a:picLocks noChangeAspect="1" noChangeArrowheads="1"/>
+          </p:cNvPicPr>
+          <p:nvPr/>
+        </p:nvPicPr>
+        <p:blipFill rotWithShape="1">
+          <a:blip r:embed="rId2" cstate="print">
+            <a:extLst>
+              <a:ext uri="{28A0092B-C50C-407E-A947-70E740481C1C}">
+                <a14:useLocalDpi xmlns:a14="http://schemas.microsoft.com/office/drawing/2010/main" val="0"/>
+              </a:ext>
+            </a:extLst>
+          </a:blip>
+          <a:srcRect l="6024" t="11926" r="14615"/>
+          <a:stretch/>
+        </p:blipFill>
+        <p:spPr bwMode="auto">
+          <a:xfrm>
+            <a:off x="1251284" y="1540042"/>
+            <a:ext cx="5582653" cy="4130558"/>
+          </a:xfrm>
+          <a:prstGeom prst="rect">
+            <a:avLst/>
+          </a:prstGeom>
+          <a:noFill/>
+          <a:extLst>
+            <a:ext uri="{909E8E84-426E-40DD-AFC4-6F175D3DCCD1}">
+              <a14:hiddenFill xmlns:a14="http://schemas.microsoft.com/office/drawing/2010/main">
+                <a:solidFill>
+                  <a:srgbClr val="FFFFFF"/>
+                </a:solidFill>
+              </a14:hiddenFill>
+            </a:ext>
+          </a:extLst>
+        </p:spPr>
+      </p:pic>
+    </p:spTree>
+    <p:extLst>
+      <p:ext uri="{BB962C8B-B14F-4D97-AF65-F5344CB8AC3E}">
+        <p14:creationId xmlns:p14="http://schemas.microsoft.com/office/powerpoint/2010/main" val="890592394"/>
       </p:ext>
     </p:extLst>
   </p:cSld>
@@ -4203,4 +10726,289 @@
   <a:objectDefaults/>
   <a:extraClrSchemeLst/>
 </a:theme>
+</file>
+
+<file path=ppt/theme/theme2.xml><?xml version="1.0" encoding="utf-8"?>
+<a:theme xmlns:a="http://schemas.openxmlformats.org/drawingml/2006/main" name="Office ​​テーマ">
+  <a:themeElements>
+    <a:clrScheme name="Office">
+      <a:dk1>
+        <a:sysClr val="windowText" lastClr="000000"/>
+      </a:dk1>
+      <a:lt1>
+        <a:sysClr val="window" lastClr="FFFFFF"/>
+      </a:lt1>
+      <a:dk2>
+        <a:srgbClr val="1F497D"/>
+      </a:dk2>
+      <a:lt2>
+        <a:srgbClr val="EEECE1"/>
+      </a:lt2>
+      <a:accent1>
+        <a:srgbClr val="4F81BD"/>
+      </a:accent1>
+      <a:accent2>
+        <a:srgbClr val="C0504D"/>
+      </a:accent2>
+      <a:accent3>
+        <a:srgbClr val="9BBB59"/>
+      </a:accent3>
+      <a:accent4>
+        <a:srgbClr val="8064A2"/>
+      </a:accent4>
+      <a:accent5>
+        <a:srgbClr val="4BACC6"/>
+      </a:accent5>
+      <a:accent6>
+        <a:srgbClr val="F79646"/>
+      </a:accent6>
+      <a:hlink>
+        <a:srgbClr val="0000FF"/>
+      </a:hlink>
+      <a:folHlink>
+        <a:srgbClr val="800080"/>
+      </a:folHlink>
+    </a:clrScheme>
+    <a:fontScheme name="Office">
+      <a:majorFont>
+        <a:latin typeface="Calibri"/>
+        <a:ea typeface=""/>
+        <a:cs typeface=""/>
+        <a:font script="Jpan" typeface="ＭＳ Ｐゴシック"/>
+        <a:font script="Hang" typeface="맑은 고딕"/>
+        <a:font script="Hans" typeface="宋体"/>
+        <a:font script="Hant" typeface="新細明體"/>
+        <a:font script="Arab" typeface="Times New Roman"/>
+        <a:font script="Hebr" typeface="Times New Roman"/>
+        <a:font script="Thai" typeface="Angsana New"/>
+        <a:font script="Ethi" typeface="Nyala"/>
+        <a:font script="Beng" typeface="Vrinda"/>
+        <a:font script="Gujr" typeface="Shruti"/>
+        <a:font script="Khmr" typeface="MoolBoran"/>
+        <a:font script="Knda" typeface="Tunga"/>
+        <a:font script="Guru" typeface="Raavi"/>
+        <a:font script="Cans" typeface="Euphemia"/>
+        <a:font script="Cher" typeface="Plantagenet Cherokee"/>
+        <a:font script="Yiii" typeface="Microsoft Yi Baiti"/>
+        <a:font script="Tibt" typeface="Microsoft Himalaya"/>
+        <a:font script="Thaa" typeface="MV Boli"/>
+        <a:font script="Deva" typeface="Mangal"/>
+        <a:font script="Telu" typeface="Gautami"/>
+        <a:font script="Taml" typeface="Latha"/>
+        <a:font script="Syrc" typeface="Estrangelo Edessa"/>
+        <a:font script="Orya" typeface="Kalinga"/>
+        <a:font script="Mlym" typeface="Kartika"/>
+        <a:font script="Laoo" typeface="DokChampa"/>
+        <a:font script="Sinh" typeface="Iskoola Pota"/>
+        <a:font script="Mong" typeface="Mongolian Baiti"/>
+        <a:font script="Viet" typeface="Times New Roman"/>
+        <a:font script="Uigh" typeface="Microsoft Uighur"/>
+        <a:font script="Geor" typeface="Sylfaen"/>
+      </a:majorFont>
+      <a:minorFont>
+        <a:latin typeface="Calibri"/>
+        <a:ea typeface=""/>
+        <a:cs typeface=""/>
+        <a:font script="Jpan" typeface="ＭＳ Ｐゴシック"/>
+        <a:font script="Hang" typeface="맑은 고딕"/>
+        <a:font script="Hans" typeface="宋体"/>
+        <a:font script="Hant" typeface="新細明體"/>
+        <a:font script="Arab" typeface="Arial"/>
+        <a:font script="Hebr" typeface="Arial"/>
+        <a:font script="Thai" typeface="Cordia New"/>
+        <a:font script="Ethi" typeface="Nyala"/>
+        <a:font script="Beng" typeface="Vrinda"/>
+        <a:font script="Gujr" typeface="Shruti"/>
+        <a:font script="Khmr" typeface="DaunPenh"/>
+        <a:font script="Knda" typeface="Tunga"/>
+        <a:font script="Guru" typeface="Raavi"/>
+        <a:font script="Cans" typeface="Euphemia"/>
+        <a:font script="Cher" typeface="Plantagenet Cherokee"/>
+        <a:font script="Yiii" typeface="Microsoft Yi Baiti"/>
+        <a:font script="Tibt" typeface="Microsoft Himalaya"/>
+        <a:font script="Thaa" typeface="MV Boli"/>
+        <a:font script="Deva" typeface="Mangal"/>
+        <a:font script="Telu" typeface="Gautami"/>
+        <a:font script="Taml" typeface="Latha"/>
+        <a:font script="Syrc" typeface="Estrangelo Edessa"/>
+        <a:font script="Orya" typeface="Kalinga"/>
+        <a:font script="Mlym" typeface="Kartika"/>
+        <a:font script="Laoo" typeface="DokChampa"/>
+        <a:font script="Sinh" typeface="Iskoola Pota"/>
+        <a:font script="Mong" typeface="Mongolian Baiti"/>
+        <a:font script="Viet" typeface="Arial"/>
+        <a:font script="Uigh" typeface="Microsoft Uighur"/>
+        <a:font script="Geor" typeface="Sylfaen"/>
+      </a:minorFont>
+    </a:fontScheme>
+    <a:fmtScheme name="Office">
+      <a:fillStyleLst>
+        <a:solidFill>
+          <a:schemeClr val="phClr"/>
+        </a:solidFill>
+        <a:gradFill rotWithShape="1">
+          <a:gsLst>
+            <a:gs pos="0">
+              <a:schemeClr val="phClr">
+                <a:tint val="50000"/>
+                <a:satMod val="300000"/>
+              </a:schemeClr>
+            </a:gs>
+            <a:gs pos="35000">
+              <a:schemeClr val="phClr">
+                <a:tint val="37000"/>
+                <a:satMod val="300000"/>
+              </a:schemeClr>
+            </a:gs>
+            <a:gs pos="100000">
+              <a:schemeClr val="phClr">
+                <a:tint val="15000"/>
+                <a:satMod val="350000"/>
+              </a:schemeClr>
+            </a:gs>
+          </a:gsLst>
+          <a:lin ang="16200000" scaled="1"/>
+        </a:gradFill>
+        <a:gradFill rotWithShape="1">
+          <a:gsLst>
+            <a:gs pos="0">
+              <a:schemeClr val="phClr">
+                <a:shade val="51000"/>
+                <a:satMod val="130000"/>
+              </a:schemeClr>
+            </a:gs>
+            <a:gs pos="80000">
+              <a:schemeClr val="phClr">
+                <a:shade val="93000"/>
+                <a:satMod val="130000"/>
+              </a:schemeClr>
+            </a:gs>
+            <a:gs pos="100000">
+              <a:schemeClr val="phClr">
+                <a:shade val="94000"/>
+                <a:satMod val="135000"/>
+              </a:schemeClr>
+            </a:gs>
+          </a:gsLst>
+          <a:lin ang="16200000" scaled="0"/>
+        </a:gradFill>
+      </a:fillStyleLst>
+      <a:lnStyleLst>
+        <a:ln w="9525" cap="flat" cmpd="sng" algn="ctr">
+          <a:solidFill>
+            <a:schemeClr val="phClr">
+              <a:shade val="95000"/>
+              <a:satMod val="105000"/>
+            </a:schemeClr>
+          </a:solidFill>
+          <a:prstDash val="solid"/>
+        </a:ln>
+        <a:ln w="25400" cap="flat" cmpd="sng" algn="ctr">
+          <a:solidFill>
+            <a:schemeClr val="phClr"/>
+          </a:solidFill>
+          <a:prstDash val="solid"/>
+        </a:ln>
+        <a:ln w="38100" cap="flat" cmpd="sng" algn="ctr">
+          <a:solidFill>
+            <a:schemeClr val="phClr"/>
+          </a:solidFill>
+          <a:prstDash val="solid"/>
+        </a:ln>
+      </a:lnStyleLst>
+      <a:effectStyleLst>
+        <a:effectStyle>
+          <a:effectLst>
+            <a:outerShdw blurRad="40000" dist="20000" dir="5400000" rotWithShape="0">
+              <a:srgbClr val="000000">
+                <a:alpha val="38000"/>
+              </a:srgbClr>
+            </a:outerShdw>
+          </a:effectLst>
+        </a:effectStyle>
+        <a:effectStyle>
+          <a:effectLst>
+            <a:outerShdw blurRad="40000" dist="23000" dir="5400000" rotWithShape="0">
+              <a:srgbClr val="000000">
+                <a:alpha val="35000"/>
+              </a:srgbClr>
+            </a:outerShdw>
+          </a:effectLst>
+        </a:effectStyle>
+        <a:effectStyle>
+          <a:effectLst>
+            <a:outerShdw blurRad="40000" dist="23000" dir="5400000" rotWithShape="0">
+              <a:srgbClr val="000000">
+                <a:alpha val="35000"/>
+              </a:srgbClr>
+            </a:outerShdw>
+          </a:effectLst>
+          <a:scene3d>
+            <a:camera prst="orthographicFront">
+              <a:rot lat="0" lon="0" rev="0"/>
+            </a:camera>
+            <a:lightRig rig="threePt" dir="t">
+              <a:rot lat="0" lon="0" rev="1200000"/>
+            </a:lightRig>
+          </a:scene3d>
+          <a:sp3d>
+            <a:bevelT w="63500" h="25400"/>
+          </a:sp3d>
+        </a:effectStyle>
+      </a:effectStyleLst>
+      <a:bgFillStyleLst>
+        <a:solidFill>
+          <a:schemeClr val="phClr"/>
+        </a:solidFill>
+        <a:gradFill rotWithShape="1">
+          <a:gsLst>
+            <a:gs pos="0">
+              <a:schemeClr val="phClr">
+                <a:tint val="40000"/>
+                <a:satMod val="350000"/>
+              </a:schemeClr>
+            </a:gs>
+            <a:gs pos="40000">
+              <a:schemeClr val="phClr">
+                <a:tint val="45000"/>
+                <a:shade val="99000"/>
+                <a:satMod val="350000"/>
+              </a:schemeClr>
+            </a:gs>
+            <a:gs pos="100000">
+              <a:schemeClr val="phClr">
+                <a:shade val="20000"/>
+                <a:satMod val="255000"/>
+              </a:schemeClr>
+            </a:gs>
+          </a:gsLst>
+          <a:path path="circle">
+            <a:fillToRect l="50000" t="-80000" r="50000" b="180000"/>
+          </a:path>
+        </a:gradFill>
+        <a:gradFill rotWithShape="1">
+          <a:gsLst>
+            <a:gs pos="0">
+              <a:schemeClr val="phClr">
+                <a:tint val="80000"/>
+                <a:satMod val="300000"/>
+              </a:schemeClr>
+            </a:gs>
+            <a:gs pos="100000">
+              <a:schemeClr val="phClr">
+                <a:shade val="30000"/>
+                <a:satMod val="200000"/>
+              </a:schemeClr>
+            </a:gs>
+          </a:gsLst>
+          <a:path path="circle">
+            <a:fillToRect l="50000" t="50000" r="50000" b="50000"/>
+          </a:path>
+        </a:gradFill>
+      </a:bgFillStyleLst>
+    </a:fmtScheme>
+  </a:themeElements>
+  <a:objectDefaults/>
+  <a:extraClrSchemeLst/>
+</a:theme>
 </file>